--- a/資料探勘與視覺化分析/Data Visualization Through Their Graph Representation.pptx
+++ b/資料探勘與視覺化分析/Data Visualization Through Their Graph Representation.pptx
@@ -5,18 +5,26 @@
     <p:sldMasterId id="2147483744" r:id="rId1"/>
   </p:sldMasterIdLst>
   <p:notesMasterIdLst>
-    <p:notesMasterId r:id="rId11"/>
+    <p:notesMasterId r:id="rId19"/>
   </p:notesMasterIdLst>
   <p:sldIdLst>
     <p:sldId id="256" r:id="rId2"/>
     <p:sldId id="257" r:id="rId3"/>
     <p:sldId id="258" r:id="rId4"/>
     <p:sldId id="259" r:id="rId5"/>
-    <p:sldId id="260" r:id="rId6"/>
-    <p:sldId id="261" r:id="rId7"/>
-    <p:sldId id="262" r:id="rId8"/>
-    <p:sldId id="263" r:id="rId9"/>
-    <p:sldId id="264" r:id="rId10"/>
+    <p:sldId id="265" r:id="rId6"/>
+    <p:sldId id="260" r:id="rId7"/>
+    <p:sldId id="261" r:id="rId8"/>
+    <p:sldId id="262" r:id="rId9"/>
+    <p:sldId id="266" r:id="rId10"/>
+    <p:sldId id="263" r:id="rId11"/>
+    <p:sldId id="264" r:id="rId12"/>
+    <p:sldId id="267" r:id="rId13"/>
+    <p:sldId id="268" r:id="rId14"/>
+    <p:sldId id="269" r:id="rId15"/>
+    <p:sldId id="270" r:id="rId16"/>
+    <p:sldId id="271" r:id="rId17"/>
+    <p:sldId id="272" r:id="rId18"/>
   </p:sldIdLst>
   <p:sldSz cx="12192000" cy="6858000"/>
   <p:notesSz cx="6858000" cy="9144000"/>
@@ -115,6 +123,11 @@
       </a:defRPr>
     </a:lvl9pPr>
   </p:defaultTextStyle>
+  <p:extLst>
+    <p:ext uri="{EFAFB233-063F-42B5-8137-9DF3F51BA10A}">
+      <p15:sldGuideLst xmlns:p15="http://schemas.microsoft.com/office/powerpoint/2012/main"/>
+    </p:ext>
+  </p:extLst>
 </p:presentation>
 </file>
 
@@ -994,7 +1007,7 @@
         <a:lstStyle/>
         <a:p>
           <a:r>
-            <a:rPr lang="en-US"/>
+            <a:rPr lang="en-US" dirty="0"/>
             <a:t>Force-directed Techniques</a:t>
           </a:r>
         </a:p>
@@ -1174,6 +1187,13 @@
         </dgm:presLayoutVars>
       </dgm:prSet>
       <dgm:spPr/>
+      <dgm:t>
+        <a:bodyPr/>
+        <a:lstStyle/>
+        <a:p>
+          <a:endParaRPr lang="zh-TW" altLang="en-US"/>
+        </a:p>
+      </dgm:t>
     </dgm:pt>
     <dgm:pt modelId="{A289C927-90F2-4F38-8C80-6321862332B5}" type="pres">
       <dgm:prSet presAssocID="{1231EA63-C13B-4CDD-92CF-256493F16AC9}" presName="parentText" presStyleLbl="node1" presStyleIdx="0" presStyleCnt="3">
@@ -1183,6 +1203,13 @@
         </dgm:presLayoutVars>
       </dgm:prSet>
       <dgm:spPr/>
+      <dgm:t>
+        <a:bodyPr/>
+        <a:lstStyle/>
+        <a:p>
+          <a:endParaRPr lang="zh-TW" altLang="en-US"/>
+        </a:p>
+      </dgm:t>
     </dgm:pt>
     <dgm:pt modelId="{1D55F7E7-A34A-461A-A36A-94773E45FC63}" type="pres">
       <dgm:prSet presAssocID="{45C14158-3B6B-4380-92D5-737977480003}" presName="spacer" presStyleCnt="0"/>
@@ -1196,6 +1223,13 @@
         </dgm:presLayoutVars>
       </dgm:prSet>
       <dgm:spPr/>
+      <dgm:t>
+        <a:bodyPr/>
+        <a:lstStyle/>
+        <a:p>
+          <a:endParaRPr lang="zh-TW" altLang="en-US"/>
+        </a:p>
+      </dgm:t>
     </dgm:pt>
     <dgm:pt modelId="{F1F6B279-2FD6-45BA-BEAF-85E5CF70C4FC}" type="pres">
       <dgm:prSet presAssocID="{FFF94186-2FCF-424C-A550-B7C51A09F2E0}" presName="childText" presStyleLbl="revTx" presStyleIdx="0" presStyleCnt="1">
@@ -1204,6 +1238,13 @@
         </dgm:presLayoutVars>
       </dgm:prSet>
       <dgm:spPr/>
+      <dgm:t>
+        <a:bodyPr/>
+        <a:lstStyle/>
+        <a:p>
+          <a:endParaRPr lang="zh-TW" altLang="en-US"/>
+        </a:p>
+      </dgm:t>
     </dgm:pt>
     <dgm:pt modelId="{9EE5AD22-B67F-4078-AD0A-0CDADC81BE2A}" type="pres">
       <dgm:prSet presAssocID="{8BD57720-7AFE-4CAE-8A27-605855E4254A}" presName="parentText" presStyleLbl="node1" presStyleIdx="2" presStyleCnt="3">
@@ -1213,23 +1254,30 @@
         </dgm:presLayoutVars>
       </dgm:prSet>
       <dgm:spPr/>
+      <dgm:t>
+        <a:bodyPr/>
+        <a:lstStyle/>
+        <a:p>
+          <a:endParaRPr lang="zh-TW" altLang="en-US"/>
+        </a:p>
+      </dgm:t>
     </dgm:pt>
   </dgm:ptLst>
   <dgm:cxnLst>
+    <dgm:cxn modelId="{68B7C1C5-360C-48AC-A694-D01C1EF38E32}" type="presOf" srcId="{3F5E5289-5D3F-4E92-88F6-6BB7E49F2F9E}" destId="{F1F6B279-2FD6-45BA-BEAF-85E5CF70C4FC}" srcOrd="0" destOrd="1" presId="urn:microsoft.com/office/officeart/2005/8/layout/vList2"/>
+    <dgm:cxn modelId="{05CDFC68-FCA5-4DA4-B99E-668BF05382A7}" srcId="{F0C96F33-3CAD-412B-868E-34B488B75284}" destId="{1231EA63-C13B-4CDD-92CF-256493F16AC9}" srcOrd="0" destOrd="0" parTransId="{81857A66-0241-4E1B-9D03-0C0B60DE5D3C}" sibTransId="{45C14158-3B6B-4380-92D5-737977480003}"/>
+    <dgm:cxn modelId="{B486ED83-1173-4B2A-8D30-1E81B21ECA53}" srcId="{FFF94186-2FCF-424C-A550-B7C51A09F2E0}" destId="{D74C4341-0847-487E-A84A-52C8607E179E}" srcOrd="0" destOrd="0" parTransId="{B786E676-1C38-4EBB-9BCA-2FB854AFCE24}" sibTransId="{169EB647-ECD4-42F8-BCE2-706E50432832}"/>
+    <dgm:cxn modelId="{F31BD2A6-7534-4007-BF6A-1A210651EA2C}" type="presOf" srcId="{819BDE2C-EE85-4810-9CCD-E9F661B206FA}" destId="{F1F6B279-2FD6-45BA-BEAF-85E5CF70C4FC}" srcOrd="0" destOrd="2" presId="urn:microsoft.com/office/officeart/2005/8/layout/vList2"/>
+    <dgm:cxn modelId="{47FAFC7E-A4AF-42C3-93A3-A5AE8C710C60}" type="presOf" srcId="{FFF94186-2FCF-424C-A550-B7C51A09F2E0}" destId="{8ABE9EC5-CDD2-4003-B509-3C2D62C13F3B}" srcOrd="0" destOrd="0" presId="urn:microsoft.com/office/officeart/2005/8/layout/vList2"/>
+    <dgm:cxn modelId="{F9D6BD6E-19E9-42D7-926D-5A198EC819FF}" srcId="{FFF94186-2FCF-424C-A550-B7C51A09F2E0}" destId="{819BDE2C-EE85-4810-9CCD-E9F661B206FA}" srcOrd="2" destOrd="0" parTransId="{C2737149-4D36-4853-AE9F-B07875420FA1}" sibTransId="{E37C80B1-8896-470A-B5F0-9EA4E5782634}"/>
+    <dgm:cxn modelId="{67E34D91-333C-4E61-ABBF-D3D4058D1F2F}" type="presOf" srcId="{8BD57720-7AFE-4CAE-8A27-605855E4254A}" destId="{9EE5AD22-B67F-4078-AD0A-0CDADC81BE2A}" srcOrd="0" destOrd="0" presId="urn:microsoft.com/office/officeart/2005/8/layout/vList2"/>
+    <dgm:cxn modelId="{5AF3AEAC-B3C4-4A04-BF1E-2FB916E7FE6A}" type="presOf" srcId="{2B23CD72-87C9-4734-8308-3EA7370B387F}" destId="{F1F6B279-2FD6-45BA-BEAF-85E5CF70C4FC}" srcOrd="0" destOrd="3" presId="urn:microsoft.com/office/officeart/2005/8/layout/vList2"/>
+    <dgm:cxn modelId="{C12319FA-7153-415C-AE30-219428540095}" type="presOf" srcId="{1231EA63-C13B-4CDD-92CF-256493F16AC9}" destId="{A289C927-90F2-4F38-8C80-6321862332B5}" srcOrd="0" destOrd="0" presId="urn:microsoft.com/office/officeart/2005/8/layout/vList2"/>
     <dgm:cxn modelId="{7C4A800E-14C2-486B-A4C3-527FBCB6FC64}" srcId="{F0C96F33-3CAD-412B-868E-34B488B75284}" destId="{FFF94186-2FCF-424C-A550-B7C51A09F2E0}" srcOrd="1" destOrd="0" parTransId="{DCC4AEEA-910D-464B-AB81-6CE1587A0230}" sibTransId="{1C584861-061C-47E6-A595-6CFF74D2EF82}"/>
     <dgm:cxn modelId="{2C4EC520-623E-4B19-8FA3-005713BA9D37}" srcId="{FFF94186-2FCF-424C-A550-B7C51A09F2E0}" destId="{2B23CD72-87C9-4734-8308-3EA7370B387F}" srcOrd="3" destOrd="0" parTransId="{6277178D-2D6B-4945-B182-9543B4BA4882}" sibTransId="{AEA7408B-5D8F-4641-A913-3D4B000D8116}"/>
-    <dgm:cxn modelId="{05CDFC68-FCA5-4DA4-B99E-668BF05382A7}" srcId="{F0C96F33-3CAD-412B-868E-34B488B75284}" destId="{1231EA63-C13B-4CDD-92CF-256493F16AC9}" srcOrd="0" destOrd="0" parTransId="{81857A66-0241-4E1B-9D03-0C0B60DE5D3C}" sibTransId="{45C14158-3B6B-4380-92D5-737977480003}"/>
-    <dgm:cxn modelId="{F9D6BD6E-19E9-42D7-926D-5A198EC819FF}" srcId="{FFF94186-2FCF-424C-A550-B7C51A09F2E0}" destId="{819BDE2C-EE85-4810-9CCD-E9F661B206FA}" srcOrd="2" destOrd="0" parTransId="{C2737149-4D36-4853-AE9F-B07875420FA1}" sibTransId="{E37C80B1-8896-470A-B5F0-9EA4E5782634}"/>
+    <dgm:cxn modelId="{31E315AB-DD6E-4779-8487-14F0CF81168F}" srcId="{F0C96F33-3CAD-412B-868E-34B488B75284}" destId="{8BD57720-7AFE-4CAE-8A27-605855E4254A}" srcOrd="2" destOrd="0" parTransId="{0D8F4ECC-5E75-45DF-AE9A-E7E9B49CC38C}" sibTransId="{CD6E5403-11FC-4B47-9885-AAD005347619}"/>
+    <dgm:cxn modelId="{3D30B1E4-9BF6-4FEB-A640-167D377389B4}" srcId="{FFF94186-2FCF-424C-A550-B7C51A09F2E0}" destId="{3F5E5289-5D3F-4E92-88F6-6BB7E49F2F9E}" srcOrd="1" destOrd="0" parTransId="{36E2F42F-2940-40F6-9BE7-A29C60EE6B32}" sibTransId="{79F655EF-2541-4DCA-A67B-AFF96C1D49A5}"/>
     <dgm:cxn modelId="{0D5B1B76-D139-4034-BA71-42275AD91401}" type="presOf" srcId="{F0C96F33-3CAD-412B-868E-34B488B75284}" destId="{CE8AD443-4DD7-4322-805C-ABA25F20F884}" srcOrd="0" destOrd="0" presId="urn:microsoft.com/office/officeart/2005/8/layout/vList2"/>
-    <dgm:cxn modelId="{47FAFC7E-A4AF-42C3-93A3-A5AE8C710C60}" type="presOf" srcId="{FFF94186-2FCF-424C-A550-B7C51A09F2E0}" destId="{8ABE9EC5-CDD2-4003-B509-3C2D62C13F3B}" srcOrd="0" destOrd="0" presId="urn:microsoft.com/office/officeart/2005/8/layout/vList2"/>
-    <dgm:cxn modelId="{B486ED83-1173-4B2A-8D30-1E81B21ECA53}" srcId="{FFF94186-2FCF-424C-A550-B7C51A09F2E0}" destId="{D74C4341-0847-487E-A84A-52C8607E179E}" srcOrd="0" destOrd="0" parTransId="{B786E676-1C38-4EBB-9BCA-2FB854AFCE24}" sibTransId="{169EB647-ECD4-42F8-BCE2-706E50432832}"/>
-    <dgm:cxn modelId="{67E34D91-333C-4E61-ABBF-D3D4058D1F2F}" type="presOf" srcId="{8BD57720-7AFE-4CAE-8A27-605855E4254A}" destId="{9EE5AD22-B67F-4078-AD0A-0CDADC81BE2A}" srcOrd="0" destOrd="0" presId="urn:microsoft.com/office/officeart/2005/8/layout/vList2"/>
-    <dgm:cxn modelId="{F31BD2A6-7534-4007-BF6A-1A210651EA2C}" type="presOf" srcId="{819BDE2C-EE85-4810-9CCD-E9F661B206FA}" destId="{F1F6B279-2FD6-45BA-BEAF-85E5CF70C4FC}" srcOrd="0" destOrd="2" presId="urn:microsoft.com/office/officeart/2005/8/layout/vList2"/>
-    <dgm:cxn modelId="{31E315AB-DD6E-4779-8487-14F0CF81168F}" srcId="{F0C96F33-3CAD-412B-868E-34B488B75284}" destId="{8BD57720-7AFE-4CAE-8A27-605855E4254A}" srcOrd="2" destOrd="0" parTransId="{0D8F4ECC-5E75-45DF-AE9A-E7E9B49CC38C}" sibTransId="{CD6E5403-11FC-4B47-9885-AAD005347619}"/>
-    <dgm:cxn modelId="{5AF3AEAC-B3C4-4A04-BF1E-2FB916E7FE6A}" type="presOf" srcId="{2B23CD72-87C9-4734-8308-3EA7370B387F}" destId="{F1F6B279-2FD6-45BA-BEAF-85E5CF70C4FC}" srcOrd="0" destOrd="3" presId="urn:microsoft.com/office/officeart/2005/8/layout/vList2"/>
-    <dgm:cxn modelId="{68B7C1C5-360C-48AC-A694-D01C1EF38E32}" type="presOf" srcId="{3F5E5289-5D3F-4E92-88F6-6BB7E49F2F9E}" destId="{F1F6B279-2FD6-45BA-BEAF-85E5CF70C4FC}" srcOrd="0" destOrd="1" presId="urn:microsoft.com/office/officeart/2005/8/layout/vList2"/>
-    <dgm:cxn modelId="{3D30B1E4-9BF6-4FEB-A640-167D377389B4}" srcId="{FFF94186-2FCF-424C-A550-B7C51A09F2E0}" destId="{3F5E5289-5D3F-4E92-88F6-6BB7E49F2F9E}" srcOrd="1" destOrd="0" parTransId="{36E2F42F-2940-40F6-9BE7-A29C60EE6B32}" sibTransId="{79F655EF-2541-4DCA-A67B-AFF96C1D49A5}"/>
-    <dgm:cxn modelId="{C12319FA-7153-415C-AE30-219428540095}" type="presOf" srcId="{1231EA63-C13B-4CDD-92CF-256493F16AC9}" destId="{A289C927-90F2-4F38-8C80-6321862332B5}" srcOrd="0" destOrd="0" presId="urn:microsoft.com/office/officeart/2005/8/layout/vList2"/>
     <dgm:cxn modelId="{B687E6FA-FC08-407E-9908-9E7A5AEA3F41}" type="presOf" srcId="{D74C4341-0847-487E-A84A-52C8607E179E}" destId="{F1F6B279-2FD6-45BA-BEAF-85E5CF70C4FC}" srcOrd="0" destOrd="0" presId="urn:microsoft.com/office/officeart/2005/8/layout/vList2"/>
     <dgm:cxn modelId="{06020764-C1C1-46DB-8E0E-3E72FDCAA51B}" type="presParOf" srcId="{CE8AD443-4DD7-4322-805C-ABA25F20F884}" destId="{A289C927-90F2-4F38-8C80-6321862332B5}" srcOrd="0" destOrd="0" presId="urn:microsoft.com/office/officeart/2005/8/layout/vList2"/>
     <dgm:cxn modelId="{EE477368-219C-42C9-AE2C-C21D65D96A85}" type="presParOf" srcId="{CE8AD443-4DD7-4322-805C-ABA25F20F884}" destId="{1D55F7E7-A34A-461A-A36A-94773E45FC63}" srcOrd="1" destOrd="0" presId="urn:microsoft.com/office/officeart/2005/8/layout/vList2"/>
@@ -1310,7 +1358,7 @@
         </a:bodyPr>
         <a:lstStyle/>
         <a:p>
-          <a:pPr marL="0" lvl="0" indent="0" algn="l" defTabSz="1466850">
+          <a:pPr lvl="0" algn="l" defTabSz="1466850">
             <a:lnSpc>
               <a:spcPct val="90000"/>
             </a:lnSpc>
@@ -1320,7 +1368,6 @@
             <a:spcAft>
               <a:spcPct val="35000"/>
             </a:spcAft>
-            <a:buNone/>
           </a:pPr>
           <a:r>
             <a:rPr lang="en-US" sz="3300" kern="1200"/>
@@ -1388,7 +1435,7 @@
         </a:bodyPr>
         <a:lstStyle/>
         <a:p>
-          <a:pPr marL="0" lvl="0" indent="0" algn="l" defTabSz="1466850">
+          <a:pPr lvl="0" algn="l" defTabSz="1466850">
             <a:lnSpc>
               <a:spcPct val="90000"/>
             </a:lnSpc>
@@ -1398,7 +1445,6 @@
             <a:spcAft>
               <a:spcPct val="35000"/>
             </a:spcAft>
-            <a:buNone/>
           </a:pPr>
           <a:r>
             <a:rPr lang="en-US" sz="3300" kern="1200"/>
@@ -1458,10 +1504,10 @@
             <a:spcAft>
               <a:spcPct val="20000"/>
             </a:spcAft>
-            <a:buChar char="•"/>
+            <a:buChar char="••"/>
           </a:pPr>
           <a:r>
-            <a:rPr lang="en-US" sz="2600" kern="1200"/>
+            <a:rPr lang="en-US" sz="2600" kern="1200" dirty="0"/>
             <a:t>Force-directed Techniques</a:t>
           </a:r>
         </a:p>
@@ -1476,7 +1522,7 @@
             <a:spcAft>
               <a:spcPct val="20000"/>
             </a:spcAft>
-            <a:buChar char="•"/>
+            <a:buChar char="••"/>
           </a:pPr>
           <a:r>
             <a:rPr lang="en-US" sz="2600" kern="1200"/>
@@ -1494,7 +1540,7 @@
             <a:spcAft>
               <a:spcPct val="20000"/>
             </a:spcAft>
-            <a:buChar char="•"/>
+            <a:buChar char="••"/>
           </a:pPr>
           <a:r>
             <a:rPr lang="en-US" sz="2600" kern="1200"/>
@@ -1512,7 +1558,7 @@
             <a:spcAft>
               <a:spcPct val="20000"/>
             </a:spcAft>
-            <a:buChar char="•"/>
+            <a:buChar char="••"/>
           </a:pPr>
           <a:r>
             <a:rPr lang="en-US" sz="2600" kern="1200"/>
@@ -1580,7 +1626,7 @@
         </a:bodyPr>
         <a:lstStyle/>
         <a:p>
-          <a:pPr marL="0" lvl="0" indent="0" algn="l" defTabSz="1466850">
+          <a:pPr lvl="0" algn="l" defTabSz="1466850">
             <a:lnSpc>
               <a:spcPct val="90000"/>
             </a:lnSpc>
@@ -1590,7 +1636,6 @@
             <a:spcAft>
               <a:spcPct val="35000"/>
             </a:spcAft>
-            <a:buNone/>
           </a:pPr>
           <a:r>
             <a:rPr lang="en-US" sz="3300" kern="1200"/>
@@ -2890,7 +2935,7 @@
           <a:p>
             <a:fld id="{B9C2512F-DA3E-47B7-BA34-BE4915767311}" type="datetimeFigureOut">
               <a:rPr lang="zh-TW" altLang="en-US" smtClean="0"/>
-              <a:t>2019/10/28</a:t>
+              <a:t>2019/11/3</a:t>
             </a:fld>
             <a:endParaRPr lang="zh-TW" altLang="en-US"/>
           </a:p>
@@ -3307,7 +3352,7 @@
           <a:p>
             <a:fld id="{83C136AC-0424-4A0E-9AC8-392CA7113A54}" type="datetime1">
               <a:rPr lang="en-US" altLang="zh-TW" smtClean="0"/>
-              <a:t>10/28/2019</a:t>
+              <a:t>11/3/2019</a:t>
             </a:fld>
             <a:endParaRPr lang="en-US" dirty="0"/>
           </a:p>
@@ -3511,7 +3556,7 @@
           <a:p>
             <a:fld id="{A1E2F5D8-1442-4C55-A926-C9EE178E476F}" type="datetime1">
               <a:rPr lang="en-US" altLang="zh-TW" smtClean="0"/>
-              <a:t>10/28/2019</a:t>
+              <a:t>11/3/2019</a:t>
             </a:fld>
             <a:endParaRPr lang="en-US" dirty="0"/>
           </a:p>
@@ -3725,7 +3770,7 @@
           <a:p>
             <a:fld id="{5AF7D1B1-54C4-4A45-AD75-A0EB6DF40B7D}" type="datetime1">
               <a:rPr lang="en-US" altLang="zh-TW" smtClean="0"/>
-              <a:t>10/28/2019</a:t>
+              <a:t>11/3/2019</a:t>
             </a:fld>
             <a:endParaRPr lang="en-US" dirty="0"/>
           </a:p>
@@ -3929,7 +3974,7 @@
           <a:p>
             <a:fld id="{F58805E5-4D76-4BD8-9E42-720ECAE6FA58}" type="datetime1">
               <a:rPr lang="en-US" altLang="zh-TW" smtClean="0"/>
-              <a:t>10/28/2019</a:t>
+              <a:t>11/3/2019</a:t>
             </a:fld>
             <a:endParaRPr lang="en-US" dirty="0"/>
           </a:p>
@@ -4209,7 +4254,7 @@
           <a:p>
             <a:fld id="{D03DC1C6-F9E5-4202-A48E-1C797E96C81C}" type="datetime1">
               <a:rPr lang="en-US" altLang="zh-TW" smtClean="0"/>
-              <a:t>10/28/2019</a:t>
+              <a:t>11/3/2019</a:t>
             </a:fld>
             <a:endParaRPr lang="en-US" dirty="0"/>
           </a:p>
@@ -4481,7 +4526,7 @@
           <a:p>
             <a:fld id="{C2528737-7A30-4D9F-A262-5E73327AE05D}" type="datetime1">
               <a:rPr lang="en-US" altLang="zh-TW" smtClean="0"/>
-              <a:t>10/28/2019</a:t>
+              <a:t>11/3/2019</a:t>
             </a:fld>
             <a:endParaRPr lang="en-US" dirty="0"/>
           </a:p>
@@ -4900,7 +4945,7 @@
           <a:p>
             <a:fld id="{C44368F5-E518-4D99-B07E-0D11613FFA74}" type="datetime1">
               <a:rPr lang="en-US" altLang="zh-TW" smtClean="0"/>
-              <a:t>10/28/2019</a:t>
+              <a:t>11/3/2019</a:t>
             </a:fld>
             <a:endParaRPr lang="en-US" dirty="0"/>
           </a:p>
@@ -5046,7 +5091,7 @@
           <a:p>
             <a:fld id="{8FCD8CFB-3A10-4CB3-91A6-4026D7C45AC2}" type="datetime1">
               <a:rPr lang="en-US" altLang="zh-TW" smtClean="0"/>
-              <a:t>10/28/2019</a:t>
+              <a:t>11/3/2019</a:t>
             </a:fld>
             <a:endParaRPr lang="en-US" dirty="0"/>
           </a:p>
@@ -5163,7 +5208,7 @@
           <a:p>
             <a:fld id="{C8AA40FD-D5B4-4807-98D1-094AFB378197}" type="datetime1">
               <a:rPr lang="en-US" altLang="zh-TW" smtClean="0"/>
-              <a:t>10/28/2019</a:t>
+              <a:t>11/3/2019</a:t>
             </a:fld>
             <a:endParaRPr lang="en-US" dirty="0"/>
           </a:p>
@@ -5480,7 +5525,7 @@
           <a:p>
             <a:fld id="{1BD52FA3-02A9-4BF4-80DF-B0E88FEE420B}" type="datetime1">
               <a:rPr lang="en-US" altLang="zh-TW" smtClean="0"/>
-              <a:t>10/28/2019</a:t>
+              <a:t>11/3/2019</a:t>
             </a:fld>
             <a:endParaRPr lang="en-US" dirty="0"/>
           </a:p>
@@ -5774,7 +5819,7 @@
           <a:p>
             <a:fld id="{65C0407A-E2E6-4A64-9E01-C91219FCDF09}" type="datetime1">
               <a:rPr lang="en-US" altLang="zh-TW" smtClean="0"/>
-              <a:t>10/28/2019</a:t>
+              <a:t>11/3/2019</a:t>
             </a:fld>
             <a:endParaRPr lang="en-US" dirty="0"/>
           </a:p>
@@ -6022,7 +6067,7 @@
           <a:p>
             <a:fld id="{ED6D1907-0854-4C00-A7EA-7EC71AF16EAA}" type="datetime1">
               <a:rPr lang="en-US" altLang="zh-TW" smtClean="0"/>
-              <a:t>10/28/2019</a:t>
+              <a:t>11/3/2019</a:t>
             </a:fld>
             <a:endParaRPr lang="en-US" dirty="0"/>
           </a:p>
@@ -6592,7 +6637,7 @@
             </a:pPr>
             <a:fld id="{5A690CFA-E487-4D56-AAA9-135B9520BE09}" type="datetime1">
               <a:rPr lang="en-US" altLang="zh-TW" sz="1000" smtClean="0"/>
-              <a:t>10/28/2019</a:t>
+              <a:t>11/3/2019</a:t>
             </a:fld>
             <a:endParaRPr lang="en-US" sz="1000"/>
           </a:p>
@@ -6643,6 +6688,2793 @@
     <p:extLst>
       <p:ext uri="{BB962C8B-B14F-4D97-AF65-F5344CB8AC3E}">
         <p14:creationId xmlns:p14="http://schemas.microsoft.com/office/powerpoint/2010/main" val="2578632427"/>
+      </p:ext>
+    </p:extLst>
+  </p:cSld>
+  <p:clrMapOvr>
+    <a:masterClrMapping/>
+  </p:clrMapOvr>
+</p:sld>
+</file>
+
+<file path=ppt/slides/slide10.xml><?xml version="1.0" encoding="utf-8"?>
+<p:sld xmlns:a="http://schemas.openxmlformats.org/drawingml/2006/main" xmlns:r="http://schemas.openxmlformats.org/officeDocument/2006/relationships" xmlns:p="http://schemas.openxmlformats.org/presentationml/2006/main">
+  <p:cSld>
+    <p:spTree>
+      <p:nvGrpSpPr>
+        <p:cNvPr id="1" name=""/>
+        <p:cNvGrpSpPr/>
+        <p:nvPr/>
+      </p:nvGrpSpPr>
+      <p:grpSpPr>
+        <a:xfrm>
+          <a:off x="0" y="0"/>
+          <a:ext cx="0" cy="0"/>
+          <a:chOff x="0" y="0"/>
+          <a:chExt cx="0" cy="0"/>
+        </a:xfrm>
+      </p:grpSpPr>
+      <p:sp>
+        <p:nvSpPr>
+          <p:cNvPr id="7" name="Rectangle 6">
+            <a:extLst>
+              <a:ext uri="{FF2B5EF4-FFF2-40B4-BE49-F238E27FC236}">
+                <a16:creationId xmlns:a16="http://schemas.microsoft.com/office/drawing/2014/main" id="{E834C335-0940-42E8-BD21-FAAF4AE67728}"/>
+              </a:ext>
+            </a:extLst>
+          </p:cNvPr>
+          <p:cNvSpPr/>
+          <p:nvPr/>
+        </p:nvSpPr>
+        <p:spPr>
+          <a:xfrm>
+            <a:off x="0" y="0"/>
+            <a:ext cx="2970437" cy="6858000"/>
+          </a:xfrm>
+          <a:prstGeom prst="rect">
+            <a:avLst/>
+          </a:prstGeom>
+        </p:spPr>
+        <p:style>
+          <a:lnRef idx="2">
+            <a:schemeClr val="accent1">
+              <a:shade val="50000"/>
+            </a:schemeClr>
+          </a:lnRef>
+          <a:fillRef idx="1">
+            <a:schemeClr val="accent1"/>
+          </a:fillRef>
+          <a:effectRef idx="0">
+            <a:schemeClr val="accent1"/>
+          </a:effectRef>
+          <a:fontRef idx="minor">
+            <a:schemeClr val="lt1"/>
+          </a:fontRef>
+        </p:style>
+        <p:txBody>
+          <a:bodyPr rtlCol="0" anchor="ctr"/>
+          <a:lstStyle/>
+          <a:p>
+            <a:pPr algn="ctr"/>
+            <a:endParaRPr lang="zh-TW" altLang="en-US"/>
+          </a:p>
+        </p:txBody>
+      </p:sp>
+      <p:sp>
+        <p:nvSpPr>
+          <p:cNvPr id="2" name="Title 1">
+            <a:extLst>
+              <a:ext uri="{FF2B5EF4-FFF2-40B4-BE49-F238E27FC236}">
+                <a16:creationId xmlns:a16="http://schemas.microsoft.com/office/drawing/2014/main" id="{E1611E55-55FA-48A6-A572-28256F806E16}"/>
+              </a:ext>
+            </a:extLst>
+          </p:cNvPr>
+          <p:cNvSpPr>
+            <a:spLocks noGrp="1"/>
+          </p:cNvSpPr>
+          <p:nvPr>
+            <p:ph type="title"/>
+          </p:nvPr>
+        </p:nvSpPr>
+        <p:spPr>
+          <a:xfrm>
+            <a:off x="3062513" y="609600"/>
+            <a:ext cx="8205044" cy="970450"/>
+          </a:xfrm>
+        </p:spPr>
+        <p:txBody>
+          <a:bodyPr/>
+          <a:lstStyle/>
+          <a:p>
+            <a:endParaRPr lang="zh-TW" altLang="en-US" dirty="0"/>
+          </a:p>
+        </p:txBody>
+      </p:sp>
+      <p:sp>
+        <p:nvSpPr>
+          <p:cNvPr id="3" name="Content Placeholder 2">
+            <a:extLst>
+              <a:ext uri="{FF2B5EF4-FFF2-40B4-BE49-F238E27FC236}">
+                <a16:creationId xmlns:a16="http://schemas.microsoft.com/office/drawing/2014/main" id="{07264A9A-DDDE-48F3-81EE-2B8D982BC92B}"/>
+              </a:ext>
+            </a:extLst>
+          </p:cNvPr>
+          <p:cNvSpPr>
+            <a:spLocks noGrp="1"/>
+          </p:cNvSpPr>
+          <p:nvPr>
+            <p:ph idx="1"/>
+          </p:nvPr>
+        </p:nvSpPr>
+        <p:spPr>
+          <a:xfrm>
+            <a:off x="3062513" y="1732449"/>
+            <a:ext cx="8205043" cy="4058751"/>
+          </a:xfrm>
+        </p:spPr>
+        <p:txBody>
+          <a:bodyPr/>
+          <a:lstStyle/>
+          <a:p>
+            <a:r>
+              <a:rPr lang="en-US" altLang="zh-TW" dirty="0" smtClean="0"/>
+              <a:t>The purpose </a:t>
+            </a:r>
+            <a:r>
+              <a:rPr lang="en-US" altLang="zh-TW" dirty="0"/>
+              <a:t>is to position the nodes of a graph in two-dimensional or three-dimensional space so that all the edges are of more or less equal length and there are as few crossing edges as possible, by assigning forces among the set of edges and the set of nodes, based on their relative positions, and then using these forces either to simulate the motion of the edges and nodes or to minimize their energy.</a:t>
+            </a:r>
+            <a:endParaRPr lang="zh-TW" altLang="en-US" dirty="0"/>
+          </a:p>
+        </p:txBody>
+      </p:sp>
+      <p:sp>
+        <p:nvSpPr>
+          <p:cNvPr id="4" name="Date Placeholder 3">
+            <a:extLst>
+              <a:ext uri="{FF2B5EF4-FFF2-40B4-BE49-F238E27FC236}">
+                <a16:creationId xmlns:a16="http://schemas.microsoft.com/office/drawing/2014/main" id="{F3E8725D-E23E-4574-A286-621B86D166DE}"/>
+              </a:ext>
+            </a:extLst>
+          </p:cNvPr>
+          <p:cNvSpPr>
+            <a:spLocks noGrp="1"/>
+          </p:cNvSpPr>
+          <p:nvPr>
+            <p:ph type="dt" sz="half" idx="10"/>
+          </p:nvPr>
+        </p:nvSpPr>
+        <p:spPr/>
+        <p:txBody>
+          <a:bodyPr/>
+          <a:lstStyle/>
+          <a:p>
+            <a:fld id="{2C6998C7-F768-4B90-82AD-ACC16DD83F5C}" type="datetime1">
+              <a:rPr lang="en-US" altLang="zh-TW" smtClean="0"/>
+              <a:t>11/3/2019</a:t>
+            </a:fld>
+            <a:endParaRPr lang="en-US" dirty="0"/>
+          </a:p>
+        </p:txBody>
+      </p:sp>
+      <p:sp>
+        <p:nvSpPr>
+          <p:cNvPr id="6" name="Slide Number Placeholder 5">
+            <a:extLst>
+              <a:ext uri="{FF2B5EF4-FFF2-40B4-BE49-F238E27FC236}">
+                <a16:creationId xmlns:a16="http://schemas.microsoft.com/office/drawing/2014/main" id="{B4B61CC1-3560-4032-8FDF-1B53A59E3568}"/>
+              </a:ext>
+            </a:extLst>
+          </p:cNvPr>
+          <p:cNvSpPr>
+            <a:spLocks noGrp="1"/>
+          </p:cNvSpPr>
+          <p:nvPr>
+            <p:ph type="sldNum" sz="quarter" idx="12"/>
+          </p:nvPr>
+        </p:nvSpPr>
+        <p:spPr/>
+        <p:txBody>
+          <a:bodyPr/>
+          <a:lstStyle/>
+          <a:p>
+            <a:fld id="{3A98EE3D-8CD1-4C3F-BD1C-C98C9596463C}" type="slidenum">
+              <a:rPr lang="en-US" smtClean="0"/>
+              <a:t>10</a:t>
+            </a:fld>
+            <a:endParaRPr lang="en-US" dirty="0"/>
+          </a:p>
+        </p:txBody>
+      </p:sp>
+      <p:sp>
+        <p:nvSpPr>
+          <p:cNvPr id="8" name="TextBox 7">
+            <a:extLst>
+              <a:ext uri="{FF2B5EF4-FFF2-40B4-BE49-F238E27FC236}">
+                <a16:creationId xmlns:a16="http://schemas.microsoft.com/office/drawing/2014/main" id="{2AA9F7B7-B965-4257-AB74-BD4436C3DFBF}"/>
+              </a:ext>
+            </a:extLst>
+          </p:cNvPr>
+          <p:cNvSpPr txBox="1"/>
+          <p:nvPr/>
+        </p:nvSpPr>
+        <p:spPr>
+          <a:xfrm>
+            <a:off x="76199" y="798286"/>
+            <a:ext cx="2714171" cy="4939814"/>
+          </a:xfrm>
+          <a:prstGeom prst="rect">
+            <a:avLst/>
+          </a:prstGeom>
+          <a:noFill/>
+        </p:spPr>
+        <p:txBody>
+          <a:bodyPr wrap="square" rtlCol="0">
+            <a:spAutoFit/>
+          </a:bodyPr>
+          <a:lstStyle/>
+          <a:p>
+            <a:pPr>
+              <a:lnSpc>
+                <a:spcPct val="150000"/>
+              </a:lnSpc>
+            </a:pPr>
+            <a:r>
+              <a:rPr lang="en-US" altLang="zh-TW" dirty="0">
+                <a:solidFill>
+                  <a:schemeClr val="accent1">
+                    <a:lumMod val="75000"/>
+                  </a:schemeClr>
+                </a:solidFill>
+              </a:rPr>
+              <a:t>Data and Graphs</a:t>
+            </a:r>
+          </a:p>
+          <a:p>
+            <a:pPr>
+              <a:lnSpc>
+                <a:spcPct val="150000"/>
+              </a:lnSpc>
+            </a:pPr>
+            <a:r>
+              <a:rPr lang="en-US" altLang="zh-TW" dirty="0">
+                <a:solidFill>
+                  <a:schemeClr val="accent1">
+                    <a:lumMod val="75000"/>
+                  </a:schemeClr>
+                </a:solidFill>
+              </a:rPr>
+              <a:t>Graph Layout Techniques</a:t>
+            </a:r>
+          </a:p>
+          <a:p>
+            <a:pPr lvl="1">
+              <a:lnSpc>
+                <a:spcPct val="150000"/>
+              </a:lnSpc>
+            </a:pPr>
+            <a:r>
+              <a:rPr lang="en-US" altLang="zh-TW" dirty="0"/>
+              <a:t>Force-directed Techniques</a:t>
+            </a:r>
+          </a:p>
+          <a:p>
+            <a:pPr lvl="1">
+              <a:lnSpc>
+                <a:spcPct val="150000"/>
+              </a:lnSpc>
+            </a:pPr>
+            <a:r>
+              <a:rPr lang="en-US" altLang="zh-TW" dirty="0">
+                <a:solidFill>
+                  <a:schemeClr val="accent1">
+                    <a:lumMod val="75000"/>
+                  </a:schemeClr>
+                </a:solidFill>
+              </a:rPr>
+              <a:t>Multi-dimensional Scaling</a:t>
+            </a:r>
+          </a:p>
+          <a:p>
+            <a:pPr lvl="1">
+              <a:lnSpc>
+                <a:spcPct val="150000"/>
+              </a:lnSpc>
+            </a:pPr>
+            <a:r>
+              <a:rPr lang="en-US" altLang="zh-TW" dirty="0">
+                <a:solidFill>
+                  <a:schemeClr val="accent1">
+                    <a:lumMod val="75000"/>
+                  </a:schemeClr>
+                </a:solidFill>
+              </a:rPr>
+              <a:t>The Pulling Under Constraints Model</a:t>
+            </a:r>
+          </a:p>
+          <a:p>
+            <a:pPr lvl="1">
+              <a:lnSpc>
+                <a:spcPct val="150000"/>
+              </a:lnSpc>
+            </a:pPr>
+            <a:r>
+              <a:rPr lang="en-US" altLang="zh-TW" dirty="0">
+                <a:solidFill>
+                  <a:schemeClr val="accent1">
+                    <a:lumMod val="75000"/>
+                  </a:schemeClr>
+                </a:solidFill>
+              </a:rPr>
+              <a:t>Bipartite Graphs</a:t>
+            </a:r>
+          </a:p>
+          <a:p>
+            <a:pPr>
+              <a:lnSpc>
+                <a:spcPct val="150000"/>
+              </a:lnSpc>
+            </a:pPr>
+            <a:r>
+              <a:rPr lang="en-US" altLang="zh-TW" dirty="0">
+                <a:solidFill>
+                  <a:schemeClr val="accent1">
+                    <a:lumMod val="75000"/>
+                  </a:schemeClr>
+                </a:solidFill>
+              </a:rPr>
+              <a:t>Discussion and Concluding Remarks</a:t>
+            </a:r>
+          </a:p>
+          <a:p>
+            <a:endParaRPr lang="zh-TW" altLang="en-US" dirty="0"/>
+          </a:p>
+        </p:txBody>
+      </p:sp>
+    </p:spTree>
+    <p:extLst>
+      <p:ext uri="{BB962C8B-B14F-4D97-AF65-F5344CB8AC3E}">
+        <p14:creationId xmlns:p14="http://schemas.microsoft.com/office/powerpoint/2010/main" val="3518664687"/>
+      </p:ext>
+    </p:extLst>
+  </p:cSld>
+  <p:clrMapOvr>
+    <a:masterClrMapping/>
+  </p:clrMapOvr>
+</p:sld>
+</file>
+
+<file path=ppt/slides/slide11.xml><?xml version="1.0" encoding="utf-8"?>
+<p:sld xmlns:a="http://schemas.openxmlformats.org/drawingml/2006/main" xmlns:r="http://schemas.openxmlformats.org/officeDocument/2006/relationships" xmlns:p="http://schemas.openxmlformats.org/presentationml/2006/main">
+  <p:cSld>
+    <p:spTree>
+      <p:nvGrpSpPr>
+        <p:cNvPr id="1" name=""/>
+        <p:cNvGrpSpPr/>
+        <p:nvPr/>
+      </p:nvGrpSpPr>
+      <p:grpSpPr>
+        <a:xfrm>
+          <a:off x="0" y="0"/>
+          <a:ext cx="0" cy="0"/>
+          <a:chOff x="0" y="0"/>
+          <a:chExt cx="0" cy="0"/>
+        </a:xfrm>
+      </p:grpSpPr>
+      <p:sp>
+        <p:nvSpPr>
+          <p:cNvPr id="7" name="Rectangle 6">
+            <a:extLst>
+              <a:ext uri="{FF2B5EF4-FFF2-40B4-BE49-F238E27FC236}">
+                <a16:creationId xmlns:a16="http://schemas.microsoft.com/office/drawing/2014/main" id="{E834C335-0940-42E8-BD21-FAAF4AE67728}"/>
+              </a:ext>
+            </a:extLst>
+          </p:cNvPr>
+          <p:cNvSpPr/>
+          <p:nvPr/>
+        </p:nvSpPr>
+        <p:spPr>
+          <a:xfrm>
+            <a:off x="0" y="0"/>
+            <a:ext cx="2970437" cy="6858000"/>
+          </a:xfrm>
+          <a:prstGeom prst="rect">
+            <a:avLst/>
+          </a:prstGeom>
+        </p:spPr>
+        <p:style>
+          <a:lnRef idx="2">
+            <a:schemeClr val="accent1">
+              <a:shade val="50000"/>
+            </a:schemeClr>
+          </a:lnRef>
+          <a:fillRef idx="1">
+            <a:schemeClr val="accent1"/>
+          </a:fillRef>
+          <a:effectRef idx="0">
+            <a:schemeClr val="accent1"/>
+          </a:effectRef>
+          <a:fontRef idx="minor">
+            <a:schemeClr val="lt1"/>
+          </a:fontRef>
+        </p:style>
+        <p:txBody>
+          <a:bodyPr rtlCol="0" anchor="ctr"/>
+          <a:lstStyle/>
+          <a:p>
+            <a:pPr algn="ctr"/>
+            <a:endParaRPr lang="zh-TW" altLang="en-US"/>
+          </a:p>
+        </p:txBody>
+      </p:sp>
+      <p:sp>
+        <p:nvSpPr>
+          <p:cNvPr id="2" name="Title 1">
+            <a:extLst>
+              <a:ext uri="{FF2B5EF4-FFF2-40B4-BE49-F238E27FC236}">
+                <a16:creationId xmlns:a16="http://schemas.microsoft.com/office/drawing/2014/main" id="{E1611E55-55FA-48A6-A572-28256F806E16}"/>
+              </a:ext>
+            </a:extLst>
+          </p:cNvPr>
+          <p:cNvSpPr>
+            <a:spLocks noGrp="1"/>
+          </p:cNvSpPr>
+          <p:nvPr>
+            <p:ph type="title"/>
+          </p:nvPr>
+        </p:nvSpPr>
+        <p:spPr>
+          <a:xfrm>
+            <a:off x="3062513" y="609600"/>
+            <a:ext cx="8205044" cy="970450"/>
+          </a:xfrm>
+        </p:spPr>
+        <p:txBody>
+          <a:bodyPr/>
+          <a:lstStyle/>
+          <a:p>
+            <a:endParaRPr lang="zh-TW" altLang="en-US"/>
+          </a:p>
+        </p:txBody>
+      </p:sp>
+      <p:sp>
+        <p:nvSpPr>
+          <p:cNvPr id="3" name="Content Placeholder 2">
+            <a:extLst>
+              <a:ext uri="{FF2B5EF4-FFF2-40B4-BE49-F238E27FC236}">
+                <a16:creationId xmlns:a16="http://schemas.microsoft.com/office/drawing/2014/main" id="{07264A9A-DDDE-48F3-81EE-2B8D982BC92B}"/>
+              </a:ext>
+            </a:extLst>
+          </p:cNvPr>
+          <p:cNvSpPr>
+            <a:spLocks noGrp="1"/>
+          </p:cNvSpPr>
+          <p:nvPr>
+            <p:ph idx="1"/>
+          </p:nvPr>
+        </p:nvSpPr>
+        <p:spPr>
+          <a:xfrm>
+            <a:off x="3062513" y="1732449"/>
+            <a:ext cx="8205043" cy="4058751"/>
+          </a:xfrm>
+        </p:spPr>
+        <p:txBody>
+          <a:bodyPr/>
+          <a:lstStyle/>
+          <a:p>
+            <a:r>
+              <a:rPr lang="en-US" altLang="zh-TW" dirty="0"/>
+              <a:t>Multidimensional scaling (MDS) is a means of visualizing the level of similarity of individual cases of a dataset. MDS is used to translate "information about the pairwise 'distances' among a set of n objects or individuals" into a configuration of n points mapped into an abstract Cartesian space.</a:t>
+            </a:r>
+            <a:endParaRPr lang="zh-TW" altLang="en-US" dirty="0"/>
+          </a:p>
+        </p:txBody>
+      </p:sp>
+      <p:sp>
+        <p:nvSpPr>
+          <p:cNvPr id="4" name="Date Placeholder 3">
+            <a:extLst>
+              <a:ext uri="{FF2B5EF4-FFF2-40B4-BE49-F238E27FC236}">
+                <a16:creationId xmlns:a16="http://schemas.microsoft.com/office/drawing/2014/main" id="{F3E8725D-E23E-4574-A286-621B86D166DE}"/>
+              </a:ext>
+            </a:extLst>
+          </p:cNvPr>
+          <p:cNvSpPr>
+            <a:spLocks noGrp="1"/>
+          </p:cNvSpPr>
+          <p:nvPr>
+            <p:ph type="dt" sz="half" idx="10"/>
+          </p:nvPr>
+        </p:nvSpPr>
+        <p:spPr/>
+        <p:txBody>
+          <a:bodyPr/>
+          <a:lstStyle/>
+          <a:p>
+            <a:fld id="{A48EEB79-F101-44EB-B581-AA6C4B4D7CE8}" type="datetime1">
+              <a:rPr lang="en-US" altLang="zh-TW" smtClean="0"/>
+              <a:t>11/3/2019</a:t>
+            </a:fld>
+            <a:endParaRPr lang="en-US" dirty="0"/>
+          </a:p>
+        </p:txBody>
+      </p:sp>
+      <p:sp>
+        <p:nvSpPr>
+          <p:cNvPr id="6" name="Slide Number Placeholder 5">
+            <a:extLst>
+              <a:ext uri="{FF2B5EF4-FFF2-40B4-BE49-F238E27FC236}">
+                <a16:creationId xmlns:a16="http://schemas.microsoft.com/office/drawing/2014/main" id="{B4B61CC1-3560-4032-8FDF-1B53A59E3568}"/>
+              </a:ext>
+            </a:extLst>
+          </p:cNvPr>
+          <p:cNvSpPr>
+            <a:spLocks noGrp="1"/>
+          </p:cNvSpPr>
+          <p:nvPr>
+            <p:ph type="sldNum" sz="quarter" idx="12"/>
+          </p:nvPr>
+        </p:nvSpPr>
+        <p:spPr/>
+        <p:txBody>
+          <a:bodyPr/>
+          <a:lstStyle/>
+          <a:p>
+            <a:fld id="{3A98EE3D-8CD1-4C3F-BD1C-C98C9596463C}" type="slidenum">
+              <a:rPr lang="en-US" smtClean="0"/>
+              <a:t>11</a:t>
+            </a:fld>
+            <a:endParaRPr lang="en-US" dirty="0"/>
+          </a:p>
+        </p:txBody>
+      </p:sp>
+      <p:sp>
+        <p:nvSpPr>
+          <p:cNvPr id="8" name="TextBox 7">
+            <a:extLst>
+              <a:ext uri="{FF2B5EF4-FFF2-40B4-BE49-F238E27FC236}">
+                <a16:creationId xmlns:a16="http://schemas.microsoft.com/office/drawing/2014/main" id="{2AA9F7B7-B965-4257-AB74-BD4436C3DFBF}"/>
+              </a:ext>
+            </a:extLst>
+          </p:cNvPr>
+          <p:cNvSpPr txBox="1"/>
+          <p:nvPr/>
+        </p:nvSpPr>
+        <p:spPr>
+          <a:xfrm>
+            <a:off x="76199" y="798286"/>
+            <a:ext cx="2714171" cy="4939814"/>
+          </a:xfrm>
+          <a:prstGeom prst="rect">
+            <a:avLst/>
+          </a:prstGeom>
+          <a:noFill/>
+        </p:spPr>
+        <p:txBody>
+          <a:bodyPr wrap="square" rtlCol="0">
+            <a:spAutoFit/>
+          </a:bodyPr>
+          <a:lstStyle/>
+          <a:p>
+            <a:pPr>
+              <a:lnSpc>
+                <a:spcPct val="150000"/>
+              </a:lnSpc>
+            </a:pPr>
+            <a:r>
+              <a:rPr lang="en-US" altLang="zh-TW" dirty="0">
+                <a:solidFill>
+                  <a:schemeClr val="accent1">
+                    <a:lumMod val="75000"/>
+                  </a:schemeClr>
+                </a:solidFill>
+              </a:rPr>
+              <a:t>Data and Graphs</a:t>
+            </a:r>
+          </a:p>
+          <a:p>
+            <a:pPr>
+              <a:lnSpc>
+                <a:spcPct val="150000"/>
+              </a:lnSpc>
+            </a:pPr>
+            <a:r>
+              <a:rPr lang="en-US" altLang="zh-TW" dirty="0">
+                <a:solidFill>
+                  <a:schemeClr val="accent1">
+                    <a:lumMod val="75000"/>
+                  </a:schemeClr>
+                </a:solidFill>
+              </a:rPr>
+              <a:t>Graph Layout Techniques</a:t>
+            </a:r>
+          </a:p>
+          <a:p>
+            <a:pPr lvl="1">
+              <a:lnSpc>
+                <a:spcPct val="150000"/>
+              </a:lnSpc>
+            </a:pPr>
+            <a:r>
+              <a:rPr lang="en-US" altLang="zh-TW" dirty="0">
+                <a:solidFill>
+                  <a:schemeClr val="accent1">
+                    <a:lumMod val="75000"/>
+                  </a:schemeClr>
+                </a:solidFill>
+              </a:rPr>
+              <a:t>Force-directed Techniques</a:t>
+            </a:r>
+          </a:p>
+          <a:p>
+            <a:pPr lvl="1">
+              <a:lnSpc>
+                <a:spcPct val="150000"/>
+              </a:lnSpc>
+            </a:pPr>
+            <a:r>
+              <a:rPr lang="en-US" altLang="zh-TW" dirty="0"/>
+              <a:t>Multi-dimensional Scaling</a:t>
+            </a:r>
+          </a:p>
+          <a:p>
+            <a:pPr lvl="1">
+              <a:lnSpc>
+                <a:spcPct val="150000"/>
+              </a:lnSpc>
+            </a:pPr>
+            <a:r>
+              <a:rPr lang="en-US" altLang="zh-TW" dirty="0">
+                <a:solidFill>
+                  <a:schemeClr val="accent1">
+                    <a:lumMod val="75000"/>
+                  </a:schemeClr>
+                </a:solidFill>
+              </a:rPr>
+              <a:t>The Pulling Under Constraints Model</a:t>
+            </a:r>
+          </a:p>
+          <a:p>
+            <a:pPr lvl="1">
+              <a:lnSpc>
+                <a:spcPct val="150000"/>
+              </a:lnSpc>
+            </a:pPr>
+            <a:r>
+              <a:rPr lang="en-US" altLang="zh-TW" dirty="0">
+                <a:solidFill>
+                  <a:schemeClr val="accent1">
+                    <a:lumMod val="75000"/>
+                  </a:schemeClr>
+                </a:solidFill>
+              </a:rPr>
+              <a:t>Bipartite Graphs</a:t>
+            </a:r>
+          </a:p>
+          <a:p>
+            <a:pPr>
+              <a:lnSpc>
+                <a:spcPct val="150000"/>
+              </a:lnSpc>
+            </a:pPr>
+            <a:r>
+              <a:rPr lang="en-US" altLang="zh-TW" dirty="0">
+                <a:solidFill>
+                  <a:schemeClr val="accent1">
+                    <a:lumMod val="75000"/>
+                  </a:schemeClr>
+                </a:solidFill>
+              </a:rPr>
+              <a:t>Discussion and Concluding Remarks</a:t>
+            </a:r>
+          </a:p>
+          <a:p>
+            <a:endParaRPr lang="zh-TW" altLang="en-US" dirty="0"/>
+          </a:p>
+        </p:txBody>
+      </p:sp>
+    </p:spTree>
+    <p:extLst>
+      <p:ext uri="{BB962C8B-B14F-4D97-AF65-F5344CB8AC3E}">
+        <p14:creationId xmlns:p14="http://schemas.microsoft.com/office/powerpoint/2010/main" val="3751763588"/>
+      </p:ext>
+    </p:extLst>
+  </p:cSld>
+  <p:clrMapOvr>
+    <a:masterClrMapping/>
+  </p:clrMapOvr>
+</p:sld>
+</file>
+
+<file path=ppt/slides/slide12.xml><?xml version="1.0" encoding="utf-8"?>
+<p:sld xmlns:a="http://schemas.openxmlformats.org/drawingml/2006/main" xmlns:r="http://schemas.openxmlformats.org/officeDocument/2006/relationships" xmlns:p="http://schemas.openxmlformats.org/presentationml/2006/main">
+  <p:cSld>
+    <p:spTree>
+      <p:nvGrpSpPr>
+        <p:cNvPr id="1" name=""/>
+        <p:cNvGrpSpPr/>
+        <p:nvPr/>
+      </p:nvGrpSpPr>
+      <p:grpSpPr>
+        <a:xfrm>
+          <a:off x="0" y="0"/>
+          <a:ext cx="0" cy="0"/>
+          <a:chOff x="0" y="0"/>
+          <a:chExt cx="0" cy="0"/>
+        </a:xfrm>
+      </p:grpSpPr>
+      <p:sp>
+        <p:nvSpPr>
+          <p:cNvPr id="7" name="Rectangle 6">
+            <a:extLst>
+              <a:ext uri="{FF2B5EF4-FFF2-40B4-BE49-F238E27FC236}">
+                <a16:creationId xmlns:a16="http://schemas.microsoft.com/office/drawing/2014/main" id="{E834C335-0940-42E8-BD21-FAAF4AE67728}"/>
+              </a:ext>
+            </a:extLst>
+          </p:cNvPr>
+          <p:cNvSpPr/>
+          <p:nvPr/>
+        </p:nvSpPr>
+        <p:spPr>
+          <a:xfrm>
+            <a:off x="0" y="0"/>
+            <a:ext cx="2970437" cy="6858000"/>
+          </a:xfrm>
+          <a:prstGeom prst="rect">
+            <a:avLst/>
+          </a:prstGeom>
+        </p:spPr>
+        <p:style>
+          <a:lnRef idx="2">
+            <a:schemeClr val="accent1">
+              <a:shade val="50000"/>
+            </a:schemeClr>
+          </a:lnRef>
+          <a:fillRef idx="1">
+            <a:schemeClr val="accent1"/>
+          </a:fillRef>
+          <a:effectRef idx="0">
+            <a:schemeClr val="accent1"/>
+          </a:effectRef>
+          <a:fontRef idx="minor">
+            <a:schemeClr val="lt1"/>
+          </a:fontRef>
+        </p:style>
+        <p:txBody>
+          <a:bodyPr rtlCol="0" anchor="ctr"/>
+          <a:lstStyle/>
+          <a:p>
+            <a:pPr algn="ctr"/>
+            <a:endParaRPr lang="zh-TW" altLang="en-US"/>
+          </a:p>
+        </p:txBody>
+      </p:sp>
+      <p:sp>
+        <p:nvSpPr>
+          <p:cNvPr id="2" name="Title 1">
+            <a:extLst>
+              <a:ext uri="{FF2B5EF4-FFF2-40B4-BE49-F238E27FC236}">
+                <a16:creationId xmlns:a16="http://schemas.microsoft.com/office/drawing/2014/main" id="{E1611E55-55FA-48A6-A572-28256F806E16}"/>
+              </a:ext>
+            </a:extLst>
+          </p:cNvPr>
+          <p:cNvSpPr>
+            <a:spLocks noGrp="1"/>
+          </p:cNvSpPr>
+          <p:nvPr>
+            <p:ph type="title"/>
+          </p:nvPr>
+        </p:nvSpPr>
+        <p:spPr>
+          <a:xfrm>
+            <a:off x="3062513" y="609600"/>
+            <a:ext cx="8205044" cy="970450"/>
+          </a:xfrm>
+        </p:spPr>
+        <p:txBody>
+          <a:bodyPr/>
+          <a:lstStyle/>
+          <a:p>
+            <a:r>
+              <a:rPr lang="en-US" altLang="zh-TW" dirty="0" smtClean="0"/>
+              <a:t>Example</a:t>
+            </a:r>
+            <a:endParaRPr lang="zh-TW" altLang="en-US" dirty="0"/>
+          </a:p>
+        </p:txBody>
+      </p:sp>
+      <p:pic>
+        <p:nvPicPr>
+          <p:cNvPr id="5" name="內容版面配置區 4"/>
+          <p:cNvPicPr>
+            <a:picLocks noGrp="1" noChangeAspect="1"/>
+          </p:cNvPicPr>
+          <p:nvPr>
+            <p:ph idx="1"/>
+          </p:nvPr>
+        </p:nvPicPr>
+        <p:blipFill>
+          <a:blip r:embed="rId2">
+            <a:extLst>
+              <a:ext uri="{28A0092B-C50C-407E-A947-70E740481C1C}">
+                <a14:useLocalDpi xmlns:a14="http://schemas.microsoft.com/office/drawing/2010/main" val="0"/>
+              </a:ext>
+            </a:extLst>
+          </a:blip>
+          <a:stretch>
+            <a:fillRect/>
+          </a:stretch>
+        </p:blipFill>
+        <p:spPr>
+          <a:xfrm>
+            <a:off x="3437883" y="1580051"/>
+            <a:ext cx="3656881" cy="2750344"/>
+          </a:xfrm>
+        </p:spPr>
+      </p:pic>
+      <p:sp>
+        <p:nvSpPr>
+          <p:cNvPr id="4" name="Date Placeholder 3">
+            <a:extLst>
+              <a:ext uri="{FF2B5EF4-FFF2-40B4-BE49-F238E27FC236}">
+                <a16:creationId xmlns:a16="http://schemas.microsoft.com/office/drawing/2014/main" id="{F3E8725D-E23E-4574-A286-621B86D166DE}"/>
+              </a:ext>
+            </a:extLst>
+          </p:cNvPr>
+          <p:cNvSpPr>
+            <a:spLocks noGrp="1"/>
+          </p:cNvSpPr>
+          <p:nvPr>
+            <p:ph type="dt" sz="half" idx="10"/>
+          </p:nvPr>
+        </p:nvSpPr>
+        <p:spPr/>
+        <p:txBody>
+          <a:bodyPr/>
+          <a:lstStyle/>
+          <a:p>
+            <a:fld id="{A48EEB79-F101-44EB-B581-AA6C4B4D7CE8}" type="datetime1">
+              <a:rPr lang="en-US" altLang="zh-TW" smtClean="0"/>
+              <a:t>11/3/2019</a:t>
+            </a:fld>
+            <a:endParaRPr lang="en-US" dirty="0"/>
+          </a:p>
+        </p:txBody>
+      </p:sp>
+      <p:sp>
+        <p:nvSpPr>
+          <p:cNvPr id="6" name="Slide Number Placeholder 5">
+            <a:extLst>
+              <a:ext uri="{FF2B5EF4-FFF2-40B4-BE49-F238E27FC236}">
+                <a16:creationId xmlns:a16="http://schemas.microsoft.com/office/drawing/2014/main" id="{B4B61CC1-3560-4032-8FDF-1B53A59E3568}"/>
+              </a:ext>
+            </a:extLst>
+          </p:cNvPr>
+          <p:cNvSpPr>
+            <a:spLocks noGrp="1"/>
+          </p:cNvSpPr>
+          <p:nvPr>
+            <p:ph type="sldNum" sz="quarter" idx="12"/>
+          </p:nvPr>
+        </p:nvSpPr>
+        <p:spPr/>
+        <p:txBody>
+          <a:bodyPr/>
+          <a:lstStyle/>
+          <a:p>
+            <a:fld id="{3A98EE3D-8CD1-4C3F-BD1C-C98C9596463C}" type="slidenum">
+              <a:rPr lang="en-US" smtClean="0"/>
+              <a:t>12</a:t>
+            </a:fld>
+            <a:endParaRPr lang="en-US" dirty="0"/>
+          </a:p>
+        </p:txBody>
+      </p:sp>
+      <p:sp>
+        <p:nvSpPr>
+          <p:cNvPr id="8" name="TextBox 7">
+            <a:extLst>
+              <a:ext uri="{FF2B5EF4-FFF2-40B4-BE49-F238E27FC236}">
+                <a16:creationId xmlns:a16="http://schemas.microsoft.com/office/drawing/2014/main" id="{2AA9F7B7-B965-4257-AB74-BD4436C3DFBF}"/>
+              </a:ext>
+            </a:extLst>
+          </p:cNvPr>
+          <p:cNvSpPr txBox="1"/>
+          <p:nvPr/>
+        </p:nvSpPr>
+        <p:spPr>
+          <a:xfrm>
+            <a:off x="76199" y="798286"/>
+            <a:ext cx="2714171" cy="4939814"/>
+          </a:xfrm>
+          <a:prstGeom prst="rect">
+            <a:avLst/>
+          </a:prstGeom>
+          <a:noFill/>
+        </p:spPr>
+        <p:txBody>
+          <a:bodyPr wrap="square" rtlCol="0">
+            <a:spAutoFit/>
+          </a:bodyPr>
+          <a:lstStyle/>
+          <a:p>
+            <a:pPr>
+              <a:lnSpc>
+                <a:spcPct val="150000"/>
+              </a:lnSpc>
+            </a:pPr>
+            <a:r>
+              <a:rPr lang="en-US" altLang="zh-TW" dirty="0">
+                <a:solidFill>
+                  <a:schemeClr val="accent1">
+                    <a:lumMod val="75000"/>
+                  </a:schemeClr>
+                </a:solidFill>
+              </a:rPr>
+              <a:t>Data and Graphs</a:t>
+            </a:r>
+          </a:p>
+          <a:p>
+            <a:pPr>
+              <a:lnSpc>
+                <a:spcPct val="150000"/>
+              </a:lnSpc>
+            </a:pPr>
+            <a:r>
+              <a:rPr lang="en-US" altLang="zh-TW" dirty="0">
+                <a:solidFill>
+                  <a:schemeClr val="accent1">
+                    <a:lumMod val="75000"/>
+                  </a:schemeClr>
+                </a:solidFill>
+              </a:rPr>
+              <a:t>Graph Layout Techniques</a:t>
+            </a:r>
+          </a:p>
+          <a:p>
+            <a:pPr lvl="1">
+              <a:lnSpc>
+                <a:spcPct val="150000"/>
+              </a:lnSpc>
+            </a:pPr>
+            <a:r>
+              <a:rPr lang="en-US" altLang="zh-TW" dirty="0">
+                <a:solidFill>
+                  <a:schemeClr val="accent1">
+                    <a:lumMod val="75000"/>
+                  </a:schemeClr>
+                </a:solidFill>
+              </a:rPr>
+              <a:t>Force-directed Techniques</a:t>
+            </a:r>
+          </a:p>
+          <a:p>
+            <a:pPr lvl="1">
+              <a:lnSpc>
+                <a:spcPct val="150000"/>
+              </a:lnSpc>
+            </a:pPr>
+            <a:r>
+              <a:rPr lang="en-US" altLang="zh-TW" dirty="0"/>
+              <a:t>Multi-dimensional Scaling</a:t>
+            </a:r>
+          </a:p>
+          <a:p>
+            <a:pPr lvl="1">
+              <a:lnSpc>
+                <a:spcPct val="150000"/>
+              </a:lnSpc>
+            </a:pPr>
+            <a:r>
+              <a:rPr lang="en-US" altLang="zh-TW" dirty="0">
+                <a:solidFill>
+                  <a:schemeClr val="accent1">
+                    <a:lumMod val="75000"/>
+                  </a:schemeClr>
+                </a:solidFill>
+              </a:rPr>
+              <a:t>The Pulling Under Constraints Model</a:t>
+            </a:r>
+          </a:p>
+          <a:p>
+            <a:pPr lvl="1">
+              <a:lnSpc>
+                <a:spcPct val="150000"/>
+              </a:lnSpc>
+            </a:pPr>
+            <a:r>
+              <a:rPr lang="en-US" altLang="zh-TW" dirty="0">
+                <a:solidFill>
+                  <a:schemeClr val="accent1">
+                    <a:lumMod val="75000"/>
+                  </a:schemeClr>
+                </a:solidFill>
+              </a:rPr>
+              <a:t>Bipartite Graphs</a:t>
+            </a:r>
+          </a:p>
+          <a:p>
+            <a:pPr>
+              <a:lnSpc>
+                <a:spcPct val="150000"/>
+              </a:lnSpc>
+            </a:pPr>
+            <a:r>
+              <a:rPr lang="en-US" altLang="zh-TW" dirty="0">
+                <a:solidFill>
+                  <a:schemeClr val="accent1">
+                    <a:lumMod val="75000"/>
+                  </a:schemeClr>
+                </a:solidFill>
+              </a:rPr>
+              <a:t>Discussion and Concluding Remarks</a:t>
+            </a:r>
+          </a:p>
+          <a:p>
+            <a:endParaRPr lang="zh-TW" altLang="en-US" dirty="0"/>
+          </a:p>
+        </p:txBody>
+      </p:sp>
+      <p:pic>
+        <p:nvPicPr>
+          <p:cNvPr id="9" name="圖片 8"/>
+          <p:cNvPicPr>
+            <a:picLocks noChangeAspect="1"/>
+          </p:cNvPicPr>
+          <p:nvPr/>
+        </p:nvPicPr>
+        <p:blipFill>
+          <a:blip r:embed="rId3">
+            <a:extLst>
+              <a:ext uri="{28A0092B-C50C-407E-A947-70E740481C1C}">
+                <a14:useLocalDpi xmlns:a14="http://schemas.microsoft.com/office/drawing/2010/main" val="0"/>
+              </a:ext>
+            </a:extLst>
+          </a:blip>
+          <a:stretch>
+            <a:fillRect/>
+          </a:stretch>
+        </p:blipFill>
+        <p:spPr>
+          <a:xfrm>
+            <a:off x="7463802" y="1580050"/>
+            <a:ext cx="3434716" cy="2656953"/>
+          </a:xfrm>
+          <a:prstGeom prst="rect">
+            <a:avLst/>
+          </a:prstGeom>
+        </p:spPr>
+      </p:pic>
+      <p:pic>
+        <p:nvPicPr>
+          <p:cNvPr id="10" name="圖片 9"/>
+          <p:cNvPicPr>
+            <a:picLocks noChangeAspect="1"/>
+          </p:cNvPicPr>
+          <p:nvPr/>
+        </p:nvPicPr>
+        <p:blipFill>
+          <a:blip r:embed="rId4">
+            <a:extLst>
+              <a:ext uri="{28A0092B-C50C-407E-A947-70E740481C1C}">
+                <a14:useLocalDpi xmlns:a14="http://schemas.microsoft.com/office/drawing/2010/main" val="0"/>
+              </a:ext>
+            </a:extLst>
+          </a:blip>
+          <a:stretch>
+            <a:fillRect/>
+          </a:stretch>
+        </p:blipFill>
+        <p:spPr>
+          <a:xfrm>
+            <a:off x="5617136" y="4330395"/>
+            <a:ext cx="2955255" cy="2306540"/>
+          </a:xfrm>
+          <a:prstGeom prst="rect">
+            <a:avLst/>
+          </a:prstGeom>
+        </p:spPr>
+      </p:pic>
+    </p:spTree>
+    <p:extLst>
+      <p:ext uri="{BB962C8B-B14F-4D97-AF65-F5344CB8AC3E}">
+        <p14:creationId xmlns:p14="http://schemas.microsoft.com/office/powerpoint/2010/main" val="3517779209"/>
+      </p:ext>
+    </p:extLst>
+  </p:cSld>
+  <p:clrMapOvr>
+    <a:masterClrMapping/>
+  </p:clrMapOvr>
+</p:sld>
+</file>
+
+<file path=ppt/slides/slide13.xml><?xml version="1.0" encoding="utf-8"?>
+<p:sld xmlns:a="http://schemas.openxmlformats.org/drawingml/2006/main" xmlns:r="http://schemas.openxmlformats.org/officeDocument/2006/relationships" xmlns:p="http://schemas.openxmlformats.org/presentationml/2006/main">
+  <p:cSld>
+    <p:spTree>
+      <p:nvGrpSpPr>
+        <p:cNvPr id="1" name=""/>
+        <p:cNvGrpSpPr/>
+        <p:nvPr/>
+      </p:nvGrpSpPr>
+      <p:grpSpPr>
+        <a:xfrm>
+          <a:off x="0" y="0"/>
+          <a:ext cx="0" cy="0"/>
+          <a:chOff x="0" y="0"/>
+          <a:chExt cx="0" cy="0"/>
+        </a:xfrm>
+      </p:grpSpPr>
+      <p:sp>
+        <p:nvSpPr>
+          <p:cNvPr id="7" name="Rectangle 6">
+            <a:extLst>
+              <a:ext uri="{FF2B5EF4-FFF2-40B4-BE49-F238E27FC236}">
+                <a16:creationId xmlns:a16="http://schemas.microsoft.com/office/drawing/2014/main" id="{E834C335-0940-42E8-BD21-FAAF4AE67728}"/>
+              </a:ext>
+            </a:extLst>
+          </p:cNvPr>
+          <p:cNvSpPr/>
+          <p:nvPr/>
+        </p:nvSpPr>
+        <p:spPr>
+          <a:xfrm>
+            <a:off x="0" y="0"/>
+            <a:ext cx="2970437" cy="6858000"/>
+          </a:xfrm>
+          <a:prstGeom prst="rect">
+            <a:avLst/>
+          </a:prstGeom>
+        </p:spPr>
+        <p:style>
+          <a:lnRef idx="2">
+            <a:schemeClr val="accent1">
+              <a:shade val="50000"/>
+            </a:schemeClr>
+          </a:lnRef>
+          <a:fillRef idx="1">
+            <a:schemeClr val="accent1"/>
+          </a:fillRef>
+          <a:effectRef idx="0">
+            <a:schemeClr val="accent1"/>
+          </a:effectRef>
+          <a:fontRef idx="minor">
+            <a:schemeClr val="lt1"/>
+          </a:fontRef>
+        </p:style>
+        <p:txBody>
+          <a:bodyPr rtlCol="0" anchor="ctr"/>
+          <a:lstStyle/>
+          <a:p>
+            <a:pPr algn="ctr"/>
+            <a:endParaRPr lang="zh-TW" altLang="en-US"/>
+          </a:p>
+        </p:txBody>
+      </p:sp>
+      <p:sp>
+        <p:nvSpPr>
+          <p:cNvPr id="2" name="Title 1">
+            <a:extLst>
+              <a:ext uri="{FF2B5EF4-FFF2-40B4-BE49-F238E27FC236}">
+                <a16:creationId xmlns:a16="http://schemas.microsoft.com/office/drawing/2014/main" id="{E1611E55-55FA-48A6-A572-28256F806E16}"/>
+              </a:ext>
+            </a:extLst>
+          </p:cNvPr>
+          <p:cNvSpPr>
+            <a:spLocks noGrp="1"/>
+          </p:cNvSpPr>
+          <p:nvPr>
+            <p:ph type="title"/>
+          </p:nvPr>
+        </p:nvSpPr>
+        <p:spPr>
+          <a:xfrm>
+            <a:off x="3062513" y="609600"/>
+            <a:ext cx="8205044" cy="970450"/>
+          </a:xfrm>
+        </p:spPr>
+        <p:txBody>
+          <a:bodyPr/>
+          <a:lstStyle/>
+          <a:p>
+            <a:endParaRPr lang="zh-TW" altLang="en-US"/>
+          </a:p>
+        </p:txBody>
+      </p:sp>
+      <p:sp>
+        <p:nvSpPr>
+          <p:cNvPr id="3" name="Content Placeholder 2">
+            <a:extLst>
+              <a:ext uri="{FF2B5EF4-FFF2-40B4-BE49-F238E27FC236}">
+                <a16:creationId xmlns:a16="http://schemas.microsoft.com/office/drawing/2014/main" id="{07264A9A-DDDE-48F3-81EE-2B8D982BC92B}"/>
+              </a:ext>
+            </a:extLst>
+          </p:cNvPr>
+          <p:cNvSpPr>
+            <a:spLocks noGrp="1"/>
+          </p:cNvSpPr>
+          <p:nvPr>
+            <p:ph idx="1"/>
+          </p:nvPr>
+        </p:nvSpPr>
+        <p:spPr>
+          <a:xfrm>
+            <a:off x="3062513" y="1732449"/>
+            <a:ext cx="8205043" cy="4058751"/>
+          </a:xfrm>
+        </p:spPr>
+        <p:txBody>
+          <a:bodyPr/>
+          <a:lstStyle/>
+          <a:p>
+            <a:endParaRPr lang="zh-TW" altLang="en-US" dirty="0"/>
+          </a:p>
+        </p:txBody>
+      </p:sp>
+      <p:sp>
+        <p:nvSpPr>
+          <p:cNvPr id="4" name="Date Placeholder 3">
+            <a:extLst>
+              <a:ext uri="{FF2B5EF4-FFF2-40B4-BE49-F238E27FC236}">
+                <a16:creationId xmlns:a16="http://schemas.microsoft.com/office/drawing/2014/main" id="{F3E8725D-E23E-4574-A286-621B86D166DE}"/>
+              </a:ext>
+            </a:extLst>
+          </p:cNvPr>
+          <p:cNvSpPr>
+            <a:spLocks noGrp="1"/>
+          </p:cNvSpPr>
+          <p:nvPr>
+            <p:ph type="dt" sz="half" idx="10"/>
+          </p:nvPr>
+        </p:nvSpPr>
+        <p:spPr/>
+        <p:txBody>
+          <a:bodyPr/>
+          <a:lstStyle/>
+          <a:p>
+            <a:fld id="{A48EEB79-F101-44EB-B581-AA6C4B4D7CE8}" type="datetime1">
+              <a:rPr lang="en-US" altLang="zh-TW" smtClean="0"/>
+              <a:t>11/3/2019</a:t>
+            </a:fld>
+            <a:endParaRPr lang="en-US" dirty="0"/>
+          </a:p>
+        </p:txBody>
+      </p:sp>
+      <p:sp>
+        <p:nvSpPr>
+          <p:cNvPr id="6" name="Slide Number Placeholder 5">
+            <a:extLst>
+              <a:ext uri="{FF2B5EF4-FFF2-40B4-BE49-F238E27FC236}">
+                <a16:creationId xmlns:a16="http://schemas.microsoft.com/office/drawing/2014/main" id="{B4B61CC1-3560-4032-8FDF-1B53A59E3568}"/>
+              </a:ext>
+            </a:extLst>
+          </p:cNvPr>
+          <p:cNvSpPr>
+            <a:spLocks noGrp="1"/>
+          </p:cNvSpPr>
+          <p:nvPr>
+            <p:ph type="sldNum" sz="quarter" idx="12"/>
+          </p:nvPr>
+        </p:nvSpPr>
+        <p:spPr/>
+        <p:txBody>
+          <a:bodyPr/>
+          <a:lstStyle/>
+          <a:p>
+            <a:fld id="{3A98EE3D-8CD1-4C3F-BD1C-C98C9596463C}" type="slidenum">
+              <a:rPr lang="en-US" smtClean="0"/>
+              <a:t>13</a:t>
+            </a:fld>
+            <a:endParaRPr lang="en-US" dirty="0"/>
+          </a:p>
+        </p:txBody>
+      </p:sp>
+      <p:sp>
+        <p:nvSpPr>
+          <p:cNvPr id="8" name="TextBox 7">
+            <a:extLst>
+              <a:ext uri="{FF2B5EF4-FFF2-40B4-BE49-F238E27FC236}">
+                <a16:creationId xmlns:a16="http://schemas.microsoft.com/office/drawing/2014/main" id="{2AA9F7B7-B965-4257-AB74-BD4436C3DFBF}"/>
+              </a:ext>
+            </a:extLst>
+          </p:cNvPr>
+          <p:cNvSpPr txBox="1"/>
+          <p:nvPr/>
+        </p:nvSpPr>
+        <p:spPr>
+          <a:xfrm>
+            <a:off x="76199" y="798286"/>
+            <a:ext cx="2714171" cy="4939814"/>
+          </a:xfrm>
+          <a:prstGeom prst="rect">
+            <a:avLst/>
+          </a:prstGeom>
+          <a:noFill/>
+        </p:spPr>
+        <p:txBody>
+          <a:bodyPr wrap="square" rtlCol="0">
+            <a:spAutoFit/>
+          </a:bodyPr>
+          <a:lstStyle/>
+          <a:p>
+            <a:pPr>
+              <a:lnSpc>
+                <a:spcPct val="150000"/>
+              </a:lnSpc>
+            </a:pPr>
+            <a:r>
+              <a:rPr lang="en-US" altLang="zh-TW" dirty="0">
+                <a:solidFill>
+                  <a:schemeClr val="accent1">
+                    <a:lumMod val="75000"/>
+                  </a:schemeClr>
+                </a:solidFill>
+              </a:rPr>
+              <a:t>Data and Graphs</a:t>
+            </a:r>
+          </a:p>
+          <a:p>
+            <a:pPr>
+              <a:lnSpc>
+                <a:spcPct val="150000"/>
+              </a:lnSpc>
+            </a:pPr>
+            <a:r>
+              <a:rPr lang="en-US" altLang="zh-TW" dirty="0">
+                <a:solidFill>
+                  <a:schemeClr val="accent1">
+                    <a:lumMod val="75000"/>
+                  </a:schemeClr>
+                </a:solidFill>
+              </a:rPr>
+              <a:t>Graph Layout Techniques</a:t>
+            </a:r>
+          </a:p>
+          <a:p>
+            <a:pPr lvl="1">
+              <a:lnSpc>
+                <a:spcPct val="150000"/>
+              </a:lnSpc>
+            </a:pPr>
+            <a:r>
+              <a:rPr lang="en-US" altLang="zh-TW" dirty="0">
+                <a:solidFill>
+                  <a:schemeClr val="accent1">
+                    <a:lumMod val="75000"/>
+                  </a:schemeClr>
+                </a:solidFill>
+              </a:rPr>
+              <a:t>Force-directed Techniques</a:t>
+            </a:r>
+          </a:p>
+          <a:p>
+            <a:pPr lvl="1">
+              <a:lnSpc>
+                <a:spcPct val="150000"/>
+              </a:lnSpc>
+            </a:pPr>
+            <a:r>
+              <a:rPr lang="en-US" altLang="zh-TW" dirty="0">
+                <a:solidFill>
+                  <a:schemeClr val="accent1">
+                    <a:lumMod val="75000"/>
+                  </a:schemeClr>
+                </a:solidFill>
+              </a:rPr>
+              <a:t>Multi-dimensional Scaling</a:t>
+            </a:r>
+          </a:p>
+          <a:p>
+            <a:pPr lvl="1">
+              <a:lnSpc>
+                <a:spcPct val="150000"/>
+              </a:lnSpc>
+            </a:pPr>
+            <a:r>
+              <a:rPr lang="en-US" altLang="zh-TW" dirty="0"/>
+              <a:t>The Pulling Under Constraints Model</a:t>
+            </a:r>
+          </a:p>
+          <a:p>
+            <a:pPr lvl="1">
+              <a:lnSpc>
+                <a:spcPct val="150000"/>
+              </a:lnSpc>
+            </a:pPr>
+            <a:r>
+              <a:rPr lang="en-US" altLang="zh-TW" dirty="0">
+                <a:solidFill>
+                  <a:schemeClr val="accent1">
+                    <a:lumMod val="75000"/>
+                  </a:schemeClr>
+                </a:solidFill>
+              </a:rPr>
+              <a:t>Bipartite Graphs</a:t>
+            </a:r>
+          </a:p>
+          <a:p>
+            <a:pPr>
+              <a:lnSpc>
+                <a:spcPct val="150000"/>
+              </a:lnSpc>
+            </a:pPr>
+            <a:r>
+              <a:rPr lang="en-US" altLang="zh-TW" dirty="0">
+                <a:solidFill>
+                  <a:schemeClr val="accent1">
+                    <a:lumMod val="75000"/>
+                  </a:schemeClr>
+                </a:solidFill>
+              </a:rPr>
+              <a:t>Discussion and Concluding Remarks</a:t>
+            </a:r>
+          </a:p>
+          <a:p>
+            <a:endParaRPr lang="zh-TW" altLang="en-US" dirty="0"/>
+          </a:p>
+        </p:txBody>
+      </p:sp>
+    </p:spTree>
+    <p:extLst>
+      <p:ext uri="{BB962C8B-B14F-4D97-AF65-F5344CB8AC3E}">
+        <p14:creationId xmlns:p14="http://schemas.microsoft.com/office/powerpoint/2010/main" val="1805867529"/>
+      </p:ext>
+    </p:extLst>
+  </p:cSld>
+  <p:clrMapOvr>
+    <a:masterClrMapping/>
+  </p:clrMapOvr>
+</p:sld>
+</file>
+
+<file path=ppt/slides/slide14.xml><?xml version="1.0" encoding="utf-8"?>
+<p:sld xmlns:a="http://schemas.openxmlformats.org/drawingml/2006/main" xmlns:r="http://schemas.openxmlformats.org/officeDocument/2006/relationships" xmlns:p="http://schemas.openxmlformats.org/presentationml/2006/main">
+  <p:cSld>
+    <p:spTree>
+      <p:nvGrpSpPr>
+        <p:cNvPr id="1" name=""/>
+        <p:cNvGrpSpPr/>
+        <p:nvPr/>
+      </p:nvGrpSpPr>
+      <p:grpSpPr>
+        <a:xfrm>
+          <a:off x="0" y="0"/>
+          <a:ext cx="0" cy="0"/>
+          <a:chOff x="0" y="0"/>
+          <a:chExt cx="0" cy="0"/>
+        </a:xfrm>
+      </p:grpSpPr>
+      <p:sp>
+        <p:nvSpPr>
+          <p:cNvPr id="7" name="Rectangle 6">
+            <a:extLst>
+              <a:ext uri="{FF2B5EF4-FFF2-40B4-BE49-F238E27FC236}">
+                <a16:creationId xmlns:a16="http://schemas.microsoft.com/office/drawing/2014/main" id="{E834C335-0940-42E8-BD21-FAAF4AE67728}"/>
+              </a:ext>
+            </a:extLst>
+          </p:cNvPr>
+          <p:cNvSpPr/>
+          <p:nvPr/>
+        </p:nvSpPr>
+        <p:spPr>
+          <a:xfrm>
+            <a:off x="0" y="0"/>
+            <a:ext cx="2970437" cy="6858000"/>
+          </a:xfrm>
+          <a:prstGeom prst="rect">
+            <a:avLst/>
+          </a:prstGeom>
+        </p:spPr>
+        <p:style>
+          <a:lnRef idx="2">
+            <a:schemeClr val="accent1">
+              <a:shade val="50000"/>
+            </a:schemeClr>
+          </a:lnRef>
+          <a:fillRef idx="1">
+            <a:schemeClr val="accent1"/>
+          </a:fillRef>
+          <a:effectRef idx="0">
+            <a:schemeClr val="accent1"/>
+          </a:effectRef>
+          <a:fontRef idx="minor">
+            <a:schemeClr val="lt1"/>
+          </a:fontRef>
+        </p:style>
+        <p:txBody>
+          <a:bodyPr rtlCol="0" anchor="ctr"/>
+          <a:lstStyle/>
+          <a:p>
+            <a:pPr algn="ctr"/>
+            <a:endParaRPr lang="zh-TW" altLang="en-US"/>
+          </a:p>
+        </p:txBody>
+      </p:sp>
+      <p:sp>
+        <p:nvSpPr>
+          <p:cNvPr id="2" name="Title 1">
+            <a:extLst>
+              <a:ext uri="{FF2B5EF4-FFF2-40B4-BE49-F238E27FC236}">
+                <a16:creationId xmlns:a16="http://schemas.microsoft.com/office/drawing/2014/main" id="{E1611E55-55FA-48A6-A572-28256F806E16}"/>
+              </a:ext>
+            </a:extLst>
+          </p:cNvPr>
+          <p:cNvSpPr>
+            <a:spLocks noGrp="1"/>
+          </p:cNvSpPr>
+          <p:nvPr>
+            <p:ph type="title"/>
+          </p:nvPr>
+        </p:nvSpPr>
+        <p:spPr>
+          <a:xfrm>
+            <a:off x="3062513" y="609600"/>
+            <a:ext cx="8205044" cy="970450"/>
+          </a:xfrm>
+        </p:spPr>
+        <p:txBody>
+          <a:bodyPr/>
+          <a:lstStyle/>
+          <a:p>
+            <a:endParaRPr lang="zh-TW" altLang="en-US"/>
+          </a:p>
+        </p:txBody>
+      </p:sp>
+      <p:sp>
+        <p:nvSpPr>
+          <p:cNvPr id="3" name="Content Placeholder 2">
+            <a:extLst>
+              <a:ext uri="{FF2B5EF4-FFF2-40B4-BE49-F238E27FC236}">
+                <a16:creationId xmlns:a16="http://schemas.microsoft.com/office/drawing/2014/main" id="{07264A9A-DDDE-48F3-81EE-2B8D982BC92B}"/>
+              </a:ext>
+            </a:extLst>
+          </p:cNvPr>
+          <p:cNvSpPr>
+            <a:spLocks noGrp="1"/>
+          </p:cNvSpPr>
+          <p:nvPr>
+            <p:ph idx="1"/>
+          </p:nvPr>
+        </p:nvSpPr>
+        <p:spPr>
+          <a:xfrm>
+            <a:off x="3062513" y="1732449"/>
+            <a:ext cx="8205043" cy="4058751"/>
+          </a:xfrm>
+        </p:spPr>
+        <p:txBody>
+          <a:bodyPr/>
+          <a:lstStyle/>
+          <a:p>
+            <a:endParaRPr lang="zh-TW" altLang="en-US" dirty="0"/>
+          </a:p>
+        </p:txBody>
+      </p:sp>
+      <p:sp>
+        <p:nvSpPr>
+          <p:cNvPr id="4" name="Date Placeholder 3">
+            <a:extLst>
+              <a:ext uri="{FF2B5EF4-FFF2-40B4-BE49-F238E27FC236}">
+                <a16:creationId xmlns:a16="http://schemas.microsoft.com/office/drawing/2014/main" id="{F3E8725D-E23E-4574-A286-621B86D166DE}"/>
+              </a:ext>
+            </a:extLst>
+          </p:cNvPr>
+          <p:cNvSpPr>
+            <a:spLocks noGrp="1"/>
+          </p:cNvSpPr>
+          <p:nvPr>
+            <p:ph type="dt" sz="half" idx="10"/>
+          </p:nvPr>
+        </p:nvSpPr>
+        <p:spPr/>
+        <p:txBody>
+          <a:bodyPr/>
+          <a:lstStyle/>
+          <a:p>
+            <a:fld id="{A48EEB79-F101-44EB-B581-AA6C4B4D7CE8}" type="datetime1">
+              <a:rPr lang="en-US" altLang="zh-TW" smtClean="0"/>
+              <a:t>11/3/2019</a:t>
+            </a:fld>
+            <a:endParaRPr lang="en-US" dirty="0"/>
+          </a:p>
+        </p:txBody>
+      </p:sp>
+      <p:sp>
+        <p:nvSpPr>
+          <p:cNvPr id="6" name="Slide Number Placeholder 5">
+            <a:extLst>
+              <a:ext uri="{FF2B5EF4-FFF2-40B4-BE49-F238E27FC236}">
+                <a16:creationId xmlns:a16="http://schemas.microsoft.com/office/drawing/2014/main" id="{B4B61CC1-3560-4032-8FDF-1B53A59E3568}"/>
+              </a:ext>
+            </a:extLst>
+          </p:cNvPr>
+          <p:cNvSpPr>
+            <a:spLocks noGrp="1"/>
+          </p:cNvSpPr>
+          <p:nvPr>
+            <p:ph type="sldNum" sz="quarter" idx="12"/>
+          </p:nvPr>
+        </p:nvSpPr>
+        <p:spPr/>
+        <p:txBody>
+          <a:bodyPr/>
+          <a:lstStyle/>
+          <a:p>
+            <a:fld id="{3A98EE3D-8CD1-4C3F-BD1C-C98C9596463C}" type="slidenum">
+              <a:rPr lang="en-US" smtClean="0"/>
+              <a:t>14</a:t>
+            </a:fld>
+            <a:endParaRPr lang="en-US" dirty="0"/>
+          </a:p>
+        </p:txBody>
+      </p:sp>
+      <p:sp>
+        <p:nvSpPr>
+          <p:cNvPr id="8" name="TextBox 7">
+            <a:extLst>
+              <a:ext uri="{FF2B5EF4-FFF2-40B4-BE49-F238E27FC236}">
+                <a16:creationId xmlns:a16="http://schemas.microsoft.com/office/drawing/2014/main" id="{2AA9F7B7-B965-4257-AB74-BD4436C3DFBF}"/>
+              </a:ext>
+            </a:extLst>
+          </p:cNvPr>
+          <p:cNvSpPr txBox="1"/>
+          <p:nvPr/>
+        </p:nvSpPr>
+        <p:spPr>
+          <a:xfrm>
+            <a:off x="76199" y="798286"/>
+            <a:ext cx="2714171" cy="4939814"/>
+          </a:xfrm>
+          <a:prstGeom prst="rect">
+            <a:avLst/>
+          </a:prstGeom>
+          <a:noFill/>
+        </p:spPr>
+        <p:txBody>
+          <a:bodyPr wrap="square" rtlCol="0">
+            <a:spAutoFit/>
+          </a:bodyPr>
+          <a:lstStyle/>
+          <a:p>
+            <a:pPr>
+              <a:lnSpc>
+                <a:spcPct val="150000"/>
+              </a:lnSpc>
+            </a:pPr>
+            <a:r>
+              <a:rPr lang="en-US" altLang="zh-TW" dirty="0">
+                <a:solidFill>
+                  <a:schemeClr val="accent1">
+                    <a:lumMod val="75000"/>
+                  </a:schemeClr>
+                </a:solidFill>
+              </a:rPr>
+              <a:t>Data and Graphs</a:t>
+            </a:r>
+          </a:p>
+          <a:p>
+            <a:pPr>
+              <a:lnSpc>
+                <a:spcPct val="150000"/>
+              </a:lnSpc>
+            </a:pPr>
+            <a:r>
+              <a:rPr lang="en-US" altLang="zh-TW" dirty="0">
+                <a:solidFill>
+                  <a:schemeClr val="accent1">
+                    <a:lumMod val="75000"/>
+                  </a:schemeClr>
+                </a:solidFill>
+              </a:rPr>
+              <a:t>Graph Layout Techniques</a:t>
+            </a:r>
+          </a:p>
+          <a:p>
+            <a:pPr lvl="1">
+              <a:lnSpc>
+                <a:spcPct val="150000"/>
+              </a:lnSpc>
+            </a:pPr>
+            <a:r>
+              <a:rPr lang="en-US" altLang="zh-TW" dirty="0">
+                <a:solidFill>
+                  <a:schemeClr val="accent1">
+                    <a:lumMod val="75000"/>
+                  </a:schemeClr>
+                </a:solidFill>
+              </a:rPr>
+              <a:t>Force-directed Techniques</a:t>
+            </a:r>
+          </a:p>
+          <a:p>
+            <a:pPr lvl="1">
+              <a:lnSpc>
+                <a:spcPct val="150000"/>
+              </a:lnSpc>
+            </a:pPr>
+            <a:r>
+              <a:rPr lang="en-US" altLang="zh-TW" dirty="0"/>
+              <a:t>Multi-dimensional Scaling</a:t>
+            </a:r>
+          </a:p>
+          <a:p>
+            <a:pPr lvl="1">
+              <a:lnSpc>
+                <a:spcPct val="150000"/>
+              </a:lnSpc>
+            </a:pPr>
+            <a:r>
+              <a:rPr lang="en-US" altLang="zh-TW" dirty="0">
+                <a:solidFill>
+                  <a:schemeClr val="accent1">
+                    <a:lumMod val="75000"/>
+                  </a:schemeClr>
+                </a:solidFill>
+              </a:rPr>
+              <a:t>The Pulling Under Constraints Model</a:t>
+            </a:r>
+          </a:p>
+          <a:p>
+            <a:pPr lvl="1">
+              <a:lnSpc>
+                <a:spcPct val="150000"/>
+              </a:lnSpc>
+            </a:pPr>
+            <a:r>
+              <a:rPr lang="en-US" altLang="zh-TW" dirty="0">
+                <a:solidFill>
+                  <a:schemeClr val="accent1">
+                    <a:lumMod val="75000"/>
+                  </a:schemeClr>
+                </a:solidFill>
+              </a:rPr>
+              <a:t>Bipartite Graphs</a:t>
+            </a:r>
+          </a:p>
+          <a:p>
+            <a:pPr>
+              <a:lnSpc>
+                <a:spcPct val="150000"/>
+              </a:lnSpc>
+            </a:pPr>
+            <a:r>
+              <a:rPr lang="en-US" altLang="zh-TW" dirty="0">
+                <a:solidFill>
+                  <a:schemeClr val="accent1">
+                    <a:lumMod val="75000"/>
+                  </a:schemeClr>
+                </a:solidFill>
+              </a:rPr>
+              <a:t>Discussion and Concluding Remarks</a:t>
+            </a:r>
+          </a:p>
+          <a:p>
+            <a:endParaRPr lang="zh-TW" altLang="en-US" dirty="0"/>
+          </a:p>
+        </p:txBody>
+      </p:sp>
+    </p:spTree>
+    <p:extLst>
+      <p:ext uri="{BB962C8B-B14F-4D97-AF65-F5344CB8AC3E}">
+        <p14:creationId xmlns:p14="http://schemas.microsoft.com/office/powerpoint/2010/main" val="457398912"/>
+      </p:ext>
+    </p:extLst>
+  </p:cSld>
+  <p:clrMapOvr>
+    <a:masterClrMapping/>
+  </p:clrMapOvr>
+</p:sld>
+</file>
+
+<file path=ppt/slides/slide15.xml><?xml version="1.0" encoding="utf-8"?>
+<p:sld xmlns:a="http://schemas.openxmlformats.org/drawingml/2006/main" xmlns:r="http://schemas.openxmlformats.org/officeDocument/2006/relationships" xmlns:p="http://schemas.openxmlformats.org/presentationml/2006/main">
+  <p:cSld>
+    <p:spTree>
+      <p:nvGrpSpPr>
+        <p:cNvPr id="1" name=""/>
+        <p:cNvGrpSpPr/>
+        <p:nvPr/>
+      </p:nvGrpSpPr>
+      <p:grpSpPr>
+        <a:xfrm>
+          <a:off x="0" y="0"/>
+          <a:ext cx="0" cy="0"/>
+          <a:chOff x="0" y="0"/>
+          <a:chExt cx="0" cy="0"/>
+        </a:xfrm>
+      </p:grpSpPr>
+      <p:sp>
+        <p:nvSpPr>
+          <p:cNvPr id="7" name="Rectangle 6">
+            <a:extLst>
+              <a:ext uri="{FF2B5EF4-FFF2-40B4-BE49-F238E27FC236}">
+                <a16:creationId xmlns:a16="http://schemas.microsoft.com/office/drawing/2014/main" id="{E834C335-0940-42E8-BD21-FAAF4AE67728}"/>
+              </a:ext>
+            </a:extLst>
+          </p:cNvPr>
+          <p:cNvSpPr/>
+          <p:nvPr/>
+        </p:nvSpPr>
+        <p:spPr>
+          <a:xfrm>
+            <a:off x="0" y="0"/>
+            <a:ext cx="2970437" cy="6858000"/>
+          </a:xfrm>
+          <a:prstGeom prst="rect">
+            <a:avLst/>
+          </a:prstGeom>
+        </p:spPr>
+        <p:style>
+          <a:lnRef idx="2">
+            <a:schemeClr val="accent1">
+              <a:shade val="50000"/>
+            </a:schemeClr>
+          </a:lnRef>
+          <a:fillRef idx="1">
+            <a:schemeClr val="accent1"/>
+          </a:fillRef>
+          <a:effectRef idx="0">
+            <a:schemeClr val="accent1"/>
+          </a:effectRef>
+          <a:fontRef idx="minor">
+            <a:schemeClr val="lt1"/>
+          </a:fontRef>
+        </p:style>
+        <p:txBody>
+          <a:bodyPr rtlCol="0" anchor="ctr"/>
+          <a:lstStyle/>
+          <a:p>
+            <a:pPr algn="ctr"/>
+            <a:endParaRPr lang="zh-TW" altLang="en-US"/>
+          </a:p>
+        </p:txBody>
+      </p:sp>
+      <p:sp>
+        <p:nvSpPr>
+          <p:cNvPr id="2" name="Title 1">
+            <a:extLst>
+              <a:ext uri="{FF2B5EF4-FFF2-40B4-BE49-F238E27FC236}">
+                <a16:creationId xmlns:a16="http://schemas.microsoft.com/office/drawing/2014/main" id="{E1611E55-55FA-48A6-A572-28256F806E16}"/>
+              </a:ext>
+            </a:extLst>
+          </p:cNvPr>
+          <p:cNvSpPr>
+            <a:spLocks noGrp="1"/>
+          </p:cNvSpPr>
+          <p:nvPr>
+            <p:ph type="title"/>
+          </p:nvPr>
+        </p:nvSpPr>
+        <p:spPr>
+          <a:xfrm>
+            <a:off x="3062513" y="609600"/>
+            <a:ext cx="8205044" cy="970450"/>
+          </a:xfrm>
+        </p:spPr>
+        <p:txBody>
+          <a:bodyPr/>
+          <a:lstStyle/>
+          <a:p>
+            <a:endParaRPr lang="zh-TW" altLang="en-US"/>
+          </a:p>
+        </p:txBody>
+      </p:sp>
+      <p:sp>
+        <p:nvSpPr>
+          <p:cNvPr id="3" name="Content Placeholder 2">
+            <a:extLst>
+              <a:ext uri="{FF2B5EF4-FFF2-40B4-BE49-F238E27FC236}">
+                <a16:creationId xmlns:a16="http://schemas.microsoft.com/office/drawing/2014/main" id="{07264A9A-DDDE-48F3-81EE-2B8D982BC92B}"/>
+              </a:ext>
+            </a:extLst>
+          </p:cNvPr>
+          <p:cNvSpPr>
+            <a:spLocks noGrp="1"/>
+          </p:cNvSpPr>
+          <p:nvPr>
+            <p:ph idx="1"/>
+          </p:nvPr>
+        </p:nvSpPr>
+        <p:spPr>
+          <a:xfrm>
+            <a:off x="3062513" y="1732449"/>
+            <a:ext cx="8205043" cy="4058751"/>
+          </a:xfrm>
+        </p:spPr>
+        <p:txBody>
+          <a:bodyPr/>
+          <a:lstStyle/>
+          <a:p>
+            <a:endParaRPr lang="zh-TW" altLang="en-US" dirty="0"/>
+          </a:p>
+        </p:txBody>
+      </p:sp>
+      <p:sp>
+        <p:nvSpPr>
+          <p:cNvPr id="4" name="Date Placeholder 3">
+            <a:extLst>
+              <a:ext uri="{FF2B5EF4-FFF2-40B4-BE49-F238E27FC236}">
+                <a16:creationId xmlns:a16="http://schemas.microsoft.com/office/drawing/2014/main" id="{F3E8725D-E23E-4574-A286-621B86D166DE}"/>
+              </a:ext>
+            </a:extLst>
+          </p:cNvPr>
+          <p:cNvSpPr>
+            <a:spLocks noGrp="1"/>
+          </p:cNvSpPr>
+          <p:nvPr>
+            <p:ph type="dt" sz="half" idx="10"/>
+          </p:nvPr>
+        </p:nvSpPr>
+        <p:spPr/>
+        <p:txBody>
+          <a:bodyPr/>
+          <a:lstStyle/>
+          <a:p>
+            <a:fld id="{A48EEB79-F101-44EB-B581-AA6C4B4D7CE8}" type="datetime1">
+              <a:rPr lang="en-US" altLang="zh-TW" smtClean="0"/>
+              <a:t>11/3/2019</a:t>
+            </a:fld>
+            <a:endParaRPr lang="en-US" dirty="0"/>
+          </a:p>
+        </p:txBody>
+      </p:sp>
+      <p:sp>
+        <p:nvSpPr>
+          <p:cNvPr id="6" name="Slide Number Placeholder 5">
+            <a:extLst>
+              <a:ext uri="{FF2B5EF4-FFF2-40B4-BE49-F238E27FC236}">
+                <a16:creationId xmlns:a16="http://schemas.microsoft.com/office/drawing/2014/main" id="{B4B61CC1-3560-4032-8FDF-1B53A59E3568}"/>
+              </a:ext>
+            </a:extLst>
+          </p:cNvPr>
+          <p:cNvSpPr>
+            <a:spLocks noGrp="1"/>
+          </p:cNvSpPr>
+          <p:nvPr>
+            <p:ph type="sldNum" sz="quarter" idx="12"/>
+          </p:nvPr>
+        </p:nvSpPr>
+        <p:spPr/>
+        <p:txBody>
+          <a:bodyPr/>
+          <a:lstStyle/>
+          <a:p>
+            <a:fld id="{3A98EE3D-8CD1-4C3F-BD1C-C98C9596463C}" type="slidenum">
+              <a:rPr lang="en-US" smtClean="0"/>
+              <a:t>15</a:t>
+            </a:fld>
+            <a:endParaRPr lang="en-US" dirty="0"/>
+          </a:p>
+        </p:txBody>
+      </p:sp>
+      <p:sp>
+        <p:nvSpPr>
+          <p:cNvPr id="8" name="TextBox 7">
+            <a:extLst>
+              <a:ext uri="{FF2B5EF4-FFF2-40B4-BE49-F238E27FC236}">
+                <a16:creationId xmlns:a16="http://schemas.microsoft.com/office/drawing/2014/main" id="{2AA9F7B7-B965-4257-AB74-BD4436C3DFBF}"/>
+              </a:ext>
+            </a:extLst>
+          </p:cNvPr>
+          <p:cNvSpPr txBox="1"/>
+          <p:nvPr/>
+        </p:nvSpPr>
+        <p:spPr>
+          <a:xfrm>
+            <a:off x="76199" y="798286"/>
+            <a:ext cx="2714171" cy="4939814"/>
+          </a:xfrm>
+          <a:prstGeom prst="rect">
+            <a:avLst/>
+          </a:prstGeom>
+          <a:noFill/>
+        </p:spPr>
+        <p:txBody>
+          <a:bodyPr wrap="square" rtlCol="0">
+            <a:spAutoFit/>
+          </a:bodyPr>
+          <a:lstStyle/>
+          <a:p>
+            <a:pPr>
+              <a:lnSpc>
+                <a:spcPct val="150000"/>
+              </a:lnSpc>
+            </a:pPr>
+            <a:r>
+              <a:rPr lang="en-US" altLang="zh-TW" dirty="0">
+                <a:solidFill>
+                  <a:schemeClr val="accent1">
+                    <a:lumMod val="75000"/>
+                  </a:schemeClr>
+                </a:solidFill>
+              </a:rPr>
+              <a:t>Data and Graphs</a:t>
+            </a:r>
+          </a:p>
+          <a:p>
+            <a:pPr>
+              <a:lnSpc>
+                <a:spcPct val="150000"/>
+              </a:lnSpc>
+            </a:pPr>
+            <a:r>
+              <a:rPr lang="en-US" altLang="zh-TW" dirty="0">
+                <a:solidFill>
+                  <a:schemeClr val="accent1">
+                    <a:lumMod val="75000"/>
+                  </a:schemeClr>
+                </a:solidFill>
+              </a:rPr>
+              <a:t>Graph Layout Techniques</a:t>
+            </a:r>
+          </a:p>
+          <a:p>
+            <a:pPr lvl="1">
+              <a:lnSpc>
+                <a:spcPct val="150000"/>
+              </a:lnSpc>
+            </a:pPr>
+            <a:r>
+              <a:rPr lang="en-US" altLang="zh-TW" dirty="0">
+                <a:solidFill>
+                  <a:schemeClr val="accent1">
+                    <a:lumMod val="75000"/>
+                  </a:schemeClr>
+                </a:solidFill>
+              </a:rPr>
+              <a:t>Force-directed Techniques</a:t>
+            </a:r>
+          </a:p>
+          <a:p>
+            <a:pPr lvl="1">
+              <a:lnSpc>
+                <a:spcPct val="150000"/>
+              </a:lnSpc>
+            </a:pPr>
+            <a:r>
+              <a:rPr lang="en-US" altLang="zh-TW" dirty="0"/>
+              <a:t>Multi-dimensional Scaling</a:t>
+            </a:r>
+          </a:p>
+          <a:p>
+            <a:pPr lvl="1">
+              <a:lnSpc>
+                <a:spcPct val="150000"/>
+              </a:lnSpc>
+            </a:pPr>
+            <a:r>
+              <a:rPr lang="en-US" altLang="zh-TW" dirty="0">
+                <a:solidFill>
+                  <a:schemeClr val="accent1">
+                    <a:lumMod val="75000"/>
+                  </a:schemeClr>
+                </a:solidFill>
+              </a:rPr>
+              <a:t>The Pulling Under Constraints Model</a:t>
+            </a:r>
+          </a:p>
+          <a:p>
+            <a:pPr lvl="1">
+              <a:lnSpc>
+                <a:spcPct val="150000"/>
+              </a:lnSpc>
+            </a:pPr>
+            <a:r>
+              <a:rPr lang="en-US" altLang="zh-TW" dirty="0">
+                <a:solidFill>
+                  <a:schemeClr val="accent1">
+                    <a:lumMod val="75000"/>
+                  </a:schemeClr>
+                </a:solidFill>
+              </a:rPr>
+              <a:t>Bipartite Graphs</a:t>
+            </a:r>
+          </a:p>
+          <a:p>
+            <a:pPr>
+              <a:lnSpc>
+                <a:spcPct val="150000"/>
+              </a:lnSpc>
+            </a:pPr>
+            <a:r>
+              <a:rPr lang="en-US" altLang="zh-TW" dirty="0">
+                <a:solidFill>
+                  <a:schemeClr val="accent1">
+                    <a:lumMod val="75000"/>
+                  </a:schemeClr>
+                </a:solidFill>
+              </a:rPr>
+              <a:t>Discussion and Concluding Remarks</a:t>
+            </a:r>
+          </a:p>
+          <a:p>
+            <a:endParaRPr lang="zh-TW" altLang="en-US" dirty="0"/>
+          </a:p>
+        </p:txBody>
+      </p:sp>
+    </p:spTree>
+    <p:extLst>
+      <p:ext uri="{BB962C8B-B14F-4D97-AF65-F5344CB8AC3E}">
+        <p14:creationId xmlns:p14="http://schemas.microsoft.com/office/powerpoint/2010/main" val="3411744723"/>
+      </p:ext>
+    </p:extLst>
+  </p:cSld>
+  <p:clrMapOvr>
+    <a:masterClrMapping/>
+  </p:clrMapOvr>
+</p:sld>
+</file>
+
+<file path=ppt/slides/slide16.xml><?xml version="1.0" encoding="utf-8"?>
+<p:sld xmlns:a="http://schemas.openxmlformats.org/drawingml/2006/main" xmlns:r="http://schemas.openxmlformats.org/officeDocument/2006/relationships" xmlns:p="http://schemas.openxmlformats.org/presentationml/2006/main">
+  <p:cSld>
+    <p:spTree>
+      <p:nvGrpSpPr>
+        <p:cNvPr id="1" name=""/>
+        <p:cNvGrpSpPr/>
+        <p:nvPr/>
+      </p:nvGrpSpPr>
+      <p:grpSpPr>
+        <a:xfrm>
+          <a:off x="0" y="0"/>
+          <a:ext cx="0" cy="0"/>
+          <a:chOff x="0" y="0"/>
+          <a:chExt cx="0" cy="0"/>
+        </a:xfrm>
+      </p:grpSpPr>
+      <p:sp>
+        <p:nvSpPr>
+          <p:cNvPr id="7" name="Rectangle 6">
+            <a:extLst>
+              <a:ext uri="{FF2B5EF4-FFF2-40B4-BE49-F238E27FC236}">
+                <a16:creationId xmlns:a16="http://schemas.microsoft.com/office/drawing/2014/main" id="{E834C335-0940-42E8-BD21-FAAF4AE67728}"/>
+              </a:ext>
+            </a:extLst>
+          </p:cNvPr>
+          <p:cNvSpPr/>
+          <p:nvPr/>
+        </p:nvSpPr>
+        <p:spPr>
+          <a:xfrm>
+            <a:off x="0" y="0"/>
+            <a:ext cx="2970437" cy="6858000"/>
+          </a:xfrm>
+          <a:prstGeom prst="rect">
+            <a:avLst/>
+          </a:prstGeom>
+        </p:spPr>
+        <p:style>
+          <a:lnRef idx="2">
+            <a:schemeClr val="accent1">
+              <a:shade val="50000"/>
+            </a:schemeClr>
+          </a:lnRef>
+          <a:fillRef idx="1">
+            <a:schemeClr val="accent1"/>
+          </a:fillRef>
+          <a:effectRef idx="0">
+            <a:schemeClr val="accent1"/>
+          </a:effectRef>
+          <a:fontRef idx="minor">
+            <a:schemeClr val="lt1"/>
+          </a:fontRef>
+        </p:style>
+        <p:txBody>
+          <a:bodyPr rtlCol="0" anchor="ctr"/>
+          <a:lstStyle/>
+          <a:p>
+            <a:pPr algn="ctr"/>
+            <a:endParaRPr lang="zh-TW" altLang="en-US"/>
+          </a:p>
+        </p:txBody>
+      </p:sp>
+      <p:sp>
+        <p:nvSpPr>
+          <p:cNvPr id="2" name="Title 1">
+            <a:extLst>
+              <a:ext uri="{FF2B5EF4-FFF2-40B4-BE49-F238E27FC236}">
+                <a16:creationId xmlns:a16="http://schemas.microsoft.com/office/drawing/2014/main" id="{E1611E55-55FA-48A6-A572-28256F806E16}"/>
+              </a:ext>
+            </a:extLst>
+          </p:cNvPr>
+          <p:cNvSpPr>
+            <a:spLocks noGrp="1"/>
+          </p:cNvSpPr>
+          <p:nvPr>
+            <p:ph type="title"/>
+          </p:nvPr>
+        </p:nvSpPr>
+        <p:spPr>
+          <a:xfrm>
+            <a:off x="3062513" y="609600"/>
+            <a:ext cx="8205044" cy="970450"/>
+          </a:xfrm>
+        </p:spPr>
+        <p:txBody>
+          <a:bodyPr/>
+          <a:lstStyle/>
+          <a:p>
+            <a:endParaRPr lang="zh-TW" altLang="en-US"/>
+          </a:p>
+        </p:txBody>
+      </p:sp>
+      <p:sp>
+        <p:nvSpPr>
+          <p:cNvPr id="3" name="Content Placeholder 2">
+            <a:extLst>
+              <a:ext uri="{FF2B5EF4-FFF2-40B4-BE49-F238E27FC236}">
+                <a16:creationId xmlns:a16="http://schemas.microsoft.com/office/drawing/2014/main" id="{07264A9A-DDDE-48F3-81EE-2B8D982BC92B}"/>
+              </a:ext>
+            </a:extLst>
+          </p:cNvPr>
+          <p:cNvSpPr>
+            <a:spLocks noGrp="1"/>
+          </p:cNvSpPr>
+          <p:nvPr>
+            <p:ph idx="1"/>
+          </p:nvPr>
+        </p:nvSpPr>
+        <p:spPr>
+          <a:xfrm>
+            <a:off x="3062513" y="1732449"/>
+            <a:ext cx="8205043" cy="4058751"/>
+          </a:xfrm>
+        </p:spPr>
+        <p:txBody>
+          <a:bodyPr/>
+          <a:lstStyle/>
+          <a:p>
+            <a:endParaRPr lang="zh-TW" altLang="en-US" dirty="0"/>
+          </a:p>
+        </p:txBody>
+      </p:sp>
+      <p:sp>
+        <p:nvSpPr>
+          <p:cNvPr id="4" name="Date Placeholder 3">
+            <a:extLst>
+              <a:ext uri="{FF2B5EF4-FFF2-40B4-BE49-F238E27FC236}">
+                <a16:creationId xmlns:a16="http://schemas.microsoft.com/office/drawing/2014/main" id="{F3E8725D-E23E-4574-A286-621B86D166DE}"/>
+              </a:ext>
+            </a:extLst>
+          </p:cNvPr>
+          <p:cNvSpPr>
+            <a:spLocks noGrp="1"/>
+          </p:cNvSpPr>
+          <p:nvPr>
+            <p:ph type="dt" sz="half" idx="10"/>
+          </p:nvPr>
+        </p:nvSpPr>
+        <p:spPr/>
+        <p:txBody>
+          <a:bodyPr/>
+          <a:lstStyle/>
+          <a:p>
+            <a:fld id="{A48EEB79-F101-44EB-B581-AA6C4B4D7CE8}" type="datetime1">
+              <a:rPr lang="en-US" altLang="zh-TW" smtClean="0"/>
+              <a:t>11/3/2019</a:t>
+            </a:fld>
+            <a:endParaRPr lang="en-US" dirty="0"/>
+          </a:p>
+        </p:txBody>
+      </p:sp>
+      <p:sp>
+        <p:nvSpPr>
+          <p:cNvPr id="6" name="Slide Number Placeholder 5">
+            <a:extLst>
+              <a:ext uri="{FF2B5EF4-FFF2-40B4-BE49-F238E27FC236}">
+                <a16:creationId xmlns:a16="http://schemas.microsoft.com/office/drawing/2014/main" id="{B4B61CC1-3560-4032-8FDF-1B53A59E3568}"/>
+              </a:ext>
+            </a:extLst>
+          </p:cNvPr>
+          <p:cNvSpPr>
+            <a:spLocks noGrp="1"/>
+          </p:cNvSpPr>
+          <p:nvPr>
+            <p:ph type="sldNum" sz="quarter" idx="12"/>
+          </p:nvPr>
+        </p:nvSpPr>
+        <p:spPr/>
+        <p:txBody>
+          <a:bodyPr/>
+          <a:lstStyle/>
+          <a:p>
+            <a:fld id="{3A98EE3D-8CD1-4C3F-BD1C-C98C9596463C}" type="slidenum">
+              <a:rPr lang="en-US" smtClean="0"/>
+              <a:t>16</a:t>
+            </a:fld>
+            <a:endParaRPr lang="en-US" dirty="0"/>
+          </a:p>
+        </p:txBody>
+      </p:sp>
+      <p:sp>
+        <p:nvSpPr>
+          <p:cNvPr id="8" name="TextBox 7">
+            <a:extLst>
+              <a:ext uri="{FF2B5EF4-FFF2-40B4-BE49-F238E27FC236}">
+                <a16:creationId xmlns:a16="http://schemas.microsoft.com/office/drawing/2014/main" id="{2AA9F7B7-B965-4257-AB74-BD4436C3DFBF}"/>
+              </a:ext>
+            </a:extLst>
+          </p:cNvPr>
+          <p:cNvSpPr txBox="1"/>
+          <p:nvPr/>
+        </p:nvSpPr>
+        <p:spPr>
+          <a:xfrm>
+            <a:off x="76199" y="798286"/>
+            <a:ext cx="2714171" cy="4939814"/>
+          </a:xfrm>
+          <a:prstGeom prst="rect">
+            <a:avLst/>
+          </a:prstGeom>
+          <a:noFill/>
+        </p:spPr>
+        <p:txBody>
+          <a:bodyPr wrap="square" rtlCol="0">
+            <a:spAutoFit/>
+          </a:bodyPr>
+          <a:lstStyle/>
+          <a:p>
+            <a:pPr>
+              <a:lnSpc>
+                <a:spcPct val="150000"/>
+              </a:lnSpc>
+            </a:pPr>
+            <a:r>
+              <a:rPr lang="en-US" altLang="zh-TW" dirty="0">
+                <a:solidFill>
+                  <a:schemeClr val="accent1">
+                    <a:lumMod val="75000"/>
+                  </a:schemeClr>
+                </a:solidFill>
+              </a:rPr>
+              <a:t>Data and Graphs</a:t>
+            </a:r>
+          </a:p>
+          <a:p>
+            <a:pPr>
+              <a:lnSpc>
+                <a:spcPct val="150000"/>
+              </a:lnSpc>
+            </a:pPr>
+            <a:r>
+              <a:rPr lang="en-US" altLang="zh-TW" dirty="0">
+                <a:solidFill>
+                  <a:schemeClr val="accent1">
+                    <a:lumMod val="75000"/>
+                  </a:schemeClr>
+                </a:solidFill>
+              </a:rPr>
+              <a:t>Graph Layout Techniques</a:t>
+            </a:r>
+          </a:p>
+          <a:p>
+            <a:pPr lvl="1">
+              <a:lnSpc>
+                <a:spcPct val="150000"/>
+              </a:lnSpc>
+            </a:pPr>
+            <a:r>
+              <a:rPr lang="en-US" altLang="zh-TW" dirty="0">
+                <a:solidFill>
+                  <a:schemeClr val="accent1">
+                    <a:lumMod val="75000"/>
+                  </a:schemeClr>
+                </a:solidFill>
+              </a:rPr>
+              <a:t>Force-directed Techniques</a:t>
+            </a:r>
+          </a:p>
+          <a:p>
+            <a:pPr lvl="1">
+              <a:lnSpc>
+                <a:spcPct val="150000"/>
+              </a:lnSpc>
+            </a:pPr>
+            <a:r>
+              <a:rPr lang="en-US" altLang="zh-TW" dirty="0"/>
+              <a:t>Multi-dimensional Scaling</a:t>
+            </a:r>
+          </a:p>
+          <a:p>
+            <a:pPr lvl="1">
+              <a:lnSpc>
+                <a:spcPct val="150000"/>
+              </a:lnSpc>
+            </a:pPr>
+            <a:r>
+              <a:rPr lang="en-US" altLang="zh-TW" dirty="0">
+                <a:solidFill>
+                  <a:schemeClr val="accent1">
+                    <a:lumMod val="75000"/>
+                  </a:schemeClr>
+                </a:solidFill>
+              </a:rPr>
+              <a:t>The Pulling Under Constraints Model</a:t>
+            </a:r>
+          </a:p>
+          <a:p>
+            <a:pPr lvl="1">
+              <a:lnSpc>
+                <a:spcPct val="150000"/>
+              </a:lnSpc>
+            </a:pPr>
+            <a:r>
+              <a:rPr lang="en-US" altLang="zh-TW" dirty="0">
+                <a:solidFill>
+                  <a:schemeClr val="accent1">
+                    <a:lumMod val="75000"/>
+                  </a:schemeClr>
+                </a:solidFill>
+              </a:rPr>
+              <a:t>Bipartite Graphs</a:t>
+            </a:r>
+          </a:p>
+          <a:p>
+            <a:pPr>
+              <a:lnSpc>
+                <a:spcPct val="150000"/>
+              </a:lnSpc>
+            </a:pPr>
+            <a:r>
+              <a:rPr lang="en-US" altLang="zh-TW" dirty="0">
+                <a:solidFill>
+                  <a:schemeClr val="accent1">
+                    <a:lumMod val="75000"/>
+                  </a:schemeClr>
+                </a:solidFill>
+              </a:rPr>
+              <a:t>Discussion and Concluding Remarks</a:t>
+            </a:r>
+          </a:p>
+          <a:p>
+            <a:endParaRPr lang="zh-TW" altLang="en-US" dirty="0"/>
+          </a:p>
+        </p:txBody>
+      </p:sp>
+    </p:spTree>
+    <p:extLst>
+      <p:ext uri="{BB962C8B-B14F-4D97-AF65-F5344CB8AC3E}">
+        <p14:creationId xmlns:p14="http://schemas.microsoft.com/office/powerpoint/2010/main" val="159549973"/>
+      </p:ext>
+    </p:extLst>
+  </p:cSld>
+  <p:clrMapOvr>
+    <a:masterClrMapping/>
+  </p:clrMapOvr>
+</p:sld>
+</file>
+
+<file path=ppt/slides/slide17.xml><?xml version="1.0" encoding="utf-8"?>
+<p:sld xmlns:a="http://schemas.openxmlformats.org/drawingml/2006/main" xmlns:r="http://schemas.openxmlformats.org/officeDocument/2006/relationships" xmlns:p="http://schemas.openxmlformats.org/presentationml/2006/main">
+  <p:cSld>
+    <p:spTree>
+      <p:nvGrpSpPr>
+        <p:cNvPr id="1" name=""/>
+        <p:cNvGrpSpPr/>
+        <p:nvPr/>
+      </p:nvGrpSpPr>
+      <p:grpSpPr>
+        <a:xfrm>
+          <a:off x="0" y="0"/>
+          <a:ext cx="0" cy="0"/>
+          <a:chOff x="0" y="0"/>
+          <a:chExt cx="0" cy="0"/>
+        </a:xfrm>
+      </p:grpSpPr>
+      <p:sp>
+        <p:nvSpPr>
+          <p:cNvPr id="7" name="Rectangle 6">
+            <a:extLst>
+              <a:ext uri="{FF2B5EF4-FFF2-40B4-BE49-F238E27FC236}">
+                <a16:creationId xmlns:a16="http://schemas.microsoft.com/office/drawing/2014/main" id="{E834C335-0940-42E8-BD21-FAAF4AE67728}"/>
+              </a:ext>
+            </a:extLst>
+          </p:cNvPr>
+          <p:cNvSpPr/>
+          <p:nvPr/>
+        </p:nvSpPr>
+        <p:spPr>
+          <a:xfrm>
+            <a:off x="0" y="0"/>
+            <a:ext cx="2970437" cy="6858000"/>
+          </a:xfrm>
+          <a:prstGeom prst="rect">
+            <a:avLst/>
+          </a:prstGeom>
+        </p:spPr>
+        <p:style>
+          <a:lnRef idx="2">
+            <a:schemeClr val="accent1">
+              <a:shade val="50000"/>
+            </a:schemeClr>
+          </a:lnRef>
+          <a:fillRef idx="1">
+            <a:schemeClr val="accent1"/>
+          </a:fillRef>
+          <a:effectRef idx="0">
+            <a:schemeClr val="accent1"/>
+          </a:effectRef>
+          <a:fontRef idx="minor">
+            <a:schemeClr val="lt1"/>
+          </a:fontRef>
+        </p:style>
+        <p:txBody>
+          <a:bodyPr rtlCol="0" anchor="ctr"/>
+          <a:lstStyle/>
+          <a:p>
+            <a:pPr algn="ctr"/>
+            <a:endParaRPr lang="zh-TW" altLang="en-US"/>
+          </a:p>
+        </p:txBody>
+      </p:sp>
+      <p:sp>
+        <p:nvSpPr>
+          <p:cNvPr id="2" name="Title 1">
+            <a:extLst>
+              <a:ext uri="{FF2B5EF4-FFF2-40B4-BE49-F238E27FC236}">
+                <a16:creationId xmlns:a16="http://schemas.microsoft.com/office/drawing/2014/main" id="{E1611E55-55FA-48A6-A572-28256F806E16}"/>
+              </a:ext>
+            </a:extLst>
+          </p:cNvPr>
+          <p:cNvSpPr>
+            <a:spLocks noGrp="1"/>
+          </p:cNvSpPr>
+          <p:nvPr>
+            <p:ph type="title"/>
+          </p:nvPr>
+        </p:nvSpPr>
+        <p:spPr>
+          <a:xfrm>
+            <a:off x="3062513" y="609600"/>
+            <a:ext cx="8205044" cy="970450"/>
+          </a:xfrm>
+        </p:spPr>
+        <p:txBody>
+          <a:bodyPr/>
+          <a:lstStyle/>
+          <a:p>
+            <a:endParaRPr lang="zh-TW" altLang="en-US"/>
+          </a:p>
+        </p:txBody>
+      </p:sp>
+      <p:sp>
+        <p:nvSpPr>
+          <p:cNvPr id="3" name="Content Placeholder 2">
+            <a:extLst>
+              <a:ext uri="{FF2B5EF4-FFF2-40B4-BE49-F238E27FC236}">
+                <a16:creationId xmlns:a16="http://schemas.microsoft.com/office/drawing/2014/main" id="{07264A9A-DDDE-48F3-81EE-2B8D982BC92B}"/>
+              </a:ext>
+            </a:extLst>
+          </p:cNvPr>
+          <p:cNvSpPr>
+            <a:spLocks noGrp="1"/>
+          </p:cNvSpPr>
+          <p:nvPr>
+            <p:ph idx="1"/>
+          </p:nvPr>
+        </p:nvSpPr>
+        <p:spPr>
+          <a:xfrm>
+            <a:off x="3062513" y="1732449"/>
+            <a:ext cx="8205043" cy="4058751"/>
+          </a:xfrm>
+        </p:spPr>
+        <p:txBody>
+          <a:bodyPr/>
+          <a:lstStyle/>
+          <a:p>
+            <a:endParaRPr lang="zh-TW" altLang="en-US" dirty="0"/>
+          </a:p>
+        </p:txBody>
+      </p:sp>
+      <p:sp>
+        <p:nvSpPr>
+          <p:cNvPr id="4" name="Date Placeholder 3">
+            <a:extLst>
+              <a:ext uri="{FF2B5EF4-FFF2-40B4-BE49-F238E27FC236}">
+                <a16:creationId xmlns:a16="http://schemas.microsoft.com/office/drawing/2014/main" id="{F3E8725D-E23E-4574-A286-621B86D166DE}"/>
+              </a:ext>
+            </a:extLst>
+          </p:cNvPr>
+          <p:cNvSpPr>
+            <a:spLocks noGrp="1"/>
+          </p:cNvSpPr>
+          <p:nvPr>
+            <p:ph type="dt" sz="half" idx="10"/>
+          </p:nvPr>
+        </p:nvSpPr>
+        <p:spPr/>
+        <p:txBody>
+          <a:bodyPr/>
+          <a:lstStyle/>
+          <a:p>
+            <a:fld id="{A48EEB79-F101-44EB-B581-AA6C4B4D7CE8}" type="datetime1">
+              <a:rPr lang="en-US" altLang="zh-TW" smtClean="0"/>
+              <a:t>11/3/2019</a:t>
+            </a:fld>
+            <a:endParaRPr lang="en-US" dirty="0"/>
+          </a:p>
+        </p:txBody>
+      </p:sp>
+      <p:sp>
+        <p:nvSpPr>
+          <p:cNvPr id="6" name="Slide Number Placeholder 5">
+            <a:extLst>
+              <a:ext uri="{FF2B5EF4-FFF2-40B4-BE49-F238E27FC236}">
+                <a16:creationId xmlns:a16="http://schemas.microsoft.com/office/drawing/2014/main" id="{B4B61CC1-3560-4032-8FDF-1B53A59E3568}"/>
+              </a:ext>
+            </a:extLst>
+          </p:cNvPr>
+          <p:cNvSpPr>
+            <a:spLocks noGrp="1"/>
+          </p:cNvSpPr>
+          <p:nvPr>
+            <p:ph type="sldNum" sz="quarter" idx="12"/>
+          </p:nvPr>
+        </p:nvSpPr>
+        <p:spPr/>
+        <p:txBody>
+          <a:bodyPr/>
+          <a:lstStyle/>
+          <a:p>
+            <a:fld id="{3A98EE3D-8CD1-4C3F-BD1C-C98C9596463C}" type="slidenum">
+              <a:rPr lang="en-US" smtClean="0"/>
+              <a:t>17</a:t>
+            </a:fld>
+            <a:endParaRPr lang="en-US" dirty="0"/>
+          </a:p>
+        </p:txBody>
+      </p:sp>
+      <p:sp>
+        <p:nvSpPr>
+          <p:cNvPr id="8" name="TextBox 7">
+            <a:extLst>
+              <a:ext uri="{FF2B5EF4-FFF2-40B4-BE49-F238E27FC236}">
+                <a16:creationId xmlns:a16="http://schemas.microsoft.com/office/drawing/2014/main" id="{2AA9F7B7-B965-4257-AB74-BD4436C3DFBF}"/>
+              </a:ext>
+            </a:extLst>
+          </p:cNvPr>
+          <p:cNvSpPr txBox="1"/>
+          <p:nvPr/>
+        </p:nvSpPr>
+        <p:spPr>
+          <a:xfrm>
+            <a:off x="76199" y="798286"/>
+            <a:ext cx="2714171" cy="4939814"/>
+          </a:xfrm>
+          <a:prstGeom prst="rect">
+            <a:avLst/>
+          </a:prstGeom>
+          <a:noFill/>
+        </p:spPr>
+        <p:txBody>
+          <a:bodyPr wrap="square" rtlCol="0">
+            <a:spAutoFit/>
+          </a:bodyPr>
+          <a:lstStyle/>
+          <a:p>
+            <a:pPr>
+              <a:lnSpc>
+                <a:spcPct val="150000"/>
+              </a:lnSpc>
+            </a:pPr>
+            <a:r>
+              <a:rPr lang="en-US" altLang="zh-TW" dirty="0">
+                <a:solidFill>
+                  <a:schemeClr val="accent1">
+                    <a:lumMod val="75000"/>
+                  </a:schemeClr>
+                </a:solidFill>
+              </a:rPr>
+              <a:t>Data and Graphs</a:t>
+            </a:r>
+          </a:p>
+          <a:p>
+            <a:pPr>
+              <a:lnSpc>
+                <a:spcPct val="150000"/>
+              </a:lnSpc>
+            </a:pPr>
+            <a:r>
+              <a:rPr lang="en-US" altLang="zh-TW" dirty="0">
+                <a:solidFill>
+                  <a:schemeClr val="accent1">
+                    <a:lumMod val="75000"/>
+                  </a:schemeClr>
+                </a:solidFill>
+              </a:rPr>
+              <a:t>Graph Layout Techniques</a:t>
+            </a:r>
+          </a:p>
+          <a:p>
+            <a:pPr lvl="1">
+              <a:lnSpc>
+                <a:spcPct val="150000"/>
+              </a:lnSpc>
+            </a:pPr>
+            <a:r>
+              <a:rPr lang="en-US" altLang="zh-TW" dirty="0">
+                <a:solidFill>
+                  <a:schemeClr val="accent1">
+                    <a:lumMod val="75000"/>
+                  </a:schemeClr>
+                </a:solidFill>
+              </a:rPr>
+              <a:t>Force-directed Techniques</a:t>
+            </a:r>
+          </a:p>
+          <a:p>
+            <a:pPr lvl="1">
+              <a:lnSpc>
+                <a:spcPct val="150000"/>
+              </a:lnSpc>
+            </a:pPr>
+            <a:r>
+              <a:rPr lang="en-US" altLang="zh-TW" dirty="0"/>
+              <a:t>Multi-dimensional Scaling</a:t>
+            </a:r>
+          </a:p>
+          <a:p>
+            <a:pPr lvl="1">
+              <a:lnSpc>
+                <a:spcPct val="150000"/>
+              </a:lnSpc>
+            </a:pPr>
+            <a:r>
+              <a:rPr lang="en-US" altLang="zh-TW" dirty="0">
+                <a:solidFill>
+                  <a:schemeClr val="accent1">
+                    <a:lumMod val="75000"/>
+                  </a:schemeClr>
+                </a:solidFill>
+              </a:rPr>
+              <a:t>The Pulling Under Constraints Model</a:t>
+            </a:r>
+          </a:p>
+          <a:p>
+            <a:pPr lvl="1">
+              <a:lnSpc>
+                <a:spcPct val="150000"/>
+              </a:lnSpc>
+            </a:pPr>
+            <a:r>
+              <a:rPr lang="en-US" altLang="zh-TW" dirty="0">
+                <a:solidFill>
+                  <a:schemeClr val="accent1">
+                    <a:lumMod val="75000"/>
+                  </a:schemeClr>
+                </a:solidFill>
+              </a:rPr>
+              <a:t>Bipartite Graphs</a:t>
+            </a:r>
+          </a:p>
+          <a:p>
+            <a:pPr>
+              <a:lnSpc>
+                <a:spcPct val="150000"/>
+              </a:lnSpc>
+            </a:pPr>
+            <a:r>
+              <a:rPr lang="en-US" altLang="zh-TW" dirty="0">
+                <a:solidFill>
+                  <a:schemeClr val="accent1">
+                    <a:lumMod val="75000"/>
+                  </a:schemeClr>
+                </a:solidFill>
+              </a:rPr>
+              <a:t>Discussion and Concluding Remarks</a:t>
+            </a:r>
+          </a:p>
+          <a:p>
+            <a:endParaRPr lang="zh-TW" altLang="en-US" dirty="0"/>
+          </a:p>
+        </p:txBody>
+      </p:sp>
+    </p:spTree>
+    <p:extLst>
+      <p:ext uri="{BB962C8B-B14F-4D97-AF65-F5344CB8AC3E}">
+        <p14:creationId xmlns:p14="http://schemas.microsoft.com/office/powerpoint/2010/main" val="1748188683"/>
       </p:ext>
     </p:extLst>
   </p:cSld>
@@ -6685,7 +9517,7 @@
                 <a16:creationId xmlns:a16="http://schemas.microsoft.com/office/drawing/2014/main" id="{8D70B121-56F4-4848-B38B-182089D909FA}"/>
               </a:ext>
               <a:ext uri="{C183D7F6-B498-43B3-948B-1728B52AA6E4}">
-                <adec:decorative xmlns:adec="http://schemas.microsoft.com/office/drawing/2017/decorative" val="1"/>
+                <adec:decorative xmlns:adec="http://schemas.microsoft.com/office/drawing/2017/decorative" xmlns="" val="1"/>
               </a:ext>
             </a:extLst>
           </p:cNvPr>
@@ -6795,7 +9627,7 @@
                 <a16:creationId xmlns:a16="http://schemas.microsoft.com/office/drawing/2014/main" id="{2D72A2C9-F3CA-4216-8BAD-FA4C970C3C4E}"/>
               </a:ext>
               <a:ext uri="{C183D7F6-B498-43B3-948B-1728B52AA6E4}">
-                <adec:decorative xmlns:adec="http://schemas.microsoft.com/office/drawing/2017/decorative" val="1"/>
+                <adec:decorative xmlns:adec="http://schemas.microsoft.com/office/drawing/2017/decorative" xmlns="" val="1"/>
               </a:ext>
             </a:extLst>
           </p:cNvPr>
@@ -6936,7 +9768,7 @@
                   <a:spcPts val="600"/>
                 </a:spcAft>
               </a:pPr>
-              <a:t>10/28/2019</a:t>
+              <a:t>11/3/2019</a:t>
             </a:fld>
             <a:endParaRPr lang="en-US" sz="1050">
               <a:solidFill>
@@ -7052,7 +9884,7 @@
                 <a16:creationId xmlns:a16="http://schemas.microsoft.com/office/drawing/2014/main" id="{46C2E80F-49A6-4372-B103-219D417A55ED}"/>
               </a:ext>
               <a:ext uri="{C183D7F6-B498-43B3-948B-1728B52AA6E4}">
-                <adec:decorative xmlns:adec="http://schemas.microsoft.com/office/drawing/2017/decorative" val="1"/>
+                <adec:decorative xmlns:adec="http://schemas.microsoft.com/office/drawing/2017/decorative" xmlns="" val="1"/>
               </a:ext>
             </a:extLst>
           </p:cNvPr>
@@ -7615,7 +10447,7 @@
                   <a:spcPts val="600"/>
                 </a:spcAft>
               </a:pPr>
-              <a:t>10/28/2019</a:t>
+              <a:t>11/3/2019</a:t>
             </a:fld>
             <a:endParaRPr lang="en-US" sz="1200">
               <a:solidFill>
@@ -7815,10 +10647,16 @@
           </a:xfrm>
         </p:spPr>
         <p:txBody>
-          <a:bodyPr/>
-          <a:lstStyle/>
-          <a:p>
-            <a:endParaRPr lang="zh-TW" altLang="en-US" dirty="0"/>
+          <a:bodyPr>
+            <a:noAutofit/>
+          </a:bodyPr>
+          <a:lstStyle/>
+          <a:p>
+            <a:r>
+              <a:rPr lang="en-US" sz="3200" b="1" dirty="0"/>
+              <a:t>Graphs are useful entities since they can represent relationships between sets of objects</a:t>
+            </a:r>
+            <a:endParaRPr lang="zh-TW" altLang="en-US" sz="3200" b="1" dirty="0"/>
           </a:p>
         </p:txBody>
       </p:sp>
@@ -7839,13 +10677,13 @@
           </p:nvPr>
         </p:nvPicPr>
         <p:blipFill>
-          <a:blip r:embed="rId2">
+          <a:blip r:embed="rId2" cstate="hqprint">
             <a:extLst>
               <a:ext uri="{28A0092B-C50C-407E-A947-70E740481C1C}">
                 <a14:useLocalDpi xmlns:a14="http://schemas.microsoft.com/office/drawing/2010/main" val="0"/>
               </a:ext>
               <a:ext uri="{837473B0-CC2E-450A-ABE3-18F120FF3D39}">
-                <a1611:picAttrSrcUrl xmlns:a1611="http://schemas.microsoft.com/office/drawing/2016/11/main" r:id="rId3"/>
+                <a1611:picAttrSrcUrl xmlns:a1611="http://schemas.microsoft.com/office/drawing/2016/11/main" xmlns="" r:id="rId3"/>
               </a:ext>
             </a:extLst>
           </a:blip>
@@ -7883,7 +10721,7 @@
           <a:p>
             <a:fld id="{BC918B86-AEF2-41BD-9AC8-BEAFB41E6391}" type="datetime1">
               <a:rPr lang="en-US" altLang="zh-TW" smtClean="0"/>
-              <a:t>10/28/2019</a:t>
+              <a:t>11/3/2019</a:t>
             </a:fld>
             <a:endParaRPr lang="en-US" dirty="0"/>
           </a:p>
@@ -8269,92 +11107,6 @@
         <p:spPr>
           <a:xfrm>
             <a:off x="4760686" y="3244334"/>
-            <a:ext cx="1487714" cy="723865"/>
-          </a:xfrm>
-          <a:prstGeom prst="curvedConnector3">
-            <a:avLst>
-              <a:gd name="adj1" fmla="val 50000"/>
-            </a:avLst>
-          </a:prstGeom>
-          <a:ln>
-            <a:tailEnd type="triangle"/>
-          </a:ln>
-        </p:spPr>
-        <p:style>
-          <a:lnRef idx="1">
-            <a:schemeClr val="accent1"/>
-          </a:lnRef>
-          <a:fillRef idx="0">
-            <a:schemeClr val="accent1"/>
-          </a:fillRef>
-          <a:effectRef idx="0">
-            <a:schemeClr val="accent1"/>
-          </a:effectRef>
-          <a:fontRef idx="minor">
-            <a:schemeClr val="tx1"/>
-          </a:fontRef>
-        </p:style>
-      </p:cxnSp>
-      <p:cxnSp>
-        <p:nvCxnSpPr>
-          <p:cNvPr id="29" name="Connector: Curved 28">
-            <a:extLst>
-              <a:ext uri="{FF2B5EF4-FFF2-40B4-BE49-F238E27FC236}">
-                <a16:creationId xmlns:a16="http://schemas.microsoft.com/office/drawing/2014/main" id="{28C17645-9D99-4988-A3D7-3E6D27A0680A}"/>
-              </a:ext>
-            </a:extLst>
-          </p:cNvPr>
-          <p:cNvCxnSpPr>
-            <a:cxnSpLocks/>
-          </p:cNvCxnSpPr>
-          <p:nvPr/>
-        </p:nvCxnSpPr>
-        <p:spPr>
-          <a:xfrm>
-            <a:off x="4760686" y="2447402"/>
-            <a:ext cx="1565827" cy="1533819"/>
-          </a:xfrm>
-          <a:prstGeom prst="curvedConnector3">
-            <a:avLst>
-              <a:gd name="adj1" fmla="val 50000"/>
-            </a:avLst>
-          </a:prstGeom>
-          <a:ln>
-            <a:tailEnd type="triangle"/>
-          </a:ln>
-        </p:spPr>
-        <p:style>
-          <a:lnRef idx="1">
-            <a:schemeClr val="accent1"/>
-          </a:lnRef>
-          <a:fillRef idx="0">
-            <a:schemeClr val="accent1"/>
-          </a:fillRef>
-          <a:effectRef idx="0">
-            <a:schemeClr val="accent1"/>
-          </a:effectRef>
-          <a:fontRef idx="minor">
-            <a:schemeClr val="tx1"/>
-          </a:fontRef>
-        </p:style>
-      </p:cxnSp>
-      <p:cxnSp>
-        <p:nvCxnSpPr>
-          <p:cNvPr id="30" name="Connector: Curved 29">
-            <a:extLst>
-              <a:ext uri="{FF2B5EF4-FFF2-40B4-BE49-F238E27FC236}">
-                <a16:creationId xmlns:a16="http://schemas.microsoft.com/office/drawing/2014/main" id="{3C134EB4-C81F-4638-ACE0-F168DF0CB07A}"/>
-              </a:ext>
-            </a:extLst>
-          </p:cNvPr>
-          <p:cNvCxnSpPr>
-            <a:cxnSpLocks/>
-          </p:cNvCxnSpPr>
-          <p:nvPr/>
-        </p:nvCxnSpPr>
-        <p:spPr>
-          <a:xfrm>
-            <a:off x="4760686" y="3257356"/>
             <a:ext cx="1487714" cy="723865"/>
           </a:xfrm>
           <a:prstGeom prst="curvedConnector3">
@@ -8583,7 +11335,7 @@
                 <a14:useLocalDpi xmlns:a14="http://schemas.microsoft.com/office/drawing/2010/main" val="0"/>
               </a:ext>
               <a:ext uri="{837473B0-CC2E-450A-ABE3-18F120FF3D39}">
-                <a1611:picAttrSrcUrl xmlns:a1611="http://schemas.microsoft.com/office/drawing/2016/11/main" r:id="rId5"/>
+                <a1611:picAttrSrcUrl xmlns:a1611="http://schemas.microsoft.com/office/drawing/2016/11/main" xmlns="" r:id="rId5"/>
               </a:ext>
             </a:extLst>
           </a:blip>
@@ -8699,19 +11451,33 @@
           </a:xfrm>
         </p:spPr>
         <p:txBody>
-          <a:bodyPr/>
-          <a:lstStyle/>
-          <a:p>
-            <a:endParaRPr lang="zh-TW" altLang="en-US"/>
-          </a:p>
-        </p:txBody>
-      </p:sp>
-      <p:sp>
-        <p:nvSpPr>
-          <p:cNvPr id="3" name="Content Placeholder 2">
-            <a:extLst>
-              <a:ext uri="{FF2B5EF4-FFF2-40B4-BE49-F238E27FC236}">
-                <a16:creationId xmlns:a16="http://schemas.microsoft.com/office/drawing/2014/main" id="{07264A9A-DDDE-48F3-81EE-2B8D982BC92B}"/>
+          <a:bodyPr>
+            <a:normAutofit/>
+          </a:bodyPr>
+          <a:lstStyle/>
+          <a:p>
+            <a:r>
+              <a:rPr lang="en-US" altLang="zh-TW" sz="3600" b="1" dirty="0" smtClean="0"/>
+              <a:t>Example(1/3) P</a:t>
+            </a:r>
+            <a:r>
+              <a:rPr lang="en-US" sz="3600" b="1" dirty="0" smtClean="0"/>
+              <a:t>rotein </a:t>
+            </a:r>
+            <a:r>
+              <a:rPr lang="en-US" sz="3600" b="1" dirty="0"/>
+              <a:t>interaction network</a:t>
+            </a:r>
+            <a:endParaRPr lang="zh-TW" altLang="en-US" sz="3600" b="1" dirty="0"/>
+          </a:p>
+        </p:txBody>
+      </p:sp>
+      <p:sp>
+        <p:nvSpPr>
+          <p:cNvPr id="4" name="Date Placeholder 3">
+            <a:extLst>
+              <a:ext uri="{FF2B5EF4-FFF2-40B4-BE49-F238E27FC236}">
+                <a16:creationId xmlns:a16="http://schemas.microsoft.com/office/drawing/2014/main" id="{F3E8725D-E23E-4574-A286-621B86D166DE}"/>
               </a:ext>
             </a:extLst>
           </p:cNvPr>
@@ -8719,47 +11485,17 @@
             <a:spLocks noGrp="1"/>
           </p:cNvSpPr>
           <p:nvPr>
-            <p:ph idx="1"/>
-          </p:nvPr>
-        </p:nvSpPr>
-        <p:spPr>
-          <a:xfrm>
-            <a:off x="3062513" y="1732449"/>
-            <a:ext cx="8205043" cy="4058751"/>
-          </a:xfrm>
-        </p:spPr>
+            <p:ph type="dt" sz="half" idx="10"/>
+          </p:nvPr>
+        </p:nvSpPr>
+        <p:spPr/>
         <p:txBody>
           <a:bodyPr/>
           <a:lstStyle/>
           <a:p>
-            <a:endParaRPr lang="zh-TW" altLang="en-US" dirty="0"/>
-          </a:p>
-        </p:txBody>
-      </p:sp>
-      <p:sp>
-        <p:nvSpPr>
-          <p:cNvPr id="4" name="Date Placeholder 3">
-            <a:extLst>
-              <a:ext uri="{FF2B5EF4-FFF2-40B4-BE49-F238E27FC236}">
-                <a16:creationId xmlns:a16="http://schemas.microsoft.com/office/drawing/2014/main" id="{F3E8725D-E23E-4574-A286-621B86D166DE}"/>
-              </a:ext>
-            </a:extLst>
-          </p:cNvPr>
-          <p:cNvSpPr>
-            <a:spLocks noGrp="1"/>
-          </p:cNvSpPr>
-          <p:nvPr>
-            <p:ph type="dt" sz="half" idx="10"/>
-          </p:nvPr>
-        </p:nvSpPr>
-        <p:spPr/>
-        <p:txBody>
-          <a:bodyPr/>
-          <a:lstStyle/>
-          <a:p>
-            <a:fld id="{7BB99356-4542-4ABA-8A7E-BF0E342717E4}" type="datetime1">
+            <a:fld id="{BC918B86-AEF2-41BD-9AC8-BEAFB41E6391}" type="datetime1">
               <a:rPr lang="en-US" altLang="zh-TW" smtClean="0"/>
-              <a:t>10/28/2019</a:t>
+              <a:t>11/3/2019</a:t>
             </a:fld>
             <a:endParaRPr lang="en-US" dirty="0"/>
           </a:p>
@@ -8839,7 +11575,13 @@
               </a:lnSpc>
             </a:pPr>
             <a:r>
-              <a:rPr lang="en-US" altLang="zh-TW" dirty="0"/>
+              <a:rPr lang="en-US" altLang="zh-TW" dirty="0">
+                <a:solidFill>
+                  <a:schemeClr val="accent1">
+                    <a:lumMod val="75000"/>
+                  </a:schemeClr>
+                </a:solidFill>
+              </a:rPr>
               <a:t>Graph Layout Techniques</a:t>
             </a:r>
           </a:p>
@@ -8850,7 +11592,13 @@
               </a:lnSpc>
             </a:pPr>
             <a:r>
-              <a:rPr lang="en-US" altLang="zh-TW" dirty="0"/>
+              <a:rPr lang="en-US" altLang="zh-TW" dirty="0">
+                <a:solidFill>
+                  <a:schemeClr val="accent1">
+                    <a:lumMod val="75000"/>
+                  </a:schemeClr>
+                </a:solidFill>
+              </a:rPr>
               <a:t>Force-directed Techniques</a:t>
             </a:r>
           </a:p>
@@ -8861,7 +11609,13 @@
               </a:lnSpc>
             </a:pPr>
             <a:r>
-              <a:rPr lang="en-US" altLang="zh-TW" dirty="0"/>
+              <a:rPr lang="en-US" altLang="zh-TW" dirty="0">
+                <a:solidFill>
+                  <a:schemeClr val="accent1">
+                    <a:lumMod val="75000"/>
+                  </a:schemeClr>
+                </a:solidFill>
+              </a:rPr>
               <a:t>Multi-dimensional Scaling</a:t>
             </a:r>
           </a:p>
@@ -8872,7 +11626,13 @@
               </a:lnSpc>
             </a:pPr>
             <a:r>
-              <a:rPr lang="en-US" altLang="zh-TW" dirty="0"/>
+              <a:rPr lang="en-US" altLang="zh-TW" dirty="0">
+                <a:solidFill>
+                  <a:schemeClr val="accent1">
+                    <a:lumMod val="75000"/>
+                  </a:schemeClr>
+                </a:solidFill>
+              </a:rPr>
               <a:t>The Pulling Under Constraints Model</a:t>
             </a:r>
           </a:p>
@@ -8883,7 +11643,13 @@
               </a:lnSpc>
             </a:pPr>
             <a:r>
-              <a:rPr lang="en-US" altLang="zh-TW" dirty="0"/>
+              <a:rPr lang="en-US" altLang="zh-TW" dirty="0">
+                <a:solidFill>
+                  <a:schemeClr val="accent1">
+                    <a:lumMod val="75000"/>
+                  </a:schemeClr>
+                </a:solidFill>
+              </a:rPr>
               <a:t>Bipartite Graphs</a:t>
             </a:r>
           </a:p>
@@ -8894,7 +11660,13 @@
               </a:lnSpc>
             </a:pPr>
             <a:r>
-              <a:rPr lang="en-US" altLang="zh-TW" dirty="0"/>
+              <a:rPr lang="en-US" altLang="zh-TW" dirty="0">
+                <a:solidFill>
+                  <a:schemeClr val="accent1">
+                    <a:lumMod val="75000"/>
+                  </a:schemeClr>
+                </a:solidFill>
+              </a:rPr>
               <a:t>Discussion and Concluding Remarks</a:t>
             </a:r>
           </a:p>
@@ -8903,10 +11675,39 @@
           </a:p>
         </p:txBody>
       </p:sp>
+      <p:pic>
+        <p:nvPicPr>
+          <p:cNvPr id="5" name="內容版面配置區 4"/>
+          <p:cNvPicPr>
+            <a:picLocks noGrp="1" noChangeAspect="1"/>
+          </p:cNvPicPr>
+          <p:nvPr>
+            <p:ph idx="1"/>
+          </p:nvPr>
+        </p:nvPicPr>
+        <p:blipFill>
+          <a:blip r:embed="rId2">
+            <a:extLst>
+              <a:ext uri="{28A0092B-C50C-407E-A947-70E740481C1C}">
+                <a14:useLocalDpi xmlns:a14="http://schemas.microsoft.com/office/drawing/2010/main" val="0"/>
+              </a:ext>
+            </a:extLst>
+          </a:blip>
+          <a:stretch>
+            <a:fillRect/>
+          </a:stretch>
+        </p:blipFill>
+        <p:spPr>
+          <a:xfrm>
+            <a:off x="4278899" y="1654175"/>
+            <a:ext cx="5515389" cy="4351338"/>
+          </a:xfrm>
+        </p:spPr>
+      </p:pic>
     </p:spTree>
     <p:extLst>
       <p:ext uri="{BB962C8B-B14F-4D97-AF65-F5344CB8AC3E}">
-        <p14:creationId xmlns:p14="http://schemas.microsoft.com/office/powerpoint/2010/main" val="3635070118"/>
+        <p14:creationId xmlns:p14="http://schemas.microsoft.com/office/powerpoint/2010/main" val="1460447592"/>
       </p:ext>
     </p:extLst>
   </p:cSld>
@@ -9005,16 +11806,57 @@
           <a:bodyPr/>
           <a:lstStyle/>
           <a:p>
-            <a:endParaRPr lang="zh-TW" altLang="en-US"/>
-          </a:p>
-        </p:txBody>
-      </p:sp>
-      <p:sp>
-        <p:nvSpPr>
-          <p:cNvPr id="3" name="Content Placeholder 2">
-            <a:extLst>
-              <a:ext uri="{FF2B5EF4-FFF2-40B4-BE49-F238E27FC236}">
-                <a16:creationId xmlns:a16="http://schemas.microsoft.com/office/drawing/2014/main" id="{07264A9A-DDDE-48F3-81EE-2B8D982BC92B}"/>
+            <a:r>
+              <a:rPr lang="en-US" altLang="zh-TW" b="1" dirty="0" smtClean="0"/>
+              <a:t>Example(2/3) C</a:t>
+            </a:r>
+            <a:r>
+              <a:rPr lang="en-US" b="1" dirty="0" smtClean="0"/>
+              <a:t>ontingency </a:t>
+            </a:r>
+            <a:r>
+              <a:rPr lang="en-US" b="1" dirty="0"/>
+              <a:t>table</a:t>
+            </a:r>
+            <a:endParaRPr lang="zh-TW" altLang="en-US" b="1" dirty="0"/>
+          </a:p>
+        </p:txBody>
+      </p:sp>
+      <p:pic>
+        <p:nvPicPr>
+          <p:cNvPr id="10" name="內容版面配置區 9"/>
+          <p:cNvPicPr>
+            <a:picLocks noGrp="1" noChangeAspect="1"/>
+          </p:cNvPicPr>
+          <p:nvPr>
+            <p:ph idx="1"/>
+          </p:nvPr>
+        </p:nvPicPr>
+        <p:blipFill>
+          <a:blip r:embed="rId2">
+            <a:extLst>
+              <a:ext uri="{28A0092B-C50C-407E-A947-70E740481C1C}">
+                <a14:useLocalDpi xmlns:a14="http://schemas.microsoft.com/office/drawing/2010/main" val="0"/>
+              </a:ext>
+            </a:extLst>
+          </a:blip>
+          <a:stretch>
+            <a:fillRect/>
+          </a:stretch>
+        </p:blipFill>
+        <p:spPr>
+          <a:xfrm>
+            <a:off x="4383410" y="1580050"/>
+            <a:ext cx="6000069" cy="1511381"/>
+          </a:xfrm>
+        </p:spPr>
+      </p:pic>
+      <p:sp>
+        <p:nvSpPr>
+          <p:cNvPr id="4" name="Date Placeholder 3">
+            <a:extLst>
+              <a:ext uri="{FF2B5EF4-FFF2-40B4-BE49-F238E27FC236}">
+                <a16:creationId xmlns:a16="http://schemas.microsoft.com/office/drawing/2014/main" id="{F3E8725D-E23E-4574-A286-621B86D166DE}"/>
               </a:ext>
             </a:extLst>
           </p:cNvPr>
@@ -9022,47 +11864,17 @@
             <a:spLocks noGrp="1"/>
           </p:cNvSpPr>
           <p:nvPr>
-            <p:ph idx="1"/>
-          </p:nvPr>
-        </p:nvSpPr>
-        <p:spPr>
-          <a:xfrm>
-            <a:off x="3062513" y="1732449"/>
-            <a:ext cx="8205043" cy="4058751"/>
-          </a:xfrm>
-        </p:spPr>
+            <p:ph type="dt" sz="half" idx="10"/>
+          </p:nvPr>
+        </p:nvSpPr>
+        <p:spPr/>
         <p:txBody>
           <a:bodyPr/>
           <a:lstStyle/>
           <a:p>
-            <a:endParaRPr lang="zh-TW" altLang="en-US" dirty="0"/>
-          </a:p>
-        </p:txBody>
-      </p:sp>
-      <p:sp>
-        <p:nvSpPr>
-          <p:cNvPr id="4" name="Date Placeholder 3">
-            <a:extLst>
-              <a:ext uri="{FF2B5EF4-FFF2-40B4-BE49-F238E27FC236}">
-                <a16:creationId xmlns:a16="http://schemas.microsoft.com/office/drawing/2014/main" id="{F3E8725D-E23E-4574-A286-621B86D166DE}"/>
-              </a:ext>
-            </a:extLst>
-          </p:cNvPr>
-          <p:cNvSpPr>
-            <a:spLocks noGrp="1"/>
-          </p:cNvSpPr>
-          <p:nvPr>
-            <p:ph type="dt" sz="half" idx="10"/>
-          </p:nvPr>
-        </p:nvSpPr>
-        <p:spPr/>
-        <p:txBody>
-          <a:bodyPr/>
-          <a:lstStyle/>
-          <a:p>
-            <a:fld id="{6577C22B-B36C-4A50-A14F-AB5194F01234}" type="datetime1">
+            <a:fld id="{7BB99356-4542-4ABA-8A7E-BF0E342717E4}" type="datetime1">
               <a:rPr lang="en-US" altLang="zh-TW" smtClean="0"/>
-              <a:t>10/28/2019</a:t>
+              <a:t>11/3/2019</a:t>
             </a:fld>
             <a:endParaRPr lang="en-US" dirty="0"/>
           </a:p>
@@ -9142,7 +11954,13 @@
               </a:lnSpc>
             </a:pPr>
             <a:r>
-              <a:rPr lang="en-US" altLang="zh-TW" dirty="0"/>
+              <a:rPr lang="en-US" altLang="zh-TW" dirty="0">
+                <a:solidFill>
+                  <a:schemeClr val="accent1">
+                    <a:lumMod val="75000"/>
+                  </a:schemeClr>
+                </a:solidFill>
+              </a:rPr>
               <a:t>Graph Layout Techniques</a:t>
             </a:r>
           </a:p>
@@ -9153,7 +11971,13 @@
               </a:lnSpc>
             </a:pPr>
             <a:r>
-              <a:rPr lang="en-US" altLang="zh-TW" dirty="0"/>
+              <a:rPr lang="en-US" altLang="zh-TW" dirty="0">
+                <a:solidFill>
+                  <a:schemeClr val="accent1">
+                    <a:lumMod val="75000"/>
+                  </a:schemeClr>
+                </a:solidFill>
+              </a:rPr>
               <a:t>Force-directed Techniques</a:t>
             </a:r>
           </a:p>
@@ -9164,7 +11988,13 @@
               </a:lnSpc>
             </a:pPr>
             <a:r>
-              <a:rPr lang="en-US" altLang="zh-TW" dirty="0"/>
+              <a:rPr lang="en-US" altLang="zh-TW" dirty="0">
+                <a:solidFill>
+                  <a:schemeClr val="accent1">
+                    <a:lumMod val="75000"/>
+                  </a:schemeClr>
+                </a:solidFill>
+              </a:rPr>
               <a:t>Multi-dimensional Scaling</a:t>
             </a:r>
           </a:p>
@@ -9175,7 +12005,13 @@
               </a:lnSpc>
             </a:pPr>
             <a:r>
-              <a:rPr lang="en-US" altLang="zh-TW" dirty="0"/>
+              <a:rPr lang="en-US" altLang="zh-TW" dirty="0">
+                <a:solidFill>
+                  <a:schemeClr val="accent1">
+                    <a:lumMod val="75000"/>
+                  </a:schemeClr>
+                </a:solidFill>
+              </a:rPr>
               <a:t>The Pulling Under Constraints Model</a:t>
             </a:r>
           </a:p>
@@ -9186,7 +12022,13 @@
               </a:lnSpc>
             </a:pPr>
             <a:r>
-              <a:rPr lang="en-US" altLang="zh-TW" dirty="0"/>
+              <a:rPr lang="en-US" altLang="zh-TW" dirty="0">
+                <a:solidFill>
+                  <a:schemeClr val="accent1">
+                    <a:lumMod val="75000"/>
+                  </a:schemeClr>
+                </a:solidFill>
+              </a:rPr>
               <a:t>Bipartite Graphs</a:t>
             </a:r>
           </a:p>
@@ -9197,7 +12039,13 @@
               </a:lnSpc>
             </a:pPr>
             <a:r>
-              <a:rPr lang="en-US" altLang="zh-TW" dirty="0"/>
+              <a:rPr lang="en-US" altLang="zh-TW" dirty="0">
+                <a:solidFill>
+                  <a:schemeClr val="accent1">
+                    <a:lumMod val="75000"/>
+                  </a:schemeClr>
+                </a:solidFill>
+              </a:rPr>
               <a:t>Discussion and Concluding Remarks</a:t>
             </a:r>
           </a:p>
@@ -9206,10 +12054,40 @@
           </a:p>
         </p:txBody>
       </p:sp>
+      <p:pic>
+        <p:nvPicPr>
+          <p:cNvPr id="11" name="圖片 10"/>
+          <p:cNvPicPr>
+            <a:picLocks noChangeAspect="1"/>
+          </p:cNvPicPr>
+          <p:nvPr/>
+        </p:nvPicPr>
+        <p:blipFill>
+          <a:blip r:embed="rId3">
+            <a:extLst>
+              <a:ext uri="{28A0092B-C50C-407E-A947-70E740481C1C}">
+                <a14:useLocalDpi xmlns:a14="http://schemas.microsoft.com/office/drawing/2010/main" val="0"/>
+              </a:ext>
+            </a:extLst>
+          </a:blip>
+          <a:stretch>
+            <a:fillRect/>
+          </a:stretch>
+        </p:blipFill>
+        <p:spPr>
+          <a:xfrm>
+            <a:off x="4601820" y="3139740"/>
+            <a:ext cx="5563247" cy="3216610"/>
+          </a:xfrm>
+          <a:prstGeom prst="rect">
+            <a:avLst/>
+          </a:prstGeom>
+        </p:spPr>
+      </p:pic>
     </p:spTree>
     <p:extLst>
       <p:ext uri="{BB962C8B-B14F-4D97-AF65-F5344CB8AC3E}">
-        <p14:creationId xmlns:p14="http://schemas.microsoft.com/office/powerpoint/2010/main" val="1358168317"/>
+        <p14:creationId xmlns:p14="http://schemas.microsoft.com/office/powerpoint/2010/main" val="3635070118"/>
       </p:ext>
     </p:extLst>
   </p:cSld>
@@ -9308,16 +12186,57 @@
           <a:bodyPr/>
           <a:lstStyle/>
           <a:p>
-            <a:endParaRPr lang="zh-TW" altLang="en-US"/>
-          </a:p>
-        </p:txBody>
-      </p:sp>
-      <p:sp>
-        <p:nvSpPr>
-          <p:cNvPr id="3" name="Content Placeholder 2">
-            <a:extLst>
-              <a:ext uri="{FF2B5EF4-FFF2-40B4-BE49-F238E27FC236}">
-                <a16:creationId xmlns:a16="http://schemas.microsoft.com/office/drawing/2014/main" id="{07264A9A-DDDE-48F3-81EE-2B8D982BC92B}"/>
+            <a:r>
+              <a:rPr lang="en-US" altLang="zh-TW" b="1" dirty="0" smtClean="0"/>
+              <a:t>Example(3/3) C</a:t>
+            </a:r>
+            <a:r>
+              <a:rPr lang="en-US" b="1" dirty="0" smtClean="0"/>
+              <a:t>orrelation </a:t>
+            </a:r>
+            <a:r>
+              <a:rPr lang="en-US" b="1" dirty="0"/>
+              <a:t>matrix</a:t>
+            </a:r>
+            <a:endParaRPr lang="zh-TW" altLang="en-US" b="1" dirty="0"/>
+          </a:p>
+        </p:txBody>
+      </p:sp>
+      <p:pic>
+        <p:nvPicPr>
+          <p:cNvPr id="5" name="內容版面配置區 4"/>
+          <p:cNvPicPr>
+            <a:picLocks noGrp="1" noChangeAspect="1"/>
+          </p:cNvPicPr>
+          <p:nvPr>
+            <p:ph idx="1"/>
+          </p:nvPr>
+        </p:nvPicPr>
+        <p:blipFill>
+          <a:blip r:embed="rId2">
+            <a:extLst>
+              <a:ext uri="{28A0092B-C50C-407E-A947-70E740481C1C}">
+                <a14:useLocalDpi xmlns:a14="http://schemas.microsoft.com/office/drawing/2010/main" val="0"/>
+              </a:ext>
+            </a:extLst>
+          </a:blip>
+          <a:stretch>
+            <a:fillRect/>
+          </a:stretch>
+        </p:blipFill>
+        <p:spPr>
+          <a:xfrm>
+            <a:off x="4542873" y="1731963"/>
+            <a:ext cx="5244617" cy="4059237"/>
+          </a:xfrm>
+        </p:spPr>
+      </p:pic>
+      <p:sp>
+        <p:nvSpPr>
+          <p:cNvPr id="4" name="Date Placeholder 3">
+            <a:extLst>
+              <a:ext uri="{FF2B5EF4-FFF2-40B4-BE49-F238E27FC236}">
+                <a16:creationId xmlns:a16="http://schemas.microsoft.com/office/drawing/2014/main" id="{F3E8725D-E23E-4574-A286-621B86D166DE}"/>
               </a:ext>
             </a:extLst>
           </p:cNvPr>
@@ -9325,47 +12244,17 @@
             <a:spLocks noGrp="1"/>
           </p:cNvSpPr>
           <p:nvPr>
-            <p:ph idx="1"/>
-          </p:nvPr>
-        </p:nvSpPr>
-        <p:spPr>
-          <a:xfrm>
-            <a:off x="3062513" y="1732449"/>
-            <a:ext cx="8205043" cy="4058751"/>
-          </a:xfrm>
-        </p:spPr>
+            <p:ph type="dt" sz="half" idx="10"/>
+          </p:nvPr>
+        </p:nvSpPr>
+        <p:spPr/>
         <p:txBody>
           <a:bodyPr/>
           <a:lstStyle/>
           <a:p>
-            <a:endParaRPr lang="zh-TW" altLang="en-US" dirty="0"/>
-          </a:p>
-        </p:txBody>
-      </p:sp>
-      <p:sp>
-        <p:nvSpPr>
-          <p:cNvPr id="4" name="Date Placeholder 3">
-            <a:extLst>
-              <a:ext uri="{FF2B5EF4-FFF2-40B4-BE49-F238E27FC236}">
-                <a16:creationId xmlns:a16="http://schemas.microsoft.com/office/drawing/2014/main" id="{F3E8725D-E23E-4574-A286-621B86D166DE}"/>
-              </a:ext>
-            </a:extLst>
-          </p:cNvPr>
-          <p:cNvSpPr>
-            <a:spLocks noGrp="1"/>
-          </p:cNvSpPr>
-          <p:nvPr>
-            <p:ph type="dt" sz="half" idx="10"/>
-          </p:nvPr>
-        </p:nvSpPr>
-        <p:spPr/>
-        <p:txBody>
-          <a:bodyPr/>
-          <a:lstStyle/>
-          <a:p>
-            <a:fld id="{8995CC28-12AB-4194-B8FD-AFD214EF170E}" type="datetime1">
+            <a:fld id="{6577C22B-B36C-4A50-A14F-AB5194F01234}" type="datetime1">
               <a:rPr lang="en-US" altLang="zh-TW" smtClean="0"/>
-              <a:t>10/28/2019</a:t>
+              <a:t>11/3/2019</a:t>
             </a:fld>
             <a:endParaRPr lang="en-US" dirty="0"/>
           </a:p>
@@ -9445,7 +12334,13 @@
               </a:lnSpc>
             </a:pPr>
             <a:r>
-              <a:rPr lang="en-US" altLang="zh-TW" dirty="0"/>
+              <a:rPr lang="en-US" altLang="zh-TW" dirty="0">
+                <a:solidFill>
+                  <a:schemeClr val="accent1">
+                    <a:lumMod val="75000"/>
+                  </a:schemeClr>
+                </a:solidFill>
+              </a:rPr>
               <a:t>Graph Layout Techniques</a:t>
             </a:r>
           </a:p>
@@ -9456,7 +12351,13 @@
               </a:lnSpc>
             </a:pPr>
             <a:r>
-              <a:rPr lang="en-US" altLang="zh-TW" dirty="0"/>
+              <a:rPr lang="en-US" altLang="zh-TW" dirty="0">
+                <a:solidFill>
+                  <a:schemeClr val="accent1">
+                    <a:lumMod val="75000"/>
+                  </a:schemeClr>
+                </a:solidFill>
+              </a:rPr>
               <a:t>Force-directed Techniques</a:t>
             </a:r>
           </a:p>
@@ -9467,7 +12368,13 @@
               </a:lnSpc>
             </a:pPr>
             <a:r>
-              <a:rPr lang="en-US" altLang="zh-TW" dirty="0"/>
+              <a:rPr lang="en-US" altLang="zh-TW" dirty="0">
+                <a:solidFill>
+                  <a:schemeClr val="accent1">
+                    <a:lumMod val="75000"/>
+                  </a:schemeClr>
+                </a:solidFill>
+              </a:rPr>
               <a:t>Multi-dimensional Scaling</a:t>
             </a:r>
           </a:p>
@@ -9478,7 +12385,13 @@
               </a:lnSpc>
             </a:pPr>
             <a:r>
-              <a:rPr lang="en-US" altLang="zh-TW" dirty="0"/>
+              <a:rPr lang="en-US" altLang="zh-TW" dirty="0">
+                <a:solidFill>
+                  <a:schemeClr val="accent1">
+                    <a:lumMod val="75000"/>
+                  </a:schemeClr>
+                </a:solidFill>
+              </a:rPr>
               <a:t>The Pulling Under Constraints Model</a:t>
             </a:r>
           </a:p>
@@ -9489,7 +12402,13 @@
               </a:lnSpc>
             </a:pPr>
             <a:r>
-              <a:rPr lang="en-US" altLang="zh-TW" dirty="0"/>
+              <a:rPr lang="en-US" altLang="zh-TW" dirty="0">
+                <a:solidFill>
+                  <a:schemeClr val="accent1">
+                    <a:lumMod val="75000"/>
+                  </a:schemeClr>
+                </a:solidFill>
+              </a:rPr>
               <a:t>Bipartite Graphs</a:t>
             </a:r>
           </a:p>
@@ -9500,7 +12419,13 @@
               </a:lnSpc>
             </a:pPr>
             <a:r>
-              <a:rPr lang="en-US" altLang="zh-TW" dirty="0"/>
+              <a:rPr lang="en-US" altLang="zh-TW" dirty="0">
+                <a:solidFill>
+                  <a:schemeClr val="accent1">
+                    <a:lumMod val="75000"/>
+                  </a:schemeClr>
+                </a:solidFill>
+              </a:rPr>
               <a:t>Discussion and Concluding Remarks</a:t>
             </a:r>
           </a:p>
@@ -9512,7 +12437,7 @@
     </p:spTree>
     <p:extLst>
       <p:ext uri="{BB962C8B-B14F-4D97-AF65-F5344CB8AC3E}">
-        <p14:creationId xmlns:p14="http://schemas.microsoft.com/office/powerpoint/2010/main" val="2652192586"/>
+        <p14:creationId xmlns:p14="http://schemas.microsoft.com/office/powerpoint/2010/main" val="1358168317"/>
       </p:ext>
     </p:extLst>
   </p:cSld>
@@ -9608,10 +12533,16 @@
           </a:xfrm>
         </p:spPr>
         <p:txBody>
-          <a:bodyPr/>
-          <a:lstStyle/>
-          <a:p>
-            <a:endParaRPr lang="zh-TW" altLang="en-US"/>
+          <a:bodyPr>
+            <a:noAutofit/>
+          </a:bodyPr>
+          <a:lstStyle/>
+          <a:p>
+            <a:r>
+              <a:rPr lang="en-US" sz="3600" b="1" dirty="0" smtClean="0"/>
+              <a:t>Graph drawing/layout identification and rules (1/2)</a:t>
+            </a:r>
+            <a:endParaRPr lang="zh-TW" altLang="en-US" sz="3600" b="1" dirty="0"/>
           </a:p>
         </p:txBody>
       </p:sp>
@@ -9641,6 +12572,77 @@
           <a:bodyPr/>
           <a:lstStyle/>
           <a:p>
+            <a:r>
+              <a:rPr lang="en-US" dirty="0" smtClean="0"/>
+              <a:t>Given </a:t>
+            </a:r>
+            <a:r>
+              <a:rPr lang="en-US" dirty="0"/>
+              <a:t>a set of nodes connected by a set of edges, identify the positions of the nodes in some space and calculate the curves that connect </a:t>
+            </a:r>
+            <a:r>
+              <a:rPr lang="en-US" dirty="0" smtClean="0"/>
+              <a:t>them.</a:t>
+            </a:r>
+          </a:p>
+          <a:p>
+            <a:r>
+              <a:rPr lang="en-US" dirty="0"/>
+              <a:t>Many layout algorithms are based on a set of </a:t>
+            </a:r>
+            <a:r>
+              <a:rPr lang="en-US" b="1" u="sng" dirty="0"/>
+              <a:t>aesthetic rules </a:t>
+            </a:r>
+            <a:r>
+              <a:rPr lang="en-US" dirty="0"/>
+              <a:t>that the drawing needs to adhere </a:t>
+            </a:r>
+            <a:r>
+              <a:rPr lang="en-US" dirty="0" smtClean="0"/>
+              <a:t>to :</a:t>
+            </a:r>
+          </a:p>
+          <a:p>
+            <a:pPr lvl="1"/>
+            <a:r>
+              <a:rPr lang="en-US" dirty="0" smtClean="0"/>
+              <a:t>Nodes </a:t>
+            </a:r>
+            <a:r>
+              <a:rPr lang="en-US" dirty="0"/>
+              <a:t>and edges must be evenly </a:t>
+            </a:r>
+            <a:r>
+              <a:rPr lang="en-US" dirty="0" smtClean="0"/>
+              <a:t>distributed</a:t>
+            </a:r>
+          </a:p>
+          <a:p>
+            <a:pPr lvl="1"/>
+            <a:r>
+              <a:rPr lang="en-US" dirty="0" smtClean="0"/>
+              <a:t>Edges </a:t>
+            </a:r>
+            <a:r>
+              <a:rPr lang="en-US" dirty="0"/>
+              <a:t>should have similar </a:t>
+            </a:r>
+            <a:r>
+              <a:rPr lang="en-US" dirty="0" smtClean="0"/>
+              <a:t>lengths</a:t>
+            </a:r>
+          </a:p>
+          <a:p>
+            <a:pPr lvl="1"/>
+            <a:r>
+              <a:rPr lang="en-US" dirty="0" smtClean="0"/>
+              <a:t>Edge </a:t>
+            </a:r>
+            <a:r>
+              <a:rPr lang="en-US" dirty="0"/>
+              <a:t>crossings must be kept to a minimum</a:t>
+            </a:r>
             <a:endParaRPr lang="zh-TW" altLang="en-US" dirty="0"/>
           </a:p>
         </p:txBody>
@@ -9666,9 +12668,9 @@
           <a:bodyPr/>
           <a:lstStyle/>
           <a:p>
-            <a:fld id="{2C6998C7-F768-4B90-82AD-ACC16DD83F5C}" type="datetime1">
+            <a:fld id="{8995CC28-12AB-4194-B8FD-AFD214EF170E}" type="datetime1">
               <a:rPr lang="en-US" altLang="zh-TW" smtClean="0"/>
-              <a:t>10/28/2019</a:t>
+              <a:t>11/3/2019</a:t>
             </a:fld>
             <a:endParaRPr lang="en-US" dirty="0"/>
           </a:p>
@@ -9737,7 +12739,13 @@
               </a:lnSpc>
             </a:pPr>
             <a:r>
-              <a:rPr lang="en-US" altLang="zh-TW" dirty="0"/>
+              <a:rPr lang="en-US" altLang="zh-TW" dirty="0">
+                <a:solidFill>
+                  <a:schemeClr val="accent1">
+                    <a:lumMod val="75000"/>
+                  </a:schemeClr>
+                </a:solidFill>
+              </a:rPr>
               <a:t>Data and Graphs</a:t>
             </a:r>
           </a:p>
@@ -9759,7 +12767,13 @@
               </a:lnSpc>
             </a:pPr>
             <a:r>
-              <a:rPr lang="en-US" altLang="zh-TW" dirty="0"/>
+              <a:rPr lang="en-US" altLang="zh-TW" dirty="0">
+                <a:solidFill>
+                  <a:schemeClr val="accent1">
+                    <a:lumMod val="75000"/>
+                  </a:schemeClr>
+                </a:solidFill>
+              </a:rPr>
               <a:t>Force-directed Techniques</a:t>
             </a:r>
           </a:p>
@@ -9770,7 +12784,13 @@
               </a:lnSpc>
             </a:pPr>
             <a:r>
-              <a:rPr lang="en-US" altLang="zh-TW" dirty="0"/>
+              <a:rPr lang="en-US" altLang="zh-TW" dirty="0">
+                <a:solidFill>
+                  <a:schemeClr val="accent1">
+                    <a:lumMod val="75000"/>
+                  </a:schemeClr>
+                </a:solidFill>
+              </a:rPr>
               <a:t>Multi-dimensional Scaling</a:t>
             </a:r>
           </a:p>
@@ -9781,7 +12801,13 @@
               </a:lnSpc>
             </a:pPr>
             <a:r>
-              <a:rPr lang="en-US" altLang="zh-TW" dirty="0"/>
+              <a:rPr lang="en-US" altLang="zh-TW" dirty="0">
+                <a:solidFill>
+                  <a:schemeClr val="accent1">
+                    <a:lumMod val="75000"/>
+                  </a:schemeClr>
+                </a:solidFill>
+              </a:rPr>
               <a:t>The Pulling Under Constraints Model</a:t>
             </a:r>
           </a:p>
@@ -9792,7 +12818,13 @@
               </a:lnSpc>
             </a:pPr>
             <a:r>
-              <a:rPr lang="en-US" altLang="zh-TW" dirty="0"/>
+              <a:rPr lang="en-US" altLang="zh-TW" dirty="0">
+                <a:solidFill>
+                  <a:schemeClr val="accent1">
+                    <a:lumMod val="75000"/>
+                  </a:schemeClr>
+                </a:solidFill>
+              </a:rPr>
               <a:t>Bipartite Graphs</a:t>
             </a:r>
           </a:p>
@@ -9803,7 +12835,13 @@
               </a:lnSpc>
             </a:pPr>
             <a:r>
-              <a:rPr lang="en-US" altLang="zh-TW" dirty="0"/>
+              <a:rPr lang="en-US" altLang="zh-TW" dirty="0">
+                <a:solidFill>
+                  <a:schemeClr val="accent1">
+                    <a:lumMod val="75000"/>
+                  </a:schemeClr>
+                </a:solidFill>
+              </a:rPr>
               <a:t>Discussion and Concluding Remarks</a:t>
             </a:r>
           </a:p>
@@ -9815,7 +12853,7 @@
     </p:spTree>
     <p:extLst>
       <p:ext uri="{BB962C8B-B14F-4D97-AF65-F5344CB8AC3E}">
-        <p14:creationId xmlns:p14="http://schemas.microsoft.com/office/powerpoint/2010/main" val="3518664687"/>
+        <p14:creationId xmlns:p14="http://schemas.microsoft.com/office/powerpoint/2010/main" val="2652192586"/>
       </p:ext>
     </p:extLst>
   </p:cSld>
@@ -9911,10 +12949,24 @@
           </a:xfrm>
         </p:spPr>
         <p:txBody>
-          <a:bodyPr/>
-          <a:lstStyle/>
-          <a:p>
-            <a:endParaRPr lang="zh-TW" altLang="en-US"/>
+          <a:bodyPr>
+            <a:normAutofit fontScale="90000"/>
+          </a:bodyPr>
+          <a:lstStyle/>
+          <a:p>
+            <a:r>
+              <a:rPr lang="en-US" b="1" dirty="0"/>
+              <a:t>Graph drawing/layout identification and rules </a:t>
+            </a:r>
+            <a:r>
+              <a:rPr lang="en-US" b="1" dirty="0" smtClean="0"/>
+              <a:t>(2/2</a:t>
+            </a:r>
+            <a:r>
+              <a:rPr lang="en-US" b="1" dirty="0"/>
+              <a:t>)</a:t>
+            </a:r>
+            <a:endParaRPr lang="zh-TW" altLang="en-US" b="1" dirty="0"/>
           </a:p>
         </p:txBody>
       </p:sp>
@@ -9944,6 +12996,22 @@
           <a:bodyPr/>
           <a:lstStyle/>
           <a:p>
+            <a:r>
+              <a:rPr lang="en-US" altLang="zh-TW" dirty="0" smtClean="0"/>
+              <a:t>A </a:t>
+            </a:r>
+            <a:r>
+              <a:rPr lang="en-US" altLang="zh-TW" dirty="0"/>
+              <a:t>basic layout is obtained by a computationally fast algorithm, and the resulting drawing is </a:t>
+            </a:r>
+            <a:r>
+              <a:rPr lang="en-US" altLang="zh-TW" dirty="0" smtClean="0"/>
+              <a:t>post processed </a:t>
+            </a:r>
+            <a:r>
+              <a:rPr lang="en-US" altLang="zh-TW" dirty="0"/>
+              <a:t>to adhere to such aesthetic rules.</a:t>
+            </a:r>
             <a:endParaRPr lang="zh-TW" altLang="en-US" dirty="0"/>
           </a:p>
         </p:txBody>
@@ -9969,9 +13037,9 @@
           <a:bodyPr/>
           <a:lstStyle/>
           <a:p>
-            <a:fld id="{A48EEB79-F101-44EB-B581-AA6C4B4D7CE8}" type="datetime1">
+            <a:fld id="{8995CC28-12AB-4194-B8FD-AFD214EF170E}" type="datetime1">
               <a:rPr lang="en-US" altLang="zh-TW" smtClean="0"/>
-              <a:t>10/28/2019</a:t>
+              <a:t>11/3/2019</a:t>
             </a:fld>
             <a:endParaRPr lang="en-US" dirty="0"/>
           </a:p>
@@ -10040,7 +13108,13 @@
               </a:lnSpc>
             </a:pPr>
             <a:r>
-              <a:rPr lang="en-US" altLang="zh-TW" dirty="0"/>
+              <a:rPr lang="en-US" altLang="zh-TW" dirty="0">
+                <a:solidFill>
+                  <a:schemeClr val="accent1">
+                    <a:lumMod val="75000"/>
+                  </a:schemeClr>
+                </a:solidFill>
+              </a:rPr>
               <a:t>Data and Graphs</a:t>
             </a:r>
           </a:p>
@@ -10062,7 +13136,13 @@
               </a:lnSpc>
             </a:pPr>
             <a:r>
-              <a:rPr lang="en-US" altLang="zh-TW" dirty="0"/>
+              <a:rPr lang="en-US" altLang="zh-TW" dirty="0">
+                <a:solidFill>
+                  <a:schemeClr val="accent1">
+                    <a:lumMod val="75000"/>
+                  </a:schemeClr>
+                </a:solidFill>
+              </a:rPr>
               <a:t>Force-directed Techniques</a:t>
             </a:r>
           </a:p>
@@ -10073,7 +13153,13 @@
               </a:lnSpc>
             </a:pPr>
             <a:r>
-              <a:rPr lang="en-US" altLang="zh-TW" dirty="0"/>
+              <a:rPr lang="en-US" altLang="zh-TW" dirty="0">
+                <a:solidFill>
+                  <a:schemeClr val="accent1">
+                    <a:lumMod val="75000"/>
+                  </a:schemeClr>
+                </a:solidFill>
+              </a:rPr>
               <a:t>Multi-dimensional Scaling</a:t>
             </a:r>
           </a:p>
@@ -10084,7 +13170,13 @@
               </a:lnSpc>
             </a:pPr>
             <a:r>
-              <a:rPr lang="en-US" altLang="zh-TW" dirty="0"/>
+              <a:rPr lang="en-US" altLang="zh-TW" dirty="0">
+                <a:solidFill>
+                  <a:schemeClr val="accent1">
+                    <a:lumMod val="75000"/>
+                  </a:schemeClr>
+                </a:solidFill>
+              </a:rPr>
               <a:t>The Pulling Under Constraints Model</a:t>
             </a:r>
           </a:p>
@@ -10095,7 +13187,13 @@
               </a:lnSpc>
             </a:pPr>
             <a:r>
-              <a:rPr lang="en-US" altLang="zh-TW" dirty="0"/>
+              <a:rPr lang="en-US" altLang="zh-TW" dirty="0">
+                <a:solidFill>
+                  <a:schemeClr val="accent1">
+                    <a:lumMod val="75000"/>
+                  </a:schemeClr>
+                </a:solidFill>
+              </a:rPr>
               <a:t>Bipartite Graphs</a:t>
             </a:r>
           </a:p>
@@ -10106,7 +13204,13 @@
               </a:lnSpc>
             </a:pPr>
             <a:r>
-              <a:rPr lang="en-US" altLang="zh-TW" dirty="0"/>
+              <a:rPr lang="en-US" altLang="zh-TW" dirty="0">
+                <a:solidFill>
+                  <a:schemeClr val="accent1">
+                    <a:lumMod val="75000"/>
+                  </a:schemeClr>
+                </a:solidFill>
+              </a:rPr>
               <a:t>Discussion and Concluding Remarks</a:t>
             </a:r>
           </a:p>
@@ -10118,7 +13222,7 @@
     </p:spTree>
     <p:extLst>
       <p:ext uri="{BB962C8B-B14F-4D97-AF65-F5344CB8AC3E}">
-        <p14:creationId xmlns:p14="http://schemas.microsoft.com/office/powerpoint/2010/main" val="3751763588"/>
+        <p14:creationId xmlns:p14="http://schemas.microsoft.com/office/powerpoint/2010/main" val="3180762298"/>
       </p:ext>
     </p:extLst>
   </p:cSld>

--- a/資料探勘與視覺化分析/Data Visualization Through Their Graph Representation.pptx
+++ b/資料探勘與視覺化分析/Data Visualization Through Their Graph Representation.pptx
@@ -5,7 +5,7 @@
     <p:sldMasterId id="2147483744" r:id="rId1"/>
   </p:sldMasterIdLst>
   <p:notesMasterIdLst>
-    <p:notesMasterId r:id="rId19"/>
+    <p:notesMasterId r:id="rId16"/>
   </p:notesMasterIdLst>
   <p:sldIdLst>
     <p:sldId id="256" r:id="rId2"/>
@@ -19,12 +19,9 @@
     <p:sldId id="266" r:id="rId10"/>
     <p:sldId id="263" r:id="rId11"/>
     <p:sldId id="264" r:id="rId12"/>
-    <p:sldId id="267" r:id="rId13"/>
-    <p:sldId id="268" r:id="rId14"/>
-    <p:sldId id="269" r:id="rId15"/>
-    <p:sldId id="270" r:id="rId16"/>
-    <p:sldId id="271" r:id="rId17"/>
-    <p:sldId id="272" r:id="rId18"/>
+    <p:sldId id="269" r:id="rId13"/>
+    <p:sldId id="272" r:id="rId14"/>
+    <p:sldId id="273" r:id="rId15"/>
   </p:sldIdLst>
   <p:sldSz cx="12192000" cy="6858000"/>
   <p:notesSz cx="6858000" cy="9144000"/>
@@ -1079,7 +1076,11 @@
         <a:lstStyle/>
         <a:p>
           <a:r>
-            <a:rPr lang="en-US"/>
+            <a:rPr lang="en-US" dirty="0">
+              <a:solidFill>
+                <a:srgbClr val="FF0000"/>
+              </a:solidFill>
+            </a:rPr>
             <a:t>The Pulling Under Constraints Model</a:t>
           </a:r>
         </a:p>
@@ -1115,7 +1116,7 @@
         <a:lstStyle/>
         <a:p>
           <a:r>
-            <a:rPr lang="en-US"/>
+            <a:rPr lang="en-US" dirty="0"/>
             <a:t>Bipartite Graphs</a:t>
           </a:r>
         </a:p>
@@ -1543,7 +1544,11 @@
             <a:buChar char="••"/>
           </a:pPr>
           <a:r>
-            <a:rPr lang="en-US" sz="2600" kern="1200"/>
+            <a:rPr lang="en-US" sz="2600" kern="1200" dirty="0">
+              <a:solidFill>
+                <a:srgbClr val="FF0000"/>
+              </a:solidFill>
+            </a:rPr>
             <a:t>The Pulling Under Constraints Model</a:t>
           </a:r>
         </a:p>
@@ -1561,7 +1566,7 @@
             <a:buChar char="••"/>
           </a:pPr>
           <a:r>
-            <a:rPr lang="en-US" sz="2600" kern="1200"/>
+            <a:rPr lang="en-US" sz="2600" kern="1200" dirty="0"/>
             <a:t>Bipartite Graphs</a:t>
           </a:r>
         </a:p>
@@ -2935,7 +2940,7 @@
           <a:p>
             <a:fld id="{B9C2512F-DA3E-47B7-BA34-BE4915767311}" type="datetimeFigureOut">
               <a:rPr lang="zh-TW" altLang="en-US" smtClean="0"/>
-              <a:t>2019/11/3</a:t>
+              <a:t>2019/11/8</a:t>
             </a:fld>
             <a:endParaRPr lang="zh-TW" altLang="en-US"/>
           </a:p>
@@ -3352,7 +3357,7 @@
           <a:p>
             <a:fld id="{83C136AC-0424-4A0E-9AC8-392CA7113A54}" type="datetime1">
               <a:rPr lang="en-US" altLang="zh-TW" smtClean="0"/>
-              <a:t>11/3/2019</a:t>
+              <a:t>11/8/2019</a:t>
             </a:fld>
             <a:endParaRPr lang="en-US" dirty="0"/>
           </a:p>
@@ -3556,7 +3561,7 @@
           <a:p>
             <a:fld id="{A1E2F5D8-1442-4C55-A926-C9EE178E476F}" type="datetime1">
               <a:rPr lang="en-US" altLang="zh-TW" smtClean="0"/>
-              <a:t>11/3/2019</a:t>
+              <a:t>11/8/2019</a:t>
             </a:fld>
             <a:endParaRPr lang="en-US" dirty="0"/>
           </a:p>
@@ -3770,7 +3775,7 @@
           <a:p>
             <a:fld id="{5AF7D1B1-54C4-4A45-AD75-A0EB6DF40B7D}" type="datetime1">
               <a:rPr lang="en-US" altLang="zh-TW" smtClean="0"/>
-              <a:t>11/3/2019</a:t>
+              <a:t>11/8/2019</a:t>
             </a:fld>
             <a:endParaRPr lang="en-US" dirty="0"/>
           </a:p>
@@ -3974,7 +3979,7 @@
           <a:p>
             <a:fld id="{F58805E5-4D76-4BD8-9E42-720ECAE6FA58}" type="datetime1">
               <a:rPr lang="en-US" altLang="zh-TW" smtClean="0"/>
-              <a:t>11/3/2019</a:t>
+              <a:t>11/8/2019</a:t>
             </a:fld>
             <a:endParaRPr lang="en-US" dirty="0"/>
           </a:p>
@@ -4254,7 +4259,7 @@
           <a:p>
             <a:fld id="{D03DC1C6-F9E5-4202-A48E-1C797E96C81C}" type="datetime1">
               <a:rPr lang="en-US" altLang="zh-TW" smtClean="0"/>
-              <a:t>11/3/2019</a:t>
+              <a:t>11/8/2019</a:t>
             </a:fld>
             <a:endParaRPr lang="en-US" dirty="0"/>
           </a:p>
@@ -4526,7 +4531,7 @@
           <a:p>
             <a:fld id="{C2528737-7A30-4D9F-A262-5E73327AE05D}" type="datetime1">
               <a:rPr lang="en-US" altLang="zh-TW" smtClean="0"/>
-              <a:t>11/3/2019</a:t>
+              <a:t>11/8/2019</a:t>
             </a:fld>
             <a:endParaRPr lang="en-US" dirty="0"/>
           </a:p>
@@ -4945,7 +4950,7 @@
           <a:p>
             <a:fld id="{C44368F5-E518-4D99-B07E-0D11613FFA74}" type="datetime1">
               <a:rPr lang="en-US" altLang="zh-TW" smtClean="0"/>
-              <a:t>11/3/2019</a:t>
+              <a:t>11/8/2019</a:t>
             </a:fld>
             <a:endParaRPr lang="en-US" dirty="0"/>
           </a:p>
@@ -5091,7 +5096,7 @@
           <a:p>
             <a:fld id="{8FCD8CFB-3A10-4CB3-91A6-4026D7C45AC2}" type="datetime1">
               <a:rPr lang="en-US" altLang="zh-TW" smtClean="0"/>
-              <a:t>11/3/2019</a:t>
+              <a:t>11/8/2019</a:t>
             </a:fld>
             <a:endParaRPr lang="en-US" dirty="0"/>
           </a:p>
@@ -5208,7 +5213,7 @@
           <a:p>
             <a:fld id="{C8AA40FD-D5B4-4807-98D1-094AFB378197}" type="datetime1">
               <a:rPr lang="en-US" altLang="zh-TW" smtClean="0"/>
-              <a:t>11/3/2019</a:t>
+              <a:t>11/8/2019</a:t>
             </a:fld>
             <a:endParaRPr lang="en-US" dirty="0"/>
           </a:p>
@@ -5525,7 +5530,7 @@
           <a:p>
             <a:fld id="{1BD52FA3-02A9-4BF4-80DF-B0E88FEE420B}" type="datetime1">
               <a:rPr lang="en-US" altLang="zh-TW" smtClean="0"/>
-              <a:t>11/3/2019</a:t>
+              <a:t>11/8/2019</a:t>
             </a:fld>
             <a:endParaRPr lang="en-US" dirty="0"/>
           </a:p>
@@ -5819,7 +5824,7 @@
           <a:p>
             <a:fld id="{65C0407A-E2E6-4A64-9E01-C91219FCDF09}" type="datetime1">
               <a:rPr lang="en-US" altLang="zh-TW" smtClean="0"/>
-              <a:t>11/3/2019</a:t>
+              <a:t>11/8/2019</a:t>
             </a:fld>
             <a:endParaRPr lang="en-US" dirty="0"/>
           </a:p>
@@ -5951,10 +5956,10 @@
           <a:lstStyle/>
           <a:p>
             <a:r>
-              <a:rPr lang="en-US" altLang="zh-TW"/>
+              <a:rPr lang="en-US" altLang="zh-TW" dirty="0"/>
               <a:t>Click to edit Master title style</a:t>
             </a:r>
-            <a:endParaRPr lang="zh-TW" altLang="en-US"/>
+            <a:endParaRPr lang="zh-TW" altLang="en-US" dirty="0"/>
           </a:p>
         </p:txBody>
       </p:sp>
@@ -6067,7 +6072,7 @@
           <a:p>
             <a:fld id="{ED6D1907-0854-4C00-A7EA-7EC71AF16EAA}" type="datetime1">
               <a:rPr lang="en-US" altLang="zh-TW" smtClean="0"/>
-              <a:t>11/3/2019</a:t>
+              <a:t>11/8/2019</a:t>
             </a:fld>
             <a:endParaRPr lang="en-US" dirty="0"/>
           </a:p>
@@ -6203,7 +6208,7 @@
           <a:solidFill>
             <a:schemeClr val="tx1"/>
           </a:solidFill>
-          <a:latin typeface="+mj-lt"/>
+          <a:latin typeface="+mn-lt"/>
           <a:ea typeface="+mj-ea"/>
           <a:cs typeface="+mj-cs"/>
         </a:defRPr>
@@ -6563,10 +6568,10 @@
           <a:lstStyle/>
           <a:p>
             <a:r>
-              <a:rPr lang="en-US" altLang="zh-TW" sz="5400" b="1"/>
+              <a:rPr lang="en-US" altLang="zh-TW" sz="5400" b="1" dirty="0"/>
               <a:t>Data Visualization Through Their Graph Representation</a:t>
             </a:r>
-            <a:endParaRPr lang="zh-TW" altLang="en-US" sz="5400" b="1"/>
+            <a:endParaRPr lang="zh-TW" altLang="en-US" sz="5400" b="1" dirty="0"/>
           </a:p>
         </p:txBody>
       </p:sp>
@@ -6637,7 +6642,7 @@
             </a:pPr>
             <a:fld id="{5A690CFA-E487-4D56-AAA9-135B9520BE09}" type="datetime1">
               <a:rPr lang="en-US" altLang="zh-TW" sz="1000" smtClean="0"/>
-              <a:t>11/3/2019</a:t>
+              <a:t>11/8/2019</a:t>
             </a:fld>
             <a:endParaRPr lang="en-US" sz="1000"/>
           </a:p>
@@ -6783,51 +6788,60 @@
           </a:xfrm>
         </p:spPr>
         <p:txBody>
-          <a:bodyPr/>
+          <a:bodyPr>
+            <a:normAutofit/>
+          </a:bodyPr>
           <a:lstStyle/>
           <a:p>
-            <a:endParaRPr lang="zh-TW" altLang="en-US" dirty="0"/>
-          </a:p>
-        </p:txBody>
-      </p:sp>
-      <p:sp>
-        <p:nvSpPr>
-          <p:cNvPr id="3" name="Content Placeholder 2">
-            <a:extLst>
-              <a:ext uri="{FF2B5EF4-FFF2-40B4-BE49-F238E27FC236}">
-                <a16:creationId xmlns:a16="http://schemas.microsoft.com/office/drawing/2014/main" id="{07264A9A-DDDE-48F3-81EE-2B8D982BC92B}"/>
-              </a:ext>
-            </a:extLst>
-          </p:cNvPr>
-          <p:cNvSpPr>
-            <a:spLocks noGrp="1"/>
-          </p:cNvSpPr>
+            <a:pPr lvl="1" algn="l" rtl="0">
+              <a:lnSpc>
+                <a:spcPct val="90000"/>
+              </a:lnSpc>
+              <a:spcBef>
+                <a:spcPct val="0"/>
+              </a:spcBef>
+            </a:pPr>
+            <a:r>
+              <a:rPr lang="en-US" sz="4400" b="1" dirty="0" smtClean="0">
+                <a:latin typeface="+mn-lt"/>
+              </a:rPr>
+              <a:t>Force-directed Techniques</a:t>
+            </a:r>
+            <a:endParaRPr lang="zh-TW" altLang="en-US" sz="4400" b="1" dirty="0">
+              <a:latin typeface="+mn-lt"/>
+            </a:endParaRPr>
+          </a:p>
+        </p:txBody>
+      </p:sp>
+      <p:pic>
+        <p:nvPicPr>
+          <p:cNvPr id="5" name="內容版面配置區 4"/>
+          <p:cNvPicPr>
+            <a:picLocks noGrp="1" noChangeAspect="1"/>
+          </p:cNvPicPr>
           <p:nvPr>
             <p:ph idx="1"/>
           </p:nvPr>
-        </p:nvSpPr>
+        </p:nvPicPr>
+        <p:blipFill>
+          <a:blip r:embed="rId2">
+            <a:extLst>
+              <a:ext uri="{28A0092B-C50C-407E-A947-70E740481C1C}">
+                <a14:useLocalDpi xmlns:a14="http://schemas.microsoft.com/office/drawing/2010/main" val="0"/>
+              </a:ext>
+            </a:extLst>
+          </a:blip>
+          <a:stretch>
+            <a:fillRect/>
+          </a:stretch>
+        </p:blipFill>
         <p:spPr>
           <a:xfrm>
-            <a:off x="3062513" y="1732449"/>
-            <a:ext cx="8205043" cy="4058751"/>
+            <a:off x="4765844" y="1678863"/>
+            <a:ext cx="4798381" cy="4059237"/>
           </a:xfrm>
         </p:spPr>
-        <p:txBody>
-          <a:bodyPr/>
-          <a:lstStyle/>
-          <a:p>
-            <a:r>
-              <a:rPr lang="en-US" altLang="zh-TW" dirty="0" smtClean="0"/>
-              <a:t>The purpose </a:t>
-            </a:r>
-            <a:r>
-              <a:rPr lang="en-US" altLang="zh-TW" dirty="0"/>
-              <a:t>is to position the nodes of a graph in two-dimensional or three-dimensional space so that all the edges are of more or less equal length and there are as few crossing edges as possible, by assigning forces among the set of edges and the set of nodes, based on their relative positions, and then using these forces either to simulate the motion of the edges and nodes or to minimize their energy.</a:t>
-            </a:r>
-            <a:endParaRPr lang="zh-TW" altLang="en-US" dirty="0"/>
-          </a:p>
-        </p:txBody>
-      </p:sp>
+      </p:pic>
       <p:sp>
         <p:nvSpPr>
           <p:cNvPr id="4" name="Date Placeholder 3">
@@ -6851,7 +6865,7 @@
           <a:p>
             <a:fld id="{2C6998C7-F768-4B90-82AD-ACC16DD83F5C}" type="datetime1">
               <a:rPr lang="en-US" altLang="zh-TW" smtClean="0"/>
-              <a:t>11/3/2019</a:t>
+              <a:t>11/8/2019</a:t>
             </a:fld>
             <a:endParaRPr lang="en-US" dirty="0"/>
           </a:p>
@@ -7041,6 +7055,13 @@
   <p:clrMapOvr>
     <a:masterClrMapping/>
   </p:clrMapOvr>
+  <p:timing>
+    <p:tnLst>
+      <p:par>
+        <p:cTn id="1" dur="indefinite" restart="never" nodeType="tmRoot"/>
+      </p:par>
+    </p:tnLst>
+  </p:timing>
 </p:sld>
 </file>
 
@@ -7133,7 +7154,11 @@
           <a:bodyPr/>
           <a:lstStyle/>
           <a:p>
-            <a:endParaRPr lang="zh-TW" altLang="en-US"/>
+            <a:r>
+              <a:rPr lang="en-US" b="1" dirty="0"/>
+              <a:t>Multidimensional Scaling </a:t>
+            </a:r>
+            <a:endParaRPr lang="zh-TW" altLang="en-US" b="1" dirty="0"/>
           </a:p>
         </p:txBody>
       </p:sp>
@@ -7163,10 +7188,6 @@
           <a:bodyPr/>
           <a:lstStyle/>
           <a:p>
-            <a:r>
-              <a:rPr lang="en-US" altLang="zh-TW" dirty="0"/>
-              <a:t>Multidimensional scaling (MDS) is a means of visualizing the level of similarity of individual cases of a dataset. MDS is used to translate "information about the pairwise 'distances' among a set of n objects or individuals" into a configuration of n points mapped into an abstract Cartesian space.</a:t>
-            </a:r>
             <a:endParaRPr lang="zh-TW" altLang="en-US" dirty="0"/>
           </a:p>
         </p:txBody>
@@ -7194,7 +7215,7 @@
           <a:p>
             <a:fld id="{A48EEB79-F101-44EB-B581-AA6C4B4D7CE8}" type="datetime1">
               <a:rPr lang="en-US" altLang="zh-TW" smtClean="0"/>
-              <a:t>11/3/2019</a:t>
+              <a:t>11/8/2019</a:t>
             </a:fld>
             <a:endParaRPr lang="en-US" dirty="0"/>
           </a:p>
@@ -7374,6 +7395,96 @@
           </a:p>
         </p:txBody>
       </p:sp>
+      <p:pic>
+        <p:nvPicPr>
+          <p:cNvPr id="9" name="內容版面配置區 4"/>
+          <p:cNvPicPr>
+            <a:picLocks noChangeAspect="1"/>
+          </p:cNvPicPr>
+          <p:nvPr/>
+        </p:nvPicPr>
+        <p:blipFill>
+          <a:blip r:embed="rId2">
+            <a:extLst>
+              <a:ext uri="{28A0092B-C50C-407E-A947-70E740481C1C}">
+                <a14:useLocalDpi xmlns:a14="http://schemas.microsoft.com/office/drawing/2010/main" val="0"/>
+              </a:ext>
+            </a:extLst>
+          </a:blip>
+          <a:stretch>
+            <a:fillRect/>
+          </a:stretch>
+        </p:blipFill>
+        <p:spPr>
+          <a:xfrm>
+            <a:off x="3437883" y="1580051"/>
+            <a:ext cx="3656881" cy="2750344"/>
+          </a:xfrm>
+          <a:prstGeom prst="rect">
+            <a:avLst/>
+          </a:prstGeom>
+        </p:spPr>
+      </p:pic>
+      <p:pic>
+        <p:nvPicPr>
+          <p:cNvPr id="10" name="圖片 9"/>
+          <p:cNvPicPr>
+            <a:picLocks noChangeAspect="1"/>
+          </p:cNvPicPr>
+          <p:nvPr/>
+        </p:nvPicPr>
+        <p:blipFill>
+          <a:blip r:embed="rId3">
+            <a:extLst>
+              <a:ext uri="{28A0092B-C50C-407E-A947-70E740481C1C}">
+                <a14:useLocalDpi xmlns:a14="http://schemas.microsoft.com/office/drawing/2010/main" val="0"/>
+              </a:ext>
+            </a:extLst>
+          </a:blip>
+          <a:stretch>
+            <a:fillRect/>
+          </a:stretch>
+        </p:blipFill>
+        <p:spPr>
+          <a:xfrm>
+            <a:off x="7463802" y="1580050"/>
+            <a:ext cx="3434716" cy="2656953"/>
+          </a:xfrm>
+          <a:prstGeom prst="rect">
+            <a:avLst/>
+          </a:prstGeom>
+        </p:spPr>
+      </p:pic>
+      <p:pic>
+        <p:nvPicPr>
+          <p:cNvPr id="11" name="圖片 10"/>
+          <p:cNvPicPr>
+            <a:picLocks noChangeAspect="1"/>
+          </p:cNvPicPr>
+          <p:nvPr/>
+        </p:nvPicPr>
+        <p:blipFill>
+          <a:blip r:embed="rId4">
+            <a:extLst>
+              <a:ext uri="{28A0092B-C50C-407E-A947-70E740481C1C}">
+                <a14:useLocalDpi xmlns:a14="http://schemas.microsoft.com/office/drawing/2010/main" val="0"/>
+              </a:ext>
+            </a:extLst>
+          </a:blip>
+          <a:stretch>
+            <a:fillRect/>
+          </a:stretch>
+        </p:blipFill>
+        <p:spPr>
+          <a:xfrm>
+            <a:off x="5617136" y="4330395"/>
+            <a:ext cx="2955255" cy="2306540"/>
+          </a:xfrm>
+          <a:prstGeom prst="rect">
+            <a:avLst/>
+          </a:prstGeom>
+        </p:spPr>
+      </p:pic>
     </p:spTree>
     <p:extLst>
       <p:ext uri="{BB962C8B-B14F-4D97-AF65-F5344CB8AC3E}">
@@ -7384,6 +7495,13 @@
   <p:clrMapOvr>
     <a:masterClrMapping/>
   </p:clrMapOvr>
+  <p:timing>
+    <p:tnLst>
+      <p:par>
+        <p:cTn id="1" dur="indefinite" restart="never" nodeType="tmRoot"/>
+      </p:par>
+    </p:tnLst>
+  </p:timing>
 </p:sld>
 </file>
 
@@ -7477,10 +7595,10 @@
           <a:lstStyle/>
           <a:p>
             <a:r>
-              <a:rPr lang="en-US" altLang="zh-TW" dirty="0" smtClean="0"/>
-              <a:t>Example</a:t>
-            </a:r>
-            <a:endParaRPr lang="zh-TW" altLang="en-US" dirty="0"/>
+              <a:rPr lang="en-US" b="1" dirty="0" smtClean="0"/>
+              <a:t>Bipartite Graphs</a:t>
+            </a:r>
+            <a:endParaRPr lang="zh-TW" altLang="en-US" b="1" dirty="0"/>
           </a:p>
         </p:txBody>
       </p:sp>
@@ -7495,7 +7613,7 @@
           </p:nvPr>
         </p:nvPicPr>
         <p:blipFill>
-          <a:blip r:embed="rId2">
+          <a:blip r:embed="rId2" cstate="print">
             <a:extLst>
               <a:ext uri="{28A0092B-C50C-407E-A947-70E740481C1C}">
                 <a14:useLocalDpi xmlns:a14="http://schemas.microsoft.com/office/drawing/2010/main" val="0"/>
@@ -7508,8 +7626,8 @@
         </p:blipFill>
         <p:spPr>
           <a:xfrm>
-            <a:off x="3437883" y="1580051"/>
-            <a:ext cx="3656881" cy="2750344"/>
+            <a:off x="5135563" y="1731963"/>
+            <a:ext cx="4059237" cy="4059237"/>
           </a:xfrm>
         </p:spPr>
       </p:pic>
@@ -7536,7 +7654,7 @@
           <a:p>
             <a:fld id="{A48EEB79-F101-44EB-B581-AA6C4B4D7CE8}" type="datetime1">
               <a:rPr lang="en-US" altLang="zh-TW" smtClean="0"/>
-              <a:t>11/3/2019</a:t>
+              <a:t>11/8/2019</a:t>
             </a:fld>
             <a:endParaRPr lang="en-US" dirty="0"/>
           </a:p>
@@ -7656,7 +7774,13 @@
               </a:lnSpc>
             </a:pPr>
             <a:r>
-              <a:rPr lang="en-US" altLang="zh-TW" dirty="0"/>
+              <a:rPr lang="en-US" altLang="zh-TW" dirty="0">
+                <a:solidFill>
+                  <a:schemeClr val="accent1">
+                    <a:lumMod val="75000"/>
+                  </a:schemeClr>
+                </a:solidFill>
+              </a:rPr>
               <a:t>Multi-dimensional Scaling</a:t>
             </a:r>
           </a:p>
@@ -7684,13 +7808,7 @@
               </a:lnSpc>
             </a:pPr>
             <a:r>
-              <a:rPr lang="en-US" altLang="zh-TW" dirty="0">
-                <a:solidFill>
-                  <a:schemeClr val="accent1">
-                    <a:lumMod val="75000"/>
-                  </a:schemeClr>
-                </a:solidFill>
-              </a:rPr>
+              <a:rPr lang="en-US" altLang="zh-TW" dirty="0"/>
               <a:t>Bipartite Graphs</a:t>
             </a:r>
           </a:p>
@@ -7716,76 +7834,23 @@
           </a:p>
         </p:txBody>
       </p:sp>
-      <p:pic>
-        <p:nvPicPr>
-          <p:cNvPr id="9" name="圖片 8"/>
-          <p:cNvPicPr>
-            <a:picLocks noChangeAspect="1"/>
-          </p:cNvPicPr>
-          <p:nvPr/>
-        </p:nvPicPr>
-        <p:blipFill>
-          <a:blip r:embed="rId3">
-            <a:extLst>
-              <a:ext uri="{28A0092B-C50C-407E-A947-70E740481C1C}">
-                <a14:useLocalDpi xmlns:a14="http://schemas.microsoft.com/office/drawing/2010/main" val="0"/>
-              </a:ext>
-            </a:extLst>
-          </a:blip>
-          <a:stretch>
-            <a:fillRect/>
-          </a:stretch>
-        </p:blipFill>
-        <p:spPr>
-          <a:xfrm>
-            <a:off x="7463802" y="1580050"/>
-            <a:ext cx="3434716" cy="2656953"/>
-          </a:xfrm>
-          <a:prstGeom prst="rect">
-            <a:avLst/>
-          </a:prstGeom>
-        </p:spPr>
-      </p:pic>
-      <p:pic>
-        <p:nvPicPr>
-          <p:cNvPr id="10" name="圖片 9"/>
-          <p:cNvPicPr>
-            <a:picLocks noChangeAspect="1"/>
-          </p:cNvPicPr>
-          <p:nvPr/>
-        </p:nvPicPr>
-        <p:blipFill>
-          <a:blip r:embed="rId4">
-            <a:extLst>
-              <a:ext uri="{28A0092B-C50C-407E-A947-70E740481C1C}">
-                <a14:useLocalDpi xmlns:a14="http://schemas.microsoft.com/office/drawing/2010/main" val="0"/>
-              </a:ext>
-            </a:extLst>
-          </a:blip>
-          <a:stretch>
-            <a:fillRect/>
-          </a:stretch>
-        </p:blipFill>
-        <p:spPr>
-          <a:xfrm>
-            <a:off x="5617136" y="4330395"/>
-            <a:ext cx="2955255" cy="2306540"/>
-          </a:xfrm>
-          <a:prstGeom prst="rect">
-            <a:avLst/>
-          </a:prstGeom>
-        </p:spPr>
-      </p:pic>
     </p:spTree>
     <p:extLst>
       <p:ext uri="{BB962C8B-B14F-4D97-AF65-F5344CB8AC3E}">
-        <p14:creationId xmlns:p14="http://schemas.microsoft.com/office/powerpoint/2010/main" val="3517779209"/>
+        <p14:creationId xmlns:p14="http://schemas.microsoft.com/office/powerpoint/2010/main" val="457398912"/>
       </p:ext>
     </p:extLst>
   </p:cSld>
   <p:clrMapOvr>
     <a:masterClrMapping/>
   </p:clrMapOvr>
+  <p:timing>
+    <p:tnLst>
+      <p:par>
+        <p:cTn id="1" dur="indefinite" restart="never" nodeType="tmRoot"/>
+      </p:par>
+    </p:tnLst>
+  </p:timing>
 </p:sld>
 </file>
 
@@ -7875,10 +7940,16 @@
           </a:xfrm>
         </p:spPr>
         <p:txBody>
-          <a:bodyPr/>
+          <a:bodyPr>
+            <a:normAutofit fontScale="90000"/>
+          </a:bodyPr>
           <a:lstStyle/>
           <a:p>
-            <a:endParaRPr lang="zh-TW" altLang="en-US"/>
+            <a:r>
+              <a:rPr lang="en-US" b="1" dirty="0"/>
+              <a:t>Discussion and Concluding Remarks</a:t>
+            </a:r>
+            <a:endParaRPr lang="zh-TW" altLang="en-US" b="1" dirty="0"/>
           </a:p>
         </p:txBody>
       </p:sp>
@@ -7908,6 +7979,39 @@
           <a:bodyPr/>
           <a:lstStyle/>
           <a:p>
+            <a:r>
+              <a:rPr lang="en-US" altLang="zh-TW" dirty="0"/>
+              <a:t>In this </a:t>
+            </a:r>
+            <a:r>
+              <a:rPr lang="en-US" altLang="zh-TW" dirty="0" smtClean="0"/>
+              <a:t>paper </a:t>
+            </a:r>
+          </a:p>
+          <a:p>
+            <a:r>
+              <a:rPr lang="en-US" altLang="zh-TW" dirty="0" smtClean="0"/>
+              <a:t>the </a:t>
+            </a:r>
+            <a:r>
+              <a:rPr lang="en-US" altLang="zh-TW" dirty="0"/>
+              <a:t>problem of data visualization through layouts of their graph representations is considered. </a:t>
+            </a:r>
+            <a:endParaRPr lang="en-US" altLang="zh-TW" dirty="0" smtClean="0"/>
+          </a:p>
+          <a:p>
+            <a:r>
+              <a:rPr lang="en-US" altLang="zh-TW" dirty="0" smtClean="0"/>
+              <a:t>A </a:t>
+            </a:r>
+            <a:r>
+              <a:rPr lang="en-US" altLang="zh-TW" dirty="0"/>
+              <a:t>mathematical framework for graph drawing based on force-directed techniques is introduced, and several connections to well-known multivariate analysis techniques such as multidimensional scaling, correspondence, and multiple correspondence analysis are </a:t>
+            </a:r>
+            <a:r>
+              <a:rPr lang="en-US" altLang="zh-TW" dirty="0" smtClean="0"/>
+              <a:t>made.</a:t>
+            </a:r>
             <a:endParaRPr lang="zh-TW" altLang="en-US" dirty="0"/>
           </a:p>
         </p:txBody>
@@ -7935,7 +8039,7 @@
           <a:p>
             <a:fld id="{A48EEB79-F101-44EB-B581-AA6C4B4D7CE8}" type="datetime1">
               <a:rPr lang="en-US" altLang="zh-TW" smtClean="0"/>
-              <a:t>11/3/2019</a:t>
+              <a:t>11/8/2019</a:t>
             </a:fld>
             <a:endParaRPr lang="en-US" dirty="0"/>
           </a:p>
@@ -8072,7 +8176,13 @@
               </a:lnSpc>
             </a:pPr>
             <a:r>
-              <a:rPr lang="en-US" altLang="zh-TW" dirty="0"/>
+              <a:rPr lang="en-US" altLang="zh-TW" dirty="0">
+                <a:solidFill>
+                  <a:schemeClr val="accent1">
+                    <a:lumMod val="75000"/>
+                  </a:schemeClr>
+                </a:solidFill>
+              </a:rPr>
               <a:t>The Pulling Under Constraints Model</a:t>
             </a:r>
           </a:p>
@@ -8100,13 +8210,7 @@
               </a:lnSpc>
             </a:pPr>
             <a:r>
-              <a:rPr lang="en-US" altLang="zh-TW" dirty="0">
-                <a:solidFill>
-                  <a:schemeClr val="accent1">
-                    <a:lumMod val="75000"/>
-                  </a:schemeClr>
-                </a:solidFill>
-              </a:rPr>
+              <a:rPr lang="en-US" altLang="zh-TW" dirty="0"/>
               <a:t>Discussion and Concluding Remarks</a:t>
             </a:r>
           </a:p>
@@ -8118,13 +8222,20 @@
     </p:spTree>
     <p:extLst>
       <p:ext uri="{BB962C8B-B14F-4D97-AF65-F5344CB8AC3E}">
-        <p14:creationId xmlns:p14="http://schemas.microsoft.com/office/powerpoint/2010/main" val="1805867529"/>
+        <p14:creationId xmlns:p14="http://schemas.microsoft.com/office/powerpoint/2010/main" val="1748188683"/>
       </p:ext>
     </p:extLst>
   </p:cSld>
   <p:clrMapOvr>
     <a:masterClrMapping/>
   </p:clrMapOvr>
+  <p:timing>
+    <p:tnLst>
+      <p:par>
+        <p:cTn id="1" dur="indefinite" restart="never" nodeType="tmRoot"/>
+      </p:par>
+    </p:tnLst>
+  </p:timing>
 </p:sld>
 </file>
 
@@ -8147,59 +8258,7 @@
       </p:grpSpPr>
       <p:sp>
         <p:nvSpPr>
-          <p:cNvPr id="7" name="Rectangle 6">
-            <a:extLst>
-              <a:ext uri="{FF2B5EF4-FFF2-40B4-BE49-F238E27FC236}">
-                <a16:creationId xmlns:a16="http://schemas.microsoft.com/office/drawing/2014/main" id="{E834C335-0940-42E8-BD21-FAAF4AE67728}"/>
-              </a:ext>
-            </a:extLst>
-          </p:cNvPr>
-          <p:cNvSpPr/>
-          <p:nvPr/>
-        </p:nvSpPr>
-        <p:spPr>
-          <a:xfrm>
-            <a:off x="0" y="0"/>
-            <a:ext cx="2970437" cy="6858000"/>
-          </a:xfrm>
-          <a:prstGeom prst="rect">
-            <a:avLst/>
-          </a:prstGeom>
-        </p:spPr>
-        <p:style>
-          <a:lnRef idx="2">
-            <a:schemeClr val="accent1">
-              <a:shade val="50000"/>
-            </a:schemeClr>
-          </a:lnRef>
-          <a:fillRef idx="1">
-            <a:schemeClr val="accent1"/>
-          </a:fillRef>
-          <a:effectRef idx="0">
-            <a:schemeClr val="accent1"/>
-          </a:effectRef>
-          <a:fontRef idx="minor">
-            <a:schemeClr val="lt1"/>
-          </a:fontRef>
-        </p:style>
-        <p:txBody>
-          <a:bodyPr rtlCol="0" anchor="ctr"/>
-          <a:lstStyle/>
-          <a:p>
-            <a:pPr algn="ctr"/>
-            <a:endParaRPr lang="zh-TW" altLang="en-US"/>
-          </a:p>
-        </p:txBody>
-      </p:sp>
-      <p:sp>
-        <p:nvSpPr>
-          <p:cNvPr id="2" name="Title 1">
-            <a:extLst>
-              <a:ext uri="{FF2B5EF4-FFF2-40B4-BE49-F238E27FC236}">
-                <a16:creationId xmlns:a16="http://schemas.microsoft.com/office/drawing/2014/main" id="{E1611E55-55FA-48A6-A572-28256F806E16}"/>
-              </a:ext>
-            </a:extLst>
-          </p:cNvPr>
+          <p:cNvPr id="2" name="標題 1"/>
           <p:cNvSpPr>
             <a:spLocks noGrp="1"/>
           </p:cNvSpPr>
@@ -8209,57 +8268,25 @@
         </p:nvSpPr>
         <p:spPr>
           <a:xfrm>
-            <a:off x="3062513" y="609600"/>
-            <a:ext cx="8205044" cy="970450"/>
+            <a:off x="838200" y="2691946"/>
+            <a:ext cx="10515600" cy="1325563"/>
           </a:xfrm>
         </p:spPr>
         <p:txBody>
           <a:bodyPr/>
           <a:lstStyle/>
           <a:p>
-            <a:endParaRPr lang="zh-TW" altLang="en-US"/>
-          </a:p>
-        </p:txBody>
-      </p:sp>
-      <p:sp>
-        <p:nvSpPr>
-          <p:cNvPr id="3" name="Content Placeholder 2">
-            <a:extLst>
-              <a:ext uri="{FF2B5EF4-FFF2-40B4-BE49-F238E27FC236}">
-                <a16:creationId xmlns:a16="http://schemas.microsoft.com/office/drawing/2014/main" id="{07264A9A-DDDE-48F3-81EE-2B8D982BC92B}"/>
-              </a:ext>
-            </a:extLst>
-          </p:cNvPr>
-          <p:cNvSpPr>
-            <a:spLocks noGrp="1"/>
-          </p:cNvSpPr>
-          <p:nvPr>
-            <p:ph idx="1"/>
-          </p:nvPr>
-        </p:nvSpPr>
-        <p:spPr>
-          <a:xfrm>
-            <a:off x="3062513" y="1732449"/>
-            <a:ext cx="8205043" cy="4058751"/>
-          </a:xfrm>
-        </p:spPr>
-        <p:txBody>
-          <a:bodyPr/>
-          <a:lstStyle/>
-          <a:p>
-            <a:endParaRPr lang="zh-TW" altLang="en-US" dirty="0"/>
-          </a:p>
-        </p:txBody>
-      </p:sp>
-      <p:sp>
-        <p:nvSpPr>
-          <p:cNvPr id="4" name="Date Placeholder 3">
-            <a:extLst>
-              <a:ext uri="{FF2B5EF4-FFF2-40B4-BE49-F238E27FC236}">
-                <a16:creationId xmlns:a16="http://schemas.microsoft.com/office/drawing/2014/main" id="{F3E8725D-E23E-4574-A286-621B86D166DE}"/>
-              </a:ext>
-            </a:extLst>
-          </p:cNvPr>
+            <a:r>
+              <a:rPr lang="en-US" b="1" dirty="0" smtClean="0"/>
+              <a:t>Thanks for listening !!</a:t>
+            </a:r>
+            <a:endParaRPr lang="en-US" b="1" dirty="0"/>
+          </a:p>
+        </p:txBody>
+      </p:sp>
+      <p:sp>
+        <p:nvSpPr>
+          <p:cNvPr id="4" name="日期版面配置區 3"/>
           <p:cNvSpPr>
             <a:spLocks noGrp="1"/>
           </p:cNvSpPr>
@@ -8272,9 +8299,9 @@
           <a:bodyPr/>
           <a:lstStyle/>
           <a:p>
-            <a:fld id="{A48EEB79-F101-44EB-B581-AA6C4B4D7CE8}" type="datetime1">
+            <a:fld id="{F58805E5-4D76-4BD8-9E42-720ECAE6FA58}" type="datetime1">
               <a:rPr lang="en-US" altLang="zh-TW" smtClean="0"/>
-              <a:t>11/3/2019</a:t>
+              <a:t>11/8/2019</a:t>
             </a:fld>
             <a:endParaRPr lang="en-US" dirty="0"/>
           </a:p>
@@ -8282,13 +8309,7 @@
       </p:sp>
       <p:sp>
         <p:nvSpPr>
-          <p:cNvPr id="6" name="Slide Number Placeholder 5">
-            <a:extLst>
-              <a:ext uri="{FF2B5EF4-FFF2-40B4-BE49-F238E27FC236}">
-                <a16:creationId xmlns:a16="http://schemas.microsoft.com/office/drawing/2014/main" id="{B4B61CC1-3560-4032-8FDF-1B53A59E3568}"/>
-              </a:ext>
-            </a:extLst>
-          </p:cNvPr>
+          <p:cNvPr id="5" name="投影片編號版面配置區 4"/>
           <p:cNvSpPr>
             <a:spLocks noGrp="1"/>
           </p:cNvSpPr>
@@ -8309,1172 +8330,10 @@
           </a:p>
         </p:txBody>
       </p:sp>
-      <p:sp>
-        <p:nvSpPr>
-          <p:cNvPr id="8" name="TextBox 7">
-            <a:extLst>
-              <a:ext uri="{FF2B5EF4-FFF2-40B4-BE49-F238E27FC236}">
-                <a16:creationId xmlns:a16="http://schemas.microsoft.com/office/drawing/2014/main" id="{2AA9F7B7-B965-4257-AB74-BD4436C3DFBF}"/>
-              </a:ext>
-            </a:extLst>
-          </p:cNvPr>
-          <p:cNvSpPr txBox="1"/>
-          <p:nvPr/>
-        </p:nvSpPr>
-        <p:spPr>
-          <a:xfrm>
-            <a:off x="76199" y="798286"/>
-            <a:ext cx="2714171" cy="4939814"/>
-          </a:xfrm>
-          <a:prstGeom prst="rect">
-            <a:avLst/>
-          </a:prstGeom>
-          <a:noFill/>
-        </p:spPr>
-        <p:txBody>
-          <a:bodyPr wrap="square" rtlCol="0">
-            <a:spAutoFit/>
-          </a:bodyPr>
-          <a:lstStyle/>
-          <a:p>
-            <a:pPr>
-              <a:lnSpc>
-                <a:spcPct val="150000"/>
-              </a:lnSpc>
-            </a:pPr>
-            <a:r>
-              <a:rPr lang="en-US" altLang="zh-TW" dirty="0">
-                <a:solidFill>
-                  <a:schemeClr val="accent1">
-                    <a:lumMod val="75000"/>
-                  </a:schemeClr>
-                </a:solidFill>
-              </a:rPr>
-              <a:t>Data and Graphs</a:t>
-            </a:r>
-          </a:p>
-          <a:p>
-            <a:pPr>
-              <a:lnSpc>
-                <a:spcPct val="150000"/>
-              </a:lnSpc>
-            </a:pPr>
-            <a:r>
-              <a:rPr lang="en-US" altLang="zh-TW" dirty="0">
-                <a:solidFill>
-                  <a:schemeClr val="accent1">
-                    <a:lumMod val="75000"/>
-                  </a:schemeClr>
-                </a:solidFill>
-              </a:rPr>
-              <a:t>Graph Layout Techniques</a:t>
-            </a:r>
-          </a:p>
-          <a:p>
-            <a:pPr lvl="1">
-              <a:lnSpc>
-                <a:spcPct val="150000"/>
-              </a:lnSpc>
-            </a:pPr>
-            <a:r>
-              <a:rPr lang="en-US" altLang="zh-TW" dirty="0">
-                <a:solidFill>
-                  <a:schemeClr val="accent1">
-                    <a:lumMod val="75000"/>
-                  </a:schemeClr>
-                </a:solidFill>
-              </a:rPr>
-              <a:t>Force-directed Techniques</a:t>
-            </a:r>
-          </a:p>
-          <a:p>
-            <a:pPr lvl="1">
-              <a:lnSpc>
-                <a:spcPct val="150000"/>
-              </a:lnSpc>
-            </a:pPr>
-            <a:r>
-              <a:rPr lang="en-US" altLang="zh-TW" dirty="0"/>
-              <a:t>Multi-dimensional Scaling</a:t>
-            </a:r>
-          </a:p>
-          <a:p>
-            <a:pPr lvl="1">
-              <a:lnSpc>
-                <a:spcPct val="150000"/>
-              </a:lnSpc>
-            </a:pPr>
-            <a:r>
-              <a:rPr lang="en-US" altLang="zh-TW" dirty="0">
-                <a:solidFill>
-                  <a:schemeClr val="accent1">
-                    <a:lumMod val="75000"/>
-                  </a:schemeClr>
-                </a:solidFill>
-              </a:rPr>
-              <a:t>The Pulling Under Constraints Model</a:t>
-            </a:r>
-          </a:p>
-          <a:p>
-            <a:pPr lvl="1">
-              <a:lnSpc>
-                <a:spcPct val="150000"/>
-              </a:lnSpc>
-            </a:pPr>
-            <a:r>
-              <a:rPr lang="en-US" altLang="zh-TW" dirty="0">
-                <a:solidFill>
-                  <a:schemeClr val="accent1">
-                    <a:lumMod val="75000"/>
-                  </a:schemeClr>
-                </a:solidFill>
-              </a:rPr>
-              <a:t>Bipartite Graphs</a:t>
-            </a:r>
-          </a:p>
-          <a:p>
-            <a:pPr>
-              <a:lnSpc>
-                <a:spcPct val="150000"/>
-              </a:lnSpc>
-            </a:pPr>
-            <a:r>
-              <a:rPr lang="en-US" altLang="zh-TW" dirty="0">
-                <a:solidFill>
-                  <a:schemeClr val="accent1">
-                    <a:lumMod val="75000"/>
-                  </a:schemeClr>
-                </a:solidFill>
-              </a:rPr>
-              <a:t>Discussion and Concluding Remarks</a:t>
-            </a:r>
-          </a:p>
-          <a:p>
-            <a:endParaRPr lang="zh-TW" altLang="en-US" dirty="0"/>
-          </a:p>
-        </p:txBody>
-      </p:sp>
     </p:spTree>
     <p:extLst>
       <p:ext uri="{BB962C8B-B14F-4D97-AF65-F5344CB8AC3E}">
-        <p14:creationId xmlns:p14="http://schemas.microsoft.com/office/powerpoint/2010/main" val="457398912"/>
-      </p:ext>
-    </p:extLst>
-  </p:cSld>
-  <p:clrMapOvr>
-    <a:masterClrMapping/>
-  </p:clrMapOvr>
-</p:sld>
-</file>
-
-<file path=ppt/slides/slide15.xml><?xml version="1.0" encoding="utf-8"?>
-<p:sld xmlns:a="http://schemas.openxmlformats.org/drawingml/2006/main" xmlns:r="http://schemas.openxmlformats.org/officeDocument/2006/relationships" xmlns:p="http://schemas.openxmlformats.org/presentationml/2006/main">
-  <p:cSld>
-    <p:spTree>
-      <p:nvGrpSpPr>
-        <p:cNvPr id="1" name=""/>
-        <p:cNvGrpSpPr/>
-        <p:nvPr/>
-      </p:nvGrpSpPr>
-      <p:grpSpPr>
-        <a:xfrm>
-          <a:off x="0" y="0"/>
-          <a:ext cx="0" cy="0"/>
-          <a:chOff x="0" y="0"/>
-          <a:chExt cx="0" cy="0"/>
-        </a:xfrm>
-      </p:grpSpPr>
-      <p:sp>
-        <p:nvSpPr>
-          <p:cNvPr id="7" name="Rectangle 6">
-            <a:extLst>
-              <a:ext uri="{FF2B5EF4-FFF2-40B4-BE49-F238E27FC236}">
-                <a16:creationId xmlns:a16="http://schemas.microsoft.com/office/drawing/2014/main" id="{E834C335-0940-42E8-BD21-FAAF4AE67728}"/>
-              </a:ext>
-            </a:extLst>
-          </p:cNvPr>
-          <p:cNvSpPr/>
-          <p:nvPr/>
-        </p:nvSpPr>
-        <p:spPr>
-          <a:xfrm>
-            <a:off x="0" y="0"/>
-            <a:ext cx="2970437" cy="6858000"/>
-          </a:xfrm>
-          <a:prstGeom prst="rect">
-            <a:avLst/>
-          </a:prstGeom>
-        </p:spPr>
-        <p:style>
-          <a:lnRef idx="2">
-            <a:schemeClr val="accent1">
-              <a:shade val="50000"/>
-            </a:schemeClr>
-          </a:lnRef>
-          <a:fillRef idx="1">
-            <a:schemeClr val="accent1"/>
-          </a:fillRef>
-          <a:effectRef idx="0">
-            <a:schemeClr val="accent1"/>
-          </a:effectRef>
-          <a:fontRef idx="minor">
-            <a:schemeClr val="lt1"/>
-          </a:fontRef>
-        </p:style>
-        <p:txBody>
-          <a:bodyPr rtlCol="0" anchor="ctr"/>
-          <a:lstStyle/>
-          <a:p>
-            <a:pPr algn="ctr"/>
-            <a:endParaRPr lang="zh-TW" altLang="en-US"/>
-          </a:p>
-        </p:txBody>
-      </p:sp>
-      <p:sp>
-        <p:nvSpPr>
-          <p:cNvPr id="2" name="Title 1">
-            <a:extLst>
-              <a:ext uri="{FF2B5EF4-FFF2-40B4-BE49-F238E27FC236}">
-                <a16:creationId xmlns:a16="http://schemas.microsoft.com/office/drawing/2014/main" id="{E1611E55-55FA-48A6-A572-28256F806E16}"/>
-              </a:ext>
-            </a:extLst>
-          </p:cNvPr>
-          <p:cNvSpPr>
-            <a:spLocks noGrp="1"/>
-          </p:cNvSpPr>
-          <p:nvPr>
-            <p:ph type="title"/>
-          </p:nvPr>
-        </p:nvSpPr>
-        <p:spPr>
-          <a:xfrm>
-            <a:off x="3062513" y="609600"/>
-            <a:ext cx="8205044" cy="970450"/>
-          </a:xfrm>
-        </p:spPr>
-        <p:txBody>
-          <a:bodyPr/>
-          <a:lstStyle/>
-          <a:p>
-            <a:endParaRPr lang="zh-TW" altLang="en-US"/>
-          </a:p>
-        </p:txBody>
-      </p:sp>
-      <p:sp>
-        <p:nvSpPr>
-          <p:cNvPr id="3" name="Content Placeholder 2">
-            <a:extLst>
-              <a:ext uri="{FF2B5EF4-FFF2-40B4-BE49-F238E27FC236}">
-                <a16:creationId xmlns:a16="http://schemas.microsoft.com/office/drawing/2014/main" id="{07264A9A-DDDE-48F3-81EE-2B8D982BC92B}"/>
-              </a:ext>
-            </a:extLst>
-          </p:cNvPr>
-          <p:cNvSpPr>
-            <a:spLocks noGrp="1"/>
-          </p:cNvSpPr>
-          <p:nvPr>
-            <p:ph idx="1"/>
-          </p:nvPr>
-        </p:nvSpPr>
-        <p:spPr>
-          <a:xfrm>
-            <a:off x="3062513" y="1732449"/>
-            <a:ext cx="8205043" cy="4058751"/>
-          </a:xfrm>
-        </p:spPr>
-        <p:txBody>
-          <a:bodyPr/>
-          <a:lstStyle/>
-          <a:p>
-            <a:endParaRPr lang="zh-TW" altLang="en-US" dirty="0"/>
-          </a:p>
-        </p:txBody>
-      </p:sp>
-      <p:sp>
-        <p:nvSpPr>
-          <p:cNvPr id="4" name="Date Placeholder 3">
-            <a:extLst>
-              <a:ext uri="{FF2B5EF4-FFF2-40B4-BE49-F238E27FC236}">
-                <a16:creationId xmlns:a16="http://schemas.microsoft.com/office/drawing/2014/main" id="{F3E8725D-E23E-4574-A286-621B86D166DE}"/>
-              </a:ext>
-            </a:extLst>
-          </p:cNvPr>
-          <p:cNvSpPr>
-            <a:spLocks noGrp="1"/>
-          </p:cNvSpPr>
-          <p:nvPr>
-            <p:ph type="dt" sz="half" idx="10"/>
-          </p:nvPr>
-        </p:nvSpPr>
-        <p:spPr/>
-        <p:txBody>
-          <a:bodyPr/>
-          <a:lstStyle/>
-          <a:p>
-            <a:fld id="{A48EEB79-F101-44EB-B581-AA6C4B4D7CE8}" type="datetime1">
-              <a:rPr lang="en-US" altLang="zh-TW" smtClean="0"/>
-              <a:t>11/3/2019</a:t>
-            </a:fld>
-            <a:endParaRPr lang="en-US" dirty="0"/>
-          </a:p>
-        </p:txBody>
-      </p:sp>
-      <p:sp>
-        <p:nvSpPr>
-          <p:cNvPr id="6" name="Slide Number Placeholder 5">
-            <a:extLst>
-              <a:ext uri="{FF2B5EF4-FFF2-40B4-BE49-F238E27FC236}">
-                <a16:creationId xmlns:a16="http://schemas.microsoft.com/office/drawing/2014/main" id="{B4B61CC1-3560-4032-8FDF-1B53A59E3568}"/>
-              </a:ext>
-            </a:extLst>
-          </p:cNvPr>
-          <p:cNvSpPr>
-            <a:spLocks noGrp="1"/>
-          </p:cNvSpPr>
-          <p:nvPr>
-            <p:ph type="sldNum" sz="quarter" idx="12"/>
-          </p:nvPr>
-        </p:nvSpPr>
-        <p:spPr/>
-        <p:txBody>
-          <a:bodyPr/>
-          <a:lstStyle/>
-          <a:p>
-            <a:fld id="{3A98EE3D-8CD1-4C3F-BD1C-C98C9596463C}" type="slidenum">
-              <a:rPr lang="en-US" smtClean="0"/>
-              <a:t>15</a:t>
-            </a:fld>
-            <a:endParaRPr lang="en-US" dirty="0"/>
-          </a:p>
-        </p:txBody>
-      </p:sp>
-      <p:sp>
-        <p:nvSpPr>
-          <p:cNvPr id="8" name="TextBox 7">
-            <a:extLst>
-              <a:ext uri="{FF2B5EF4-FFF2-40B4-BE49-F238E27FC236}">
-                <a16:creationId xmlns:a16="http://schemas.microsoft.com/office/drawing/2014/main" id="{2AA9F7B7-B965-4257-AB74-BD4436C3DFBF}"/>
-              </a:ext>
-            </a:extLst>
-          </p:cNvPr>
-          <p:cNvSpPr txBox="1"/>
-          <p:nvPr/>
-        </p:nvSpPr>
-        <p:spPr>
-          <a:xfrm>
-            <a:off x="76199" y="798286"/>
-            <a:ext cx="2714171" cy="4939814"/>
-          </a:xfrm>
-          <a:prstGeom prst="rect">
-            <a:avLst/>
-          </a:prstGeom>
-          <a:noFill/>
-        </p:spPr>
-        <p:txBody>
-          <a:bodyPr wrap="square" rtlCol="0">
-            <a:spAutoFit/>
-          </a:bodyPr>
-          <a:lstStyle/>
-          <a:p>
-            <a:pPr>
-              <a:lnSpc>
-                <a:spcPct val="150000"/>
-              </a:lnSpc>
-            </a:pPr>
-            <a:r>
-              <a:rPr lang="en-US" altLang="zh-TW" dirty="0">
-                <a:solidFill>
-                  <a:schemeClr val="accent1">
-                    <a:lumMod val="75000"/>
-                  </a:schemeClr>
-                </a:solidFill>
-              </a:rPr>
-              <a:t>Data and Graphs</a:t>
-            </a:r>
-          </a:p>
-          <a:p>
-            <a:pPr>
-              <a:lnSpc>
-                <a:spcPct val="150000"/>
-              </a:lnSpc>
-            </a:pPr>
-            <a:r>
-              <a:rPr lang="en-US" altLang="zh-TW" dirty="0">
-                <a:solidFill>
-                  <a:schemeClr val="accent1">
-                    <a:lumMod val="75000"/>
-                  </a:schemeClr>
-                </a:solidFill>
-              </a:rPr>
-              <a:t>Graph Layout Techniques</a:t>
-            </a:r>
-          </a:p>
-          <a:p>
-            <a:pPr lvl="1">
-              <a:lnSpc>
-                <a:spcPct val="150000"/>
-              </a:lnSpc>
-            </a:pPr>
-            <a:r>
-              <a:rPr lang="en-US" altLang="zh-TW" dirty="0">
-                <a:solidFill>
-                  <a:schemeClr val="accent1">
-                    <a:lumMod val="75000"/>
-                  </a:schemeClr>
-                </a:solidFill>
-              </a:rPr>
-              <a:t>Force-directed Techniques</a:t>
-            </a:r>
-          </a:p>
-          <a:p>
-            <a:pPr lvl="1">
-              <a:lnSpc>
-                <a:spcPct val="150000"/>
-              </a:lnSpc>
-            </a:pPr>
-            <a:r>
-              <a:rPr lang="en-US" altLang="zh-TW" dirty="0"/>
-              <a:t>Multi-dimensional Scaling</a:t>
-            </a:r>
-          </a:p>
-          <a:p>
-            <a:pPr lvl="1">
-              <a:lnSpc>
-                <a:spcPct val="150000"/>
-              </a:lnSpc>
-            </a:pPr>
-            <a:r>
-              <a:rPr lang="en-US" altLang="zh-TW" dirty="0">
-                <a:solidFill>
-                  <a:schemeClr val="accent1">
-                    <a:lumMod val="75000"/>
-                  </a:schemeClr>
-                </a:solidFill>
-              </a:rPr>
-              <a:t>The Pulling Under Constraints Model</a:t>
-            </a:r>
-          </a:p>
-          <a:p>
-            <a:pPr lvl="1">
-              <a:lnSpc>
-                <a:spcPct val="150000"/>
-              </a:lnSpc>
-            </a:pPr>
-            <a:r>
-              <a:rPr lang="en-US" altLang="zh-TW" dirty="0">
-                <a:solidFill>
-                  <a:schemeClr val="accent1">
-                    <a:lumMod val="75000"/>
-                  </a:schemeClr>
-                </a:solidFill>
-              </a:rPr>
-              <a:t>Bipartite Graphs</a:t>
-            </a:r>
-          </a:p>
-          <a:p>
-            <a:pPr>
-              <a:lnSpc>
-                <a:spcPct val="150000"/>
-              </a:lnSpc>
-            </a:pPr>
-            <a:r>
-              <a:rPr lang="en-US" altLang="zh-TW" dirty="0">
-                <a:solidFill>
-                  <a:schemeClr val="accent1">
-                    <a:lumMod val="75000"/>
-                  </a:schemeClr>
-                </a:solidFill>
-              </a:rPr>
-              <a:t>Discussion and Concluding Remarks</a:t>
-            </a:r>
-          </a:p>
-          <a:p>
-            <a:endParaRPr lang="zh-TW" altLang="en-US" dirty="0"/>
-          </a:p>
-        </p:txBody>
-      </p:sp>
-    </p:spTree>
-    <p:extLst>
-      <p:ext uri="{BB962C8B-B14F-4D97-AF65-F5344CB8AC3E}">
-        <p14:creationId xmlns:p14="http://schemas.microsoft.com/office/powerpoint/2010/main" val="3411744723"/>
-      </p:ext>
-    </p:extLst>
-  </p:cSld>
-  <p:clrMapOvr>
-    <a:masterClrMapping/>
-  </p:clrMapOvr>
-</p:sld>
-</file>
-
-<file path=ppt/slides/slide16.xml><?xml version="1.0" encoding="utf-8"?>
-<p:sld xmlns:a="http://schemas.openxmlformats.org/drawingml/2006/main" xmlns:r="http://schemas.openxmlformats.org/officeDocument/2006/relationships" xmlns:p="http://schemas.openxmlformats.org/presentationml/2006/main">
-  <p:cSld>
-    <p:spTree>
-      <p:nvGrpSpPr>
-        <p:cNvPr id="1" name=""/>
-        <p:cNvGrpSpPr/>
-        <p:nvPr/>
-      </p:nvGrpSpPr>
-      <p:grpSpPr>
-        <a:xfrm>
-          <a:off x="0" y="0"/>
-          <a:ext cx="0" cy="0"/>
-          <a:chOff x="0" y="0"/>
-          <a:chExt cx="0" cy="0"/>
-        </a:xfrm>
-      </p:grpSpPr>
-      <p:sp>
-        <p:nvSpPr>
-          <p:cNvPr id="7" name="Rectangle 6">
-            <a:extLst>
-              <a:ext uri="{FF2B5EF4-FFF2-40B4-BE49-F238E27FC236}">
-                <a16:creationId xmlns:a16="http://schemas.microsoft.com/office/drawing/2014/main" id="{E834C335-0940-42E8-BD21-FAAF4AE67728}"/>
-              </a:ext>
-            </a:extLst>
-          </p:cNvPr>
-          <p:cNvSpPr/>
-          <p:nvPr/>
-        </p:nvSpPr>
-        <p:spPr>
-          <a:xfrm>
-            <a:off x="0" y="0"/>
-            <a:ext cx="2970437" cy="6858000"/>
-          </a:xfrm>
-          <a:prstGeom prst="rect">
-            <a:avLst/>
-          </a:prstGeom>
-        </p:spPr>
-        <p:style>
-          <a:lnRef idx="2">
-            <a:schemeClr val="accent1">
-              <a:shade val="50000"/>
-            </a:schemeClr>
-          </a:lnRef>
-          <a:fillRef idx="1">
-            <a:schemeClr val="accent1"/>
-          </a:fillRef>
-          <a:effectRef idx="0">
-            <a:schemeClr val="accent1"/>
-          </a:effectRef>
-          <a:fontRef idx="minor">
-            <a:schemeClr val="lt1"/>
-          </a:fontRef>
-        </p:style>
-        <p:txBody>
-          <a:bodyPr rtlCol="0" anchor="ctr"/>
-          <a:lstStyle/>
-          <a:p>
-            <a:pPr algn="ctr"/>
-            <a:endParaRPr lang="zh-TW" altLang="en-US"/>
-          </a:p>
-        </p:txBody>
-      </p:sp>
-      <p:sp>
-        <p:nvSpPr>
-          <p:cNvPr id="2" name="Title 1">
-            <a:extLst>
-              <a:ext uri="{FF2B5EF4-FFF2-40B4-BE49-F238E27FC236}">
-                <a16:creationId xmlns:a16="http://schemas.microsoft.com/office/drawing/2014/main" id="{E1611E55-55FA-48A6-A572-28256F806E16}"/>
-              </a:ext>
-            </a:extLst>
-          </p:cNvPr>
-          <p:cNvSpPr>
-            <a:spLocks noGrp="1"/>
-          </p:cNvSpPr>
-          <p:nvPr>
-            <p:ph type="title"/>
-          </p:nvPr>
-        </p:nvSpPr>
-        <p:spPr>
-          <a:xfrm>
-            <a:off x="3062513" y="609600"/>
-            <a:ext cx="8205044" cy="970450"/>
-          </a:xfrm>
-        </p:spPr>
-        <p:txBody>
-          <a:bodyPr/>
-          <a:lstStyle/>
-          <a:p>
-            <a:endParaRPr lang="zh-TW" altLang="en-US"/>
-          </a:p>
-        </p:txBody>
-      </p:sp>
-      <p:sp>
-        <p:nvSpPr>
-          <p:cNvPr id="3" name="Content Placeholder 2">
-            <a:extLst>
-              <a:ext uri="{FF2B5EF4-FFF2-40B4-BE49-F238E27FC236}">
-                <a16:creationId xmlns:a16="http://schemas.microsoft.com/office/drawing/2014/main" id="{07264A9A-DDDE-48F3-81EE-2B8D982BC92B}"/>
-              </a:ext>
-            </a:extLst>
-          </p:cNvPr>
-          <p:cNvSpPr>
-            <a:spLocks noGrp="1"/>
-          </p:cNvSpPr>
-          <p:nvPr>
-            <p:ph idx="1"/>
-          </p:nvPr>
-        </p:nvSpPr>
-        <p:spPr>
-          <a:xfrm>
-            <a:off x="3062513" y="1732449"/>
-            <a:ext cx="8205043" cy="4058751"/>
-          </a:xfrm>
-        </p:spPr>
-        <p:txBody>
-          <a:bodyPr/>
-          <a:lstStyle/>
-          <a:p>
-            <a:endParaRPr lang="zh-TW" altLang="en-US" dirty="0"/>
-          </a:p>
-        </p:txBody>
-      </p:sp>
-      <p:sp>
-        <p:nvSpPr>
-          <p:cNvPr id="4" name="Date Placeholder 3">
-            <a:extLst>
-              <a:ext uri="{FF2B5EF4-FFF2-40B4-BE49-F238E27FC236}">
-                <a16:creationId xmlns:a16="http://schemas.microsoft.com/office/drawing/2014/main" id="{F3E8725D-E23E-4574-A286-621B86D166DE}"/>
-              </a:ext>
-            </a:extLst>
-          </p:cNvPr>
-          <p:cNvSpPr>
-            <a:spLocks noGrp="1"/>
-          </p:cNvSpPr>
-          <p:nvPr>
-            <p:ph type="dt" sz="half" idx="10"/>
-          </p:nvPr>
-        </p:nvSpPr>
-        <p:spPr/>
-        <p:txBody>
-          <a:bodyPr/>
-          <a:lstStyle/>
-          <a:p>
-            <a:fld id="{A48EEB79-F101-44EB-B581-AA6C4B4D7CE8}" type="datetime1">
-              <a:rPr lang="en-US" altLang="zh-TW" smtClean="0"/>
-              <a:t>11/3/2019</a:t>
-            </a:fld>
-            <a:endParaRPr lang="en-US" dirty="0"/>
-          </a:p>
-        </p:txBody>
-      </p:sp>
-      <p:sp>
-        <p:nvSpPr>
-          <p:cNvPr id="6" name="Slide Number Placeholder 5">
-            <a:extLst>
-              <a:ext uri="{FF2B5EF4-FFF2-40B4-BE49-F238E27FC236}">
-                <a16:creationId xmlns:a16="http://schemas.microsoft.com/office/drawing/2014/main" id="{B4B61CC1-3560-4032-8FDF-1B53A59E3568}"/>
-              </a:ext>
-            </a:extLst>
-          </p:cNvPr>
-          <p:cNvSpPr>
-            <a:spLocks noGrp="1"/>
-          </p:cNvSpPr>
-          <p:nvPr>
-            <p:ph type="sldNum" sz="quarter" idx="12"/>
-          </p:nvPr>
-        </p:nvSpPr>
-        <p:spPr/>
-        <p:txBody>
-          <a:bodyPr/>
-          <a:lstStyle/>
-          <a:p>
-            <a:fld id="{3A98EE3D-8CD1-4C3F-BD1C-C98C9596463C}" type="slidenum">
-              <a:rPr lang="en-US" smtClean="0"/>
-              <a:t>16</a:t>
-            </a:fld>
-            <a:endParaRPr lang="en-US" dirty="0"/>
-          </a:p>
-        </p:txBody>
-      </p:sp>
-      <p:sp>
-        <p:nvSpPr>
-          <p:cNvPr id="8" name="TextBox 7">
-            <a:extLst>
-              <a:ext uri="{FF2B5EF4-FFF2-40B4-BE49-F238E27FC236}">
-                <a16:creationId xmlns:a16="http://schemas.microsoft.com/office/drawing/2014/main" id="{2AA9F7B7-B965-4257-AB74-BD4436C3DFBF}"/>
-              </a:ext>
-            </a:extLst>
-          </p:cNvPr>
-          <p:cNvSpPr txBox="1"/>
-          <p:nvPr/>
-        </p:nvSpPr>
-        <p:spPr>
-          <a:xfrm>
-            <a:off x="76199" y="798286"/>
-            <a:ext cx="2714171" cy="4939814"/>
-          </a:xfrm>
-          <a:prstGeom prst="rect">
-            <a:avLst/>
-          </a:prstGeom>
-          <a:noFill/>
-        </p:spPr>
-        <p:txBody>
-          <a:bodyPr wrap="square" rtlCol="0">
-            <a:spAutoFit/>
-          </a:bodyPr>
-          <a:lstStyle/>
-          <a:p>
-            <a:pPr>
-              <a:lnSpc>
-                <a:spcPct val="150000"/>
-              </a:lnSpc>
-            </a:pPr>
-            <a:r>
-              <a:rPr lang="en-US" altLang="zh-TW" dirty="0">
-                <a:solidFill>
-                  <a:schemeClr val="accent1">
-                    <a:lumMod val="75000"/>
-                  </a:schemeClr>
-                </a:solidFill>
-              </a:rPr>
-              <a:t>Data and Graphs</a:t>
-            </a:r>
-          </a:p>
-          <a:p>
-            <a:pPr>
-              <a:lnSpc>
-                <a:spcPct val="150000"/>
-              </a:lnSpc>
-            </a:pPr>
-            <a:r>
-              <a:rPr lang="en-US" altLang="zh-TW" dirty="0">
-                <a:solidFill>
-                  <a:schemeClr val="accent1">
-                    <a:lumMod val="75000"/>
-                  </a:schemeClr>
-                </a:solidFill>
-              </a:rPr>
-              <a:t>Graph Layout Techniques</a:t>
-            </a:r>
-          </a:p>
-          <a:p>
-            <a:pPr lvl="1">
-              <a:lnSpc>
-                <a:spcPct val="150000"/>
-              </a:lnSpc>
-            </a:pPr>
-            <a:r>
-              <a:rPr lang="en-US" altLang="zh-TW" dirty="0">
-                <a:solidFill>
-                  <a:schemeClr val="accent1">
-                    <a:lumMod val="75000"/>
-                  </a:schemeClr>
-                </a:solidFill>
-              </a:rPr>
-              <a:t>Force-directed Techniques</a:t>
-            </a:r>
-          </a:p>
-          <a:p>
-            <a:pPr lvl="1">
-              <a:lnSpc>
-                <a:spcPct val="150000"/>
-              </a:lnSpc>
-            </a:pPr>
-            <a:r>
-              <a:rPr lang="en-US" altLang="zh-TW" dirty="0"/>
-              <a:t>Multi-dimensional Scaling</a:t>
-            </a:r>
-          </a:p>
-          <a:p>
-            <a:pPr lvl="1">
-              <a:lnSpc>
-                <a:spcPct val="150000"/>
-              </a:lnSpc>
-            </a:pPr>
-            <a:r>
-              <a:rPr lang="en-US" altLang="zh-TW" dirty="0">
-                <a:solidFill>
-                  <a:schemeClr val="accent1">
-                    <a:lumMod val="75000"/>
-                  </a:schemeClr>
-                </a:solidFill>
-              </a:rPr>
-              <a:t>The Pulling Under Constraints Model</a:t>
-            </a:r>
-          </a:p>
-          <a:p>
-            <a:pPr lvl="1">
-              <a:lnSpc>
-                <a:spcPct val="150000"/>
-              </a:lnSpc>
-            </a:pPr>
-            <a:r>
-              <a:rPr lang="en-US" altLang="zh-TW" dirty="0">
-                <a:solidFill>
-                  <a:schemeClr val="accent1">
-                    <a:lumMod val="75000"/>
-                  </a:schemeClr>
-                </a:solidFill>
-              </a:rPr>
-              <a:t>Bipartite Graphs</a:t>
-            </a:r>
-          </a:p>
-          <a:p>
-            <a:pPr>
-              <a:lnSpc>
-                <a:spcPct val="150000"/>
-              </a:lnSpc>
-            </a:pPr>
-            <a:r>
-              <a:rPr lang="en-US" altLang="zh-TW" dirty="0">
-                <a:solidFill>
-                  <a:schemeClr val="accent1">
-                    <a:lumMod val="75000"/>
-                  </a:schemeClr>
-                </a:solidFill>
-              </a:rPr>
-              <a:t>Discussion and Concluding Remarks</a:t>
-            </a:r>
-          </a:p>
-          <a:p>
-            <a:endParaRPr lang="zh-TW" altLang="en-US" dirty="0"/>
-          </a:p>
-        </p:txBody>
-      </p:sp>
-    </p:spTree>
-    <p:extLst>
-      <p:ext uri="{BB962C8B-B14F-4D97-AF65-F5344CB8AC3E}">
-        <p14:creationId xmlns:p14="http://schemas.microsoft.com/office/powerpoint/2010/main" val="159549973"/>
-      </p:ext>
-    </p:extLst>
-  </p:cSld>
-  <p:clrMapOvr>
-    <a:masterClrMapping/>
-  </p:clrMapOvr>
-</p:sld>
-</file>
-
-<file path=ppt/slides/slide17.xml><?xml version="1.0" encoding="utf-8"?>
-<p:sld xmlns:a="http://schemas.openxmlformats.org/drawingml/2006/main" xmlns:r="http://schemas.openxmlformats.org/officeDocument/2006/relationships" xmlns:p="http://schemas.openxmlformats.org/presentationml/2006/main">
-  <p:cSld>
-    <p:spTree>
-      <p:nvGrpSpPr>
-        <p:cNvPr id="1" name=""/>
-        <p:cNvGrpSpPr/>
-        <p:nvPr/>
-      </p:nvGrpSpPr>
-      <p:grpSpPr>
-        <a:xfrm>
-          <a:off x="0" y="0"/>
-          <a:ext cx="0" cy="0"/>
-          <a:chOff x="0" y="0"/>
-          <a:chExt cx="0" cy="0"/>
-        </a:xfrm>
-      </p:grpSpPr>
-      <p:sp>
-        <p:nvSpPr>
-          <p:cNvPr id="7" name="Rectangle 6">
-            <a:extLst>
-              <a:ext uri="{FF2B5EF4-FFF2-40B4-BE49-F238E27FC236}">
-                <a16:creationId xmlns:a16="http://schemas.microsoft.com/office/drawing/2014/main" id="{E834C335-0940-42E8-BD21-FAAF4AE67728}"/>
-              </a:ext>
-            </a:extLst>
-          </p:cNvPr>
-          <p:cNvSpPr/>
-          <p:nvPr/>
-        </p:nvSpPr>
-        <p:spPr>
-          <a:xfrm>
-            <a:off x="0" y="0"/>
-            <a:ext cx="2970437" cy="6858000"/>
-          </a:xfrm>
-          <a:prstGeom prst="rect">
-            <a:avLst/>
-          </a:prstGeom>
-        </p:spPr>
-        <p:style>
-          <a:lnRef idx="2">
-            <a:schemeClr val="accent1">
-              <a:shade val="50000"/>
-            </a:schemeClr>
-          </a:lnRef>
-          <a:fillRef idx="1">
-            <a:schemeClr val="accent1"/>
-          </a:fillRef>
-          <a:effectRef idx="0">
-            <a:schemeClr val="accent1"/>
-          </a:effectRef>
-          <a:fontRef idx="minor">
-            <a:schemeClr val="lt1"/>
-          </a:fontRef>
-        </p:style>
-        <p:txBody>
-          <a:bodyPr rtlCol="0" anchor="ctr"/>
-          <a:lstStyle/>
-          <a:p>
-            <a:pPr algn="ctr"/>
-            <a:endParaRPr lang="zh-TW" altLang="en-US"/>
-          </a:p>
-        </p:txBody>
-      </p:sp>
-      <p:sp>
-        <p:nvSpPr>
-          <p:cNvPr id="2" name="Title 1">
-            <a:extLst>
-              <a:ext uri="{FF2B5EF4-FFF2-40B4-BE49-F238E27FC236}">
-                <a16:creationId xmlns:a16="http://schemas.microsoft.com/office/drawing/2014/main" id="{E1611E55-55FA-48A6-A572-28256F806E16}"/>
-              </a:ext>
-            </a:extLst>
-          </p:cNvPr>
-          <p:cNvSpPr>
-            <a:spLocks noGrp="1"/>
-          </p:cNvSpPr>
-          <p:nvPr>
-            <p:ph type="title"/>
-          </p:nvPr>
-        </p:nvSpPr>
-        <p:spPr>
-          <a:xfrm>
-            <a:off x="3062513" y="609600"/>
-            <a:ext cx="8205044" cy="970450"/>
-          </a:xfrm>
-        </p:spPr>
-        <p:txBody>
-          <a:bodyPr/>
-          <a:lstStyle/>
-          <a:p>
-            <a:endParaRPr lang="zh-TW" altLang="en-US"/>
-          </a:p>
-        </p:txBody>
-      </p:sp>
-      <p:sp>
-        <p:nvSpPr>
-          <p:cNvPr id="3" name="Content Placeholder 2">
-            <a:extLst>
-              <a:ext uri="{FF2B5EF4-FFF2-40B4-BE49-F238E27FC236}">
-                <a16:creationId xmlns:a16="http://schemas.microsoft.com/office/drawing/2014/main" id="{07264A9A-DDDE-48F3-81EE-2B8D982BC92B}"/>
-              </a:ext>
-            </a:extLst>
-          </p:cNvPr>
-          <p:cNvSpPr>
-            <a:spLocks noGrp="1"/>
-          </p:cNvSpPr>
-          <p:nvPr>
-            <p:ph idx="1"/>
-          </p:nvPr>
-        </p:nvSpPr>
-        <p:spPr>
-          <a:xfrm>
-            <a:off x="3062513" y="1732449"/>
-            <a:ext cx="8205043" cy="4058751"/>
-          </a:xfrm>
-        </p:spPr>
-        <p:txBody>
-          <a:bodyPr/>
-          <a:lstStyle/>
-          <a:p>
-            <a:endParaRPr lang="zh-TW" altLang="en-US" dirty="0"/>
-          </a:p>
-        </p:txBody>
-      </p:sp>
-      <p:sp>
-        <p:nvSpPr>
-          <p:cNvPr id="4" name="Date Placeholder 3">
-            <a:extLst>
-              <a:ext uri="{FF2B5EF4-FFF2-40B4-BE49-F238E27FC236}">
-                <a16:creationId xmlns:a16="http://schemas.microsoft.com/office/drawing/2014/main" id="{F3E8725D-E23E-4574-A286-621B86D166DE}"/>
-              </a:ext>
-            </a:extLst>
-          </p:cNvPr>
-          <p:cNvSpPr>
-            <a:spLocks noGrp="1"/>
-          </p:cNvSpPr>
-          <p:nvPr>
-            <p:ph type="dt" sz="half" idx="10"/>
-          </p:nvPr>
-        </p:nvSpPr>
-        <p:spPr/>
-        <p:txBody>
-          <a:bodyPr/>
-          <a:lstStyle/>
-          <a:p>
-            <a:fld id="{A48EEB79-F101-44EB-B581-AA6C4B4D7CE8}" type="datetime1">
-              <a:rPr lang="en-US" altLang="zh-TW" smtClean="0"/>
-              <a:t>11/3/2019</a:t>
-            </a:fld>
-            <a:endParaRPr lang="en-US" dirty="0"/>
-          </a:p>
-        </p:txBody>
-      </p:sp>
-      <p:sp>
-        <p:nvSpPr>
-          <p:cNvPr id="6" name="Slide Number Placeholder 5">
-            <a:extLst>
-              <a:ext uri="{FF2B5EF4-FFF2-40B4-BE49-F238E27FC236}">
-                <a16:creationId xmlns:a16="http://schemas.microsoft.com/office/drawing/2014/main" id="{B4B61CC1-3560-4032-8FDF-1B53A59E3568}"/>
-              </a:ext>
-            </a:extLst>
-          </p:cNvPr>
-          <p:cNvSpPr>
-            <a:spLocks noGrp="1"/>
-          </p:cNvSpPr>
-          <p:nvPr>
-            <p:ph type="sldNum" sz="quarter" idx="12"/>
-          </p:nvPr>
-        </p:nvSpPr>
-        <p:spPr/>
-        <p:txBody>
-          <a:bodyPr/>
-          <a:lstStyle/>
-          <a:p>
-            <a:fld id="{3A98EE3D-8CD1-4C3F-BD1C-C98C9596463C}" type="slidenum">
-              <a:rPr lang="en-US" smtClean="0"/>
-              <a:t>17</a:t>
-            </a:fld>
-            <a:endParaRPr lang="en-US" dirty="0"/>
-          </a:p>
-        </p:txBody>
-      </p:sp>
-      <p:sp>
-        <p:nvSpPr>
-          <p:cNvPr id="8" name="TextBox 7">
-            <a:extLst>
-              <a:ext uri="{FF2B5EF4-FFF2-40B4-BE49-F238E27FC236}">
-                <a16:creationId xmlns:a16="http://schemas.microsoft.com/office/drawing/2014/main" id="{2AA9F7B7-B965-4257-AB74-BD4436C3DFBF}"/>
-              </a:ext>
-            </a:extLst>
-          </p:cNvPr>
-          <p:cNvSpPr txBox="1"/>
-          <p:nvPr/>
-        </p:nvSpPr>
-        <p:spPr>
-          <a:xfrm>
-            <a:off x="76199" y="798286"/>
-            <a:ext cx="2714171" cy="4939814"/>
-          </a:xfrm>
-          <a:prstGeom prst="rect">
-            <a:avLst/>
-          </a:prstGeom>
-          <a:noFill/>
-        </p:spPr>
-        <p:txBody>
-          <a:bodyPr wrap="square" rtlCol="0">
-            <a:spAutoFit/>
-          </a:bodyPr>
-          <a:lstStyle/>
-          <a:p>
-            <a:pPr>
-              <a:lnSpc>
-                <a:spcPct val="150000"/>
-              </a:lnSpc>
-            </a:pPr>
-            <a:r>
-              <a:rPr lang="en-US" altLang="zh-TW" dirty="0">
-                <a:solidFill>
-                  <a:schemeClr val="accent1">
-                    <a:lumMod val="75000"/>
-                  </a:schemeClr>
-                </a:solidFill>
-              </a:rPr>
-              <a:t>Data and Graphs</a:t>
-            </a:r>
-          </a:p>
-          <a:p>
-            <a:pPr>
-              <a:lnSpc>
-                <a:spcPct val="150000"/>
-              </a:lnSpc>
-            </a:pPr>
-            <a:r>
-              <a:rPr lang="en-US" altLang="zh-TW" dirty="0">
-                <a:solidFill>
-                  <a:schemeClr val="accent1">
-                    <a:lumMod val="75000"/>
-                  </a:schemeClr>
-                </a:solidFill>
-              </a:rPr>
-              <a:t>Graph Layout Techniques</a:t>
-            </a:r>
-          </a:p>
-          <a:p>
-            <a:pPr lvl="1">
-              <a:lnSpc>
-                <a:spcPct val="150000"/>
-              </a:lnSpc>
-            </a:pPr>
-            <a:r>
-              <a:rPr lang="en-US" altLang="zh-TW" dirty="0">
-                <a:solidFill>
-                  <a:schemeClr val="accent1">
-                    <a:lumMod val="75000"/>
-                  </a:schemeClr>
-                </a:solidFill>
-              </a:rPr>
-              <a:t>Force-directed Techniques</a:t>
-            </a:r>
-          </a:p>
-          <a:p>
-            <a:pPr lvl="1">
-              <a:lnSpc>
-                <a:spcPct val="150000"/>
-              </a:lnSpc>
-            </a:pPr>
-            <a:r>
-              <a:rPr lang="en-US" altLang="zh-TW" dirty="0"/>
-              <a:t>Multi-dimensional Scaling</a:t>
-            </a:r>
-          </a:p>
-          <a:p>
-            <a:pPr lvl="1">
-              <a:lnSpc>
-                <a:spcPct val="150000"/>
-              </a:lnSpc>
-            </a:pPr>
-            <a:r>
-              <a:rPr lang="en-US" altLang="zh-TW" dirty="0">
-                <a:solidFill>
-                  <a:schemeClr val="accent1">
-                    <a:lumMod val="75000"/>
-                  </a:schemeClr>
-                </a:solidFill>
-              </a:rPr>
-              <a:t>The Pulling Under Constraints Model</a:t>
-            </a:r>
-          </a:p>
-          <a:p>
-            <a:pPr lvl="1">
-              <a:lnSpc>
-                <a:spcPct val="150000"/>
-              </a:lnSpc>
-            </a:pPr>
-            <a:r>
-              <a:rPr lang="en-US" altLang="zh-TW" dirty="0">
-                <a:solidFill>
-                  <a:schemeClr val="accent1">
-                    <a:lumMod val="75000"/>
-                  </a:schemeClr>
-                </a:solidFill>
-              </a:rPr>
-              <a:t>Bipartite Graphs</a:t>
-            </a:r>
-          </a:p>
-          <a:p>
-            <a:pPr>
-              <a:lnSpc>
-                <a:spcPct val="150000"/>
-              </a:lnSpc>
-            </a:pPr>
-            <a:r>
-              <a:rPr lang="en-US" altLang="zh-TW" dirty="0">
-                <a:solidFill>
-                  <a:schemeClr val="accent1">
-                    <a:lumMod val="75000"/>
-                  </a:schemeClr>
-                </a:solidFill>
-              </a:rPr>
-              <a:t>Discussion and Concluding Remarks</a:t>
-            </a:r>
-          </a:p>
-          <a:p>
-            <a:endParaRPr lang="zh-TW" altLang="en-US" dirty="0"/>
-          </a:p>
-        </p:txBody>
-      </p:sp>
-    </p:spTree>
-    <p:extLst>
-      <p:ext uri="{BB962C8B-B14F-4D97-AF65-F5344CB8AC3E}">
-        <p14:creationId xmlns:p14="http://schemas.microsoft.com/office/powerpoint/2010/main" val="1748188683"/>
+        <p14:creationId xmlns:p14="http://schemas.microsoft.com/office/powerpoint/2010/main" val="1098967545"/>
       </p:ext>
     </p:extLst>
   </p:cSld>
@@ -9703,22 +8562,20 @@
           <a:lstStyle/>
           <a:p>
             <a:r>
-              <a:rPr lang="en-US" altLang="zh-TW" sz="2200"/>
-              <a:t>Due to advances in data collection, computerization of transactions, and breakthroughs in storage technology, the amount of data and information collected and retained by organizations and businesses is constantly increasing. New application areas such as biochemical pathways, web documents, etc. produce data with inherent structure that cannot be simply captured by numbers. </a:t>
-            </a:r>
-          </a:p>
-          <a:p>
-            <a:r>
-              <a:rPr lang="en-US" altLang="zh-TW" sz="2200"/>
-              <a:t>Visual data mining techniques have proven to be of particularly high value in exploratory data analysis, as indicated by there search in this area.</a:t>
-            </a:r>
-          </a:p>
-          <a:p>
-            <a:r>
-              <a:rPr lang="en-US" altLang="zh-TW" sz="2200"/>
-              <a:t>In this chapter, we focus on the visual exploration of data through their graph representations. Several examples are used to illustrate the techniques.</a:t>
-            </a:r>
-            <a:endParaRPr lang="zh-TW" altLang="en-US" sz="2200"/>
+              <a:rPr lang="en-US" altLang="zh-TW" sz="2200" dirty="0" smtClean="0"/>
+              <a:t>Visual </a:t>
+            </a:r>
+            <a:r>
+              <a:rPr lang="en-US" altLang="zh-TW" sz="2200" dirty="0"/>
+              <a:t>data mining techniques have proven to be of particularly high value in exploratory data analysis, as indicated by there search in this area.</a:t>
+            </a:r>
+          </a:p>
+          <a:p>
+            <a:r>
+              <a:rPr lang="en-US" altLang="zh-TW" sz="2200" dirty="0"/>
+              <a:t>In this chapter, we focus on the visual exploration of data through their graph representations. </a:t>
+            </a:r>
+            <a:endParaRPr lang="zh-TW" altLang="en-US" sz="2200" dirty="0"/>
           </a:p>
         </p:txBody>
       </p:sp>
@@ -9768,7 +8625,7 @@
                   <a:spcPts val="600"/>
                 </a:spcAft>
               </a:pPr>
-              <a:t>11/3/2019</a:t>
+              <a:t>11/8/2019</a:t>
             </a:fld>
             <a:endParaRPr lang="en-US" sz="1050">
               <a:solidFill>
@@ -9848,6 +8705,13 @@
   <p:clrMapOvr>
     <a:masterClrMapping/>
   </p:clrMapOvr>
+  <p:timing>
+    <p:tnLst>
+      <p:par>
+        <p:cTn id="1" dur="indefinite" restart="never" nodeType="tmRoot"/>
+      </p:par>
+    </p:tnLst>
+  </p:timing>
 </p:sld>
 </file>
 
@@ -10447,7 +9311,7 @@
                   <a:spcPts val="600"/>
                 </a:spcAft>
               </a:pPr>
-              <a:t>11/3/2019</a:t>
+              <a:t>11/8/2019</a:t>
             </a:fld>
             <a:endParaRPr lang="en-US" sz="1200">
               <a:solidFill>
@@ -10533,7 +9397,7 @@
             <p:ph idx="1"/>
             <p:extLst>
               <p:ext uri="{D42A27DB-BD31-4B8C-83A1-F6EECF244321}">
-                <p14:modId xmlns:p14="http://schemas.microsoft.com/office/powerpoint/2010/main" val="725771334"/>
+                <p14:modId xmlns:p14="http://schemas.microsoft.com/office/powerpoint/2010/main" val="487140005"/>
               </p:ext>
             </p:extLst>
           </p:nvPr>
@@ -10558,6 +9422,13 @@
   <p:clrMapOvr>
     <a:masterClrMapping/>
   </p:clrMapOvr>
+  <p:timing>
+    <p:tnLst>
+      <p:par>
+        <p:cTn id="1" dur="indefinite" restart="never" nodeType="tmRoot"/>
+      </p:par>
+    </p:tnLst>
+  </p:timing>
 </p:sld>
 </file>
 
@@ -10721,7 +9592,7 @@
           <a:p>
             <a:fld id="{BC918B86-AEF2-41BD-9AC8-BEAFB41E6391}" type="datetime1">
               <a:rPr lang="en-US" altLang="zh-TW" smtClean="0"/>
-              <a:t>11/3/2019</a:t>
+              <a:t>11/8/2019</a:t>
             </a:fld>
             <a:endParaRPr lang="en-US" dirty="0"/>
           </a:p>
@@ -11362,6 +10233,13 @@
   <p:clrMapOvr>
     <a:masterClrMapping/>
   </p:clrMapOvr>
+  <p:timing>
+    <p:tnLst>
+      <p:par>
+        <p:cTn id="1" dur="indefinite" restart="never" nodeType="tmRoot"/>
+      </p:par>
+    </p:tnLst>
+  </p:timing>
 </p:sld>
 </file>
 
@@ -11495,7 +10373,7 @@
           <a:p>
             <a:fld id="{BC918B86-AEF2-41BD-9AC8-BEAFB41E6391}" type="datetime1">
               <a:rPr lang="en-US" altLang="zh-TW" smtClean="0"/>
-              <a:t>11/3/2019</a:t>
+              <a:t>11/8/2019</a:t>
             </a:fld>
             <a:endParaRPr lang="en-US" dirty="0"/>
           </a:p>
@@ -11714,6 +10592,13 @@
   <p:clrMapOvr>
     <a:masterClrMapping/>
   </p:clrMapOvr>
+  <p:timing>
+    <p:tnLst>
+      <p:par>
+        <p:cTn id="1" dur="indefinite" restart="never" nodeType="tmRoot"/>
+      </p:par>
+    </p:tnLst>
+  </p:timing>
 </p:sld>
 </file>
 
@@ -11874,7 +10759,7 @@
           <a:p>
             <a:fld id="{7BB99356-4542-4ABA-8A7E-BF0E342717E4}" type="datetime1">
               <a:rPr lang="en-US" altLang="zh-TW" smtClean="0"/>
-              <a:t>11/3/2019</a:t>
+              <a:t>11/8/2019</a:t>
             </a:fld>
             <a:endParaRPr lang="en-US" dirty="0"/>
           </a:p>
@@ -12094,6 +10979,13 @@
   <p:clrMapOvr>
     <a:masterClrMapping/>
   </p:clrMapOvr>
+  <p:timing>
+    <p:tnLst>
+      <p:par>
+        <p:cTn id="1" dur="indefinite" restart="never" nodeType="tmRoot"/>
+      </p:par>
+    </p:tnLst>
+  </p:timing>
 </p:sld>
 </file>
 
@@ -12254,7 +11146,7 @@
           <a:p>
             <a:fld id="{6577C22B-B36C-4A50-A14F-AB5194F01234}" type="datetime1">
               <a:rPr lang="en-US" altLang="zh-TW" smtClean="0"/>
-              <a:t>11/3/2019</a:t>
+              <a:t>11/8/2019</a:t>
             </a:fld>
             <a:endParaRPr lang="en-US" dirty="0"/>
           </a:p>
@@ -12444,6 +11336,13 @@
   <p:clrMapOvr>
     <a:masterClrMapping/>
   </p:clrMapOvr>
+  <p:timing>
+    <p:tnLst>
+      <p:par>
+        <p:cTn id="1" dur="indefinite" restart="never" nodeType="tmRoot"/>
+      </p:par>
+    </p:tnLst>
+  </p:timing>
 </p:sld>
 </file>
 
@@ -12574,21 +11473,17 @@
           <a:p>
             <a:r>
               <a:rPr lang="en-US" dirty="0" smtClean="0"/>
-              <a:t>Given </a:t>
+              <a:t>Given a set of nodes connected by a set of edges, identify the positions of the nodes in some space and calculate the curves that connect them.</a:t>
+            </a:r>
+          </a:p>
+          <a:p>
+            <a:r>
+              <a:rPr lang="en-US" dirty="0" smtClean="0"/>
+              <a:t>Many </a:t>
             </a:r>
             <a:r>
               <a:rPr lang="en-US" dirty="0"/>
-              <a:t>a set of nodes connected by a set of edges, identify the positions of the nodes in some space and calculate the curves that connect </a:t>
-            </a:r>
-            <a:r>
-              <a:rPr lang="en-US" dirty="0" smtClean="0"/>
-              <a:t>them.</a:t>
-            </a:r>
-          </a:p>
-          <a:p>
-            <a:r>
-              <a:rPr lang="en-US" dirty="0"/>
-              <a:t>Many layout algorithms are based on a set of </a:t>
+              <a:t>layout algorithms are based on a set of </a:t>
             </a:r>
             <a:r>
               <a:rPr lang="en-US" b="1" u="sng" dirty="0"/>
@@ -12670,7 +11565,7 @@
           <a:p>
             <a:fld id="{8995CC28-12AB-4194-B8FD-AFD214EF170E}" type="datetime1">
               <a:rPr lang="en-US" altLang="zh-TW" smtClean="0"/>
-              <a:t>11/3/2019</a:t>
+              <a:t>11/8/2019</a:t>
             </a:fld>
             <a:endParaRPr lang="en-US" dirty="0"/>
           </a:p>
@@ -12860,6 +11755,13 @@
   <p:clrMapOvr>
     <a:masterClrMapping/>
   </p:clrMapOvr>
+  <p:timing>
+    <p:tnLst>
+      <p:par>
+        <p:cTn id="1" dur="indefinite" restart="never" nodeType="tmRoot"/>
+      </p:par>
+    </p:tnLst>
+  </p:timing>
 </p:sld>
 </file>
 
@@ -12993,24 +11895,137 @@
           </a:xfrm>
         </p:spPr>
         <p:txBody>
-          <a:bodyPr/>
+          <a:bodyPr>
+            <a:normAutofit/>
+          </a:bodyPr>
           <a:lstStyle/>
           <a:p>
             <a:r>
               <a:rPr lang="en-US" altLang="zh-TW" dirty="0" smtClean="0"/>
-              <a:t>A </a:t>
-            </a:r>
-            <a:r>
-              <a:rPr lang="en-US" altLang="zh-TW" dirty="0"/>
-              <a:t>basic layout is obtained by a computationally fast algorithm, and the resulting drawing is </a:t>
+              <a:t>Represent the edges</a:t>
+            </a:r>
+            <a:r>
+              <a:rPr lang="zh-TW" altLang="en-US" dirty="0" smtClean="0"/>
+              <a:t> </a:t>
             </a:r>
             <a:r>
               <a:rPr lang="en-US" altLang="zh-TW" dirty="0" smtClean="0"/>
-              <a:t>post processed </a:t>
-            </a:r>
-            <a:r>
-              <a:rPr lang="en-US" altLang="zh-TW" dirty="0"/>
-              <a:t>to adhere to such aesthetic rules.</a:t>
+              <a:t>of</a:t>
+            </a:r>
+            <a:r>
+              <a:rPr lang="zh-TW" altLang="en-US" dirty="0" smtClean="0"/>
+              <a:t> </a:t>
+            </a:r>
+            <a:r>
+              <a:rPr lang="en-US" altLang="zh-TW" dirty="0" smtClean="0"/>
+              <a:t>a</a:t>
+            </a:r>
+            <a:r>
+              <a:rPr lang="zh-TW" altLang="en-US" dirty="0" smtClean="0"/>
+              <a:t> </a:t>
+            </a:r>
+            <a:r>
+              <a:rPr lang="en-US" altLang="zh-TW" dirty="0" smtClean="0"/>
+              <a:t>graph</a:t>
+            </a:r>
+            <a:r>
+              <a:rPr lang="zh-TW" altLang="en-US" dirty="0" smtClean="0"/>
+              <a:t> </a:t>
+            </a:r>
+            <a:r>
+              <a:rPr lang="en-US" altLang="zh-TW" dirty="0" smtClean="0"/>
+              <a:t>as</a:t>
+            </a:r>
+            <a:r>
+              <a:rPr lang="zh-TW" altLang="en-US" dirty="0" smtClean="0"/>
+              <a:t> </a:t>
+            </a:r>
+            <a:r>
+              <a:rPr lang="en-US" altLang="zh-TW" dirty="0" smtClean="0"/>
+              <a:t>points</a:t>
+            </a:r>
+            <a:r>
+              <a:rPr lang="zh-TW" altLang="en-US" dirty="0" smtClean="0"/>
+              <a:t> </a:t>
+            </a:r>
+            <a:r>
+              <a:rPr lang="en-US" altLang="zh-TW" dirty="0" smtClean="0"/>
+              <a:t>in</a:t>
+            </a:r>
+            <a:r>
+              <a:rPr lang="zh-TW" altLang="en-US" dirty="0" smtClean="0"/>
+              <a:t> </a:t>
+            </a:r>
+            <a:r>
+              <a:rPr lang="en-US" altLang="zh-TW" dirty="0" err="1" smtClean="0"/>
+              <a:t>Rp</a:t>
+            </a:r>
+            <a:r>
+              <a:rPr lang="en-US" altLang="zh-TW" dirty="0" smtClean="0"/>
+              <a:t> and</a:t>
+            </a:r>
+            <a:r>
+              <a:rPr lang="zh-TW" altLang="en-US" dirty="0" smtClean="0"/>
+              <a:t> </a:t>
+            </a:r>
+            <a:r>
+              <a:rPr lang="en-US" altLang="zh-TW" dirty="0" smtClean="0"/>
+              <a:t>the</a:t>
+            </a:r>
+            <a:r>
+              <a:rPr lang="zh-TW" altLang="en-US" dirty="0" smtClean="0"/>
+              <a:t> </a:t>
+            </a:r>
+            <a:r>
+              <a:rPr lang="en-US" altLang="zh-TW" dirty="0" smtClean="0"/>
+              <a:t>vertices</a:t>
+            </a:r>
+            <a:r>
+              <a:rPr lang="zh-TW" altLang="en-US" dirty="0" smtClean="0"/>
+              <a:t> </a:t>
+            </a:r>
+            <a:r>
+              <a:rPr lang="en-US" altLang="zh-TW" dirty="0" smtClean="0"/>
+              <a:t>as</a:t>
+            </a:r>
+            <a:r>
+              <a:rPr lang="zh-TW" altLang="en-US" dirty="0" smtClean="0"/>
+              <a:t> </a:t>
+            </a:r>
+            <a:r>
+              <a:rPr lang="en-US" altLang="zh-TW" dirty="0" smtClean="0"/>
+              <a:t>lines</a:t>
+            </a:r>
+            <a:r>
+              <a:rPr lang="zh-TW" altLang="en-US" dirty="0" smtClean="0"/>
+              <a:t> </a:t>
+            </a:r>
+            <a:r>
+              <a:rPr lang="en-US" altLang="zh-TW" dirty="0" smtClean="0"/>
+              <a:t>connecting</a:t>
+            </a:r>
+            <a:r>
+              <a:rPr lang="zh-TW" altLang="en-US" dirty="0" smtClean="0"/>
+              <a:t> </a:t>
+            </a:r>
+            <a:r>
+              <a:rPr lang="en-US" altLang="zh-TW" dirty="0" smtClean="0"/>
+              <a:t>the</a:t>
+            </a:r>
+            <a:r>
+              <a:rPr lang="zh-TW" altLang="en-US" dirty="0" smtClean="0"/>
+              <a:t> </a:t>
+            </a:r>
+            <a:r>
+              <a:rPr lang="en-US" altLang="zh-TW" dirty="0" smtClean="0"/>
+              <a:t>points.</a:t>
+            </a:r>
+          </a:p>
+          <a:p>
+            <a:pPr lvl="1"/>
+            <a:r>
+              <a:rPr lang="en-US" altLang="zh-TW" dirty="0" smtClean="0"/>
+              <a:t>metric or embedding</a:t>
             </a:r>
             <a:endParaRPr lang="zh-TW" altLang="en-US" dirty="0"/>
           </a:p>
@@ -13039,7 +12054,7 @@
           <a:p>
             <a:fld id="{8995CC28-12AB-4194-B8FD-AFD214EF170E}" type="datetime1">
               <a:rPr lang="en-US" altLang="zh-TW" smtClean="0"/>
-              <a:t>11/3/2019</a:t>
+              <a:t>11/8/2019</a:t>
             </a:fld>
             <a:endParaRPr lang="en-US" dirty="0"/>
           </a:p>
@@ -13229,6 +12244,13 @@
   <p:clrMapOvr>
     <a:masterClrMapping/>
   </p:clrMapOvr>
+  <p:timing>
+    <p:tnLst>
+      <p:par>
+        <p:cTn id="1" dur="indefinite" restart="never" nodeType="tmRoot"/>
+      </p:par>
+    </p:tnLst>
+  </p:timing>
 </p:sld>
 </file>
 
